--- a/BootcampProject2Presentation.pptx
+++ b/BootcampProject2Presentation.pptx
@@ -6,26 +6,22 @@
   </p:sldMasterIdLst>
   <p:sldIdLst>
     <p:sldId id="256" r:id="rId2"/>
-    <p:sldId id="265" r:id="rId3"/>
-    <p:sldId id="264" r:id="rId4"/>
+    <p:sldId id="264" r:id="rId3"/>
+    <p:sldId id="265" r:id="rId4"/>
     <p:sldId id="257" r:id="rId5"/>
     <p:sldId id="266" r:id="rId6"/>
     <p:sldId id="271" r:id="rId7"/>
     <p:sldId id="267" r:id="rId8"/>
     <p:sldId id="272" r:id="rId9"/>
-    <p:sldId id="268" r:id="rId10"/>
-    <p:sldId id="258" r:id="rId11"/>
-    <p:sldId id="259" r:id="rId12"/>
-    <p:sldId id="260" r:id="rId13"/>
-    <p:sldId id="261" r:id="rId14"/>
-    <p:sldId id="262" r:id="rId15"/>
-    <p:sldId id="263" r:id="rId16"/>
+    <p:sldId id="258" r:id="rId10"/>
+    <p:sldId id="259" r:id="rId11"/>
+    <p:sldId id="260" r:id="rId12"/>
+    <p:sldId id="261" r:id="rId13"/>
+    <p:sldId id="262" r:id="rId14"/>
+    <p:sldId id="263" r:id="rId15"/>
+    <p:sldId id="268" r:id="rId16"/>
     <p:sldId id="269" r:id="rId17"/>
-    <p:sldId id="274" r:id="rId18"/>
-    <p:sldId id="275" r:id="rId19"/>
-    <p:sldId id="276" r:id="rId20"/>
-    <p:sldId id="277" r:id="rId21"/>
-    <p:sldId id="273" r:id="rId22"/>
+    <p:sldId id="273" r:id="rId18"/>
   </p:sldIdLst>
   <p:sldSz cx="12192000" cy="6858000"/>
   <p:notesSz cx="6858000" cy="9144000"/>
@@ -135,330 +131,10 @@
 <file path=ppt/revisionInfo.xml><?xml version="1.0" encoding="utf-8"?>
 <p1510:revInfo xmlns:a="http://schemas.openxmlformats.org/drawingml/2006/main" xmlns:r="http://schemas.openxmlformats.org/officeDocument/2006/relationships" xmlns:p1510="http://schemas.microsoft.com/office/powerpoint/2015/10/main">
   <p1510:revLst>
-    <p1510:client id="{BDA1B0DA-1CAE-4328-93FD-4EBA42FB1645}" v="16" dt="2020-05-30T20:52:19.818"/>
+    <p1510:client id="{4D96EF1B-EF07-4974-8355-6610F38CAB55}" v="1" dt="2020-06-01T16:58:55.291"/>
+    <p1510:client id="{80422FA2-79D0-44B2-951A-8B779B319F89}" v="1" dt="2020-06-01T20:48:08.931"/>
   </p1510:revLst>
 </p1510:revInfo>
-</file>
-
-<file path=ppt/changesInfos/changesInfo1.xml><?xml version="1.0" encoding="utf-8"?>
-<pc:chgInfo xmlns:a="http://schemas.openxmlformats.org/drawingml/2006/main" xmlns:r="http://schemas.openxmlformats.org/officeDocument/2006/relationships" xmlns:ac="http://schemas.microsoft.com/office/drawing/2013/main/command" xmlns:pc="http://schemas.microsoft.com/office/powerpoint/2013/main/command">
-  <pc:docChgLst>
-    <pc:chgData name="Ben Roseburrough" userId="cfb877d285e39445" providerId="LiveId" clId="{BDA1B0DA-1CAE-4328-93FD-4EBA42FB1645}"/>
-    <pc:docChg chg="undo custSel mod addSld modSld">
-      <pc:chgData name="Ben Roseburrough" userId="cfb877d285e39445" providerId="LiveId" clId="{BDA1B0DA-1CAE-4328-93FD-4EBA42FB1645}" dt="2020-05-30T20:52:57.830" v="2609" actId="20577"/>
-      <pc:docMkLst>
-        <pc:docMk/>
-      </pc:docMkLst>
-      <pc:sldChg chg="modSp mod">
-        <pc:chgData name="Ben Roseburrough" userId="cfb877d285e39445" providerId="LiveId" clId="{BDA1B0DA-1CAE-4328-93FD-4EBA42FB1645}" dt="2020-05-30T20:52:34.497" v="2597" actId="20577"/>
-        <pc:sldMkLst>
-          <pc:docMk/>
-          <pc:sldMk cId="4073167091" sldId="269"/>
-        </pc:sldMkLst>
-        <pc:spChg chg="mod">
-          <ac:chgData name="Ben Roseburrough" userId="cfb877d285e39445" providerId="LiveId" clId="{BDA1B0DA-1CAE-4328-93FD-4EBA42FB1645}" dt="2020-05-30T20:52:34.497" v="2597" actId="20577"/>
-          <ac:spMkLst>
-            <pc:docMk/>
-            <pc:sldMk cId="4073167091" sldId="269"/>
-            <ac:spMk id="9" creationId="{D7F55026-0703-4105-914B-604CFDEF3514}"/>
-          </ac:spMkLst>
-        </pc:spChg>
-      </pc:sldChg>
-      <pc:sldChg chg="addSp delSp modSp add mod">
-        <pc:chgData name="Ben Roseburrough" userId="cfb877d285e39445" providerId="LiveId" clId="{BDA1B0DA-1CAE-4328-93FD-4EBA42FB1645}" dt="2020-05-30T20:52:39.936" v="2600" actId="20577"/>
-        <pc:sldMkLst>
-          <pc:docMk/>
-          <pc:sldMk cId="4147376042" sldId="274"/>
-        </pc:sldMkLst>
-        <pc:spChg chg="mod">
-          <ac:chgData name="Ben Roseburrough" userId="cfb877d285e39445" providerId="LiveId" clId="{BDA1B0DA-1CAE-4328-93FD-4EBA42FB1645}" dt="2020-05-30T19:52:27.489" v="349" actId="20577"/>
-          <ac:spMkLst>
-            <pc:docMk/>
-            <pc:sldMk cId="4147376042" sldId="274"/>
-            <ac:spMk id="6" creationId="{E102CA1D-598F-4203-A3E1-4EDC221965E6}"/>
-          </ac:spMkLst>
-        </pc:spChg>
-        <pc:spChg chg="add del mod">
-          <ac:chgData name="Ben Roseburrough" userId="cfb877d285e39445" providerId="LiveId" clId="{BDA1B0DA-1CAE-4328-93FD-4EBA42FB1645}" dt="2020-05-30T19:11:27.457" v="3"/>
-          <ac:spMkLst>
-            <pc:docMk/>
-            <pc:sldMk cId="4147376042" sldId="274"/>
-            <ac:spMk id="7" creationId="{6BD92D60-2D6D-470D-8B05-280C58B7F1F8}"/>
-          </ac:spMkLst>
-        </pc:spChg>
-        <pc:spChg chg="mod">
-          <ac:chgData name="Ben Roseburrough" userId="cfb877d285e39445" providerId="LiveId" clId="{BDA1B0DA-1CAE-4328-93FD-4EBA42FB1645}" dt="2020-05-30T20:52:39.936" v="2600" actId="20577"/>
-          <ac:spMkLst>
-            <pc:docMk/>
-            <pc:sldMk cId="4147376042" sldId="274"/>
-            <ac:spMk id="9" creationId="{D7F55026-0703-4105-914B-604CFDEF3514}"/>
-          </ac:spMkLst>
-        </pc:spChg>
-        <pc:spChg chg="add mod">
-          <ac:chgData name="Ben Roseburrough" userId="cfb877d285e39445" providerId="LiveId" clId="{BDA1B0DA-1CAE-4328-93FD-4EBA42FB1645}" dt="2020-05-30T19:13:15.816" v="63" actId="20577"/>
-          <ac:spMkLst>
-            <pc:docMk/>
-            <pc:sldMk cId="4147376042" sldId="274"/>
-            <ac:spMk id="10" creationId="{E2BB97D6-AF4B-43DB-A797-C4160FA4F889}"/>
-          </ac:spMkLst>
-        </pc:spChg>
-        <pc:picChg chg="del">
-          <ac:chgData name="Ben Roseburrough" userId="cfb877d285e39445" providerId="LiveId" clId="{BDA1B0DA-1CAE-4328-93FD-4EBA42FB1645}" dt="2020-05-30T19:08:34.445" v="1" actId="478"/>
-          <ac:picMkLst>
-            <pc:docMk/>
-            <pc:sldMk cId="4147376042" sldId="274"/>
-            <ac:picMk id="4" creationId="{BACC1F23-860D-454C-9A71-6F7DF3968481}"/>
-          </ac:picMkLst>
-        </pc:picChg>
-        <pc:picChg chg="del">
-          <ac:chgData name="Ben Roseburrough" userId="cfb877d285e39445" providerId="LiveId" clId="{BDA1B0DA-1CAE-4328-93FD-4EBA42FB1645}" dt="2020-05-30T19:08:39.404" v="2" actId="478"/>
-          <ac:picMkLst>
-            <pc:docMk/>
-            <pc:sldMk cId="4147376042" sldId="274"/>
-            <ac:picMk id="5" creationId="{B7EF9C61-CD6B-46F5-8BDA-3F0268DA8C56}"/>
-          </ac:picMkLst>
-        </pc:picChg>
-        <pc:picChg chg="add mod">
-          <ac:chgData name="Ben Roseburrough" userId="cfb877d285e39445" providerId="LiveId" clId="{BDA1B0DA-1CAE-4328-93FD-4EBA42FB1645}" dt="2020-05-30T19:11:33.644" v="5" actId="1076"/>
-          <ac:picMkLst>
-            <pc:docMk/>
-            <pc:sldMk cId="4147376042" sldId="274"/>
-            <ac:picMk id="8" creationId="{F5D17416-E426-425D-98D7-98974418C824}"/>
-          </ac:picMkLst>
-        </pc:picChg>
-        <pc:cxnChg chg="add">
-          <ac:chgData name="Ben Roseburrough" userId="cfb877d285e39445" providerId="LiveId" clId="{BDA1B0DA-1CAE-4328-93FD-4EBA42FB1645}" dt="2020-05-30T19:12:52.039" v="47" actId="11529"/>
-          <ac:cxnSpMkLst>
-            <pc:docMk/>
-            <pc:sldMk cId="4147376042" sldId="274"/>
-            <ac:cxnSpMk id="14" creationId="{51E9EB42-0704-4405-AC6F-9935A14B3B1B}"/>
-          </ac:cxnSpMkLst>
-        </pc:cxnChg>
-      </pc:sldChg>
-      <pc:sldChg chg="addSp delSp modSp add mod">
-        <pc:chgData name="Ben Roseburrough" userId="cfb877d285e39445" providerId="LiveId" clId="{BDA1B0DA-1CAE-4328-93FD-4EBA42FB1645}" dt="2020-05-30T20:52:46.700" v="2603" actId="20577"/>
-        <pc:sldMkLst>
-          <pc:docMk/>
-          <pc:sldMk cId="1858377272" sldId="275"/>
-        </pc:sldMkLst>
-        <pc:spChg chg="add del mod">
-          <ac:chgData name="Ben Roseburrough" userId="cfb877d285e39445" providerId="LiveId" clId="{BDA1B0DA-1CAE-4328-93FD-4EBA42FB1645}" dt="2020-05-30T19:53:54.250" v="352"/>
-          <ac:spMkLst>
-            <pc:docMk/>
-            <pc:sldMk cId="1858377272" sldId="275"/>
-            <ac:spMk id="4" creationId="{A17100A3-04B8-4BC5-B35D-9453A0FF6D63}"/>
-          </ac:spMkLst>
-        </pc:spChg>
-        <pc:spChg chg="mod">
-          <ac:chgData name="Ben Roseburrough" userId="cfb877d285e39445" providerId="LiveId" clId="{BDA1B0DA-1CAE-4328-93FD-4EBA42FB1645}" dt="2020-05-30T19:57:18.565" v="768" actId="20577"/>
-          <ac:spMkLst>
-            <pc:docMk/>
-            <pc:sldMk cId="1858377272" sldId="275"/>
-            <ac:spMk id="6" creationId="{E102CA1D-598F-4203-A3E1-4EDC221965E6}"/>
-          </ac:spMkLst>
-        </pc:spChg>
-        <pc:spChg chg="add mod">
-          <ac:chgData name="Ben Roseburrough" userId="cfb877d285e39445" providerId="LiveId" clId="{BDA1B0DA-1CAE-4328-93FD-4EBA42FB1645}" dt="2020-05-30T20:03:49.688" v="779" actId="14100"/>
-          <ac:spMkLst>
-            <pc:docMk/>
-            <pc:sldMk cId="1858377272" sldId="275"/>
-            <ac:spMk id="7" creationId="{FFF43AAB-B50E-44F5-9F09-95305E70DA1E}"/>
-          </ac:spMkLst>
-        </pc:spChg>
-        <pc:spChg chg="mod">
-          <ac:chgData name="Ben Roseburrough" userId="cfb877d285e39445" providerId="LiveId" clId="{BDA1B0DA-1CAE-4328-93FD-4EBA42FB1645}" dt="2020-05-30T20:52:46.700" v="2603" actId="20577"/>
-          <ac:spMkLst>
-            <pc:docMk/>
-            <pc:sldMk cId="1858377272" sldId="275"/>
-            <ac:spMk id="9" creationId="{D7F55026-0703-4105-914B-604CFDEF3514}"/>
-          </ac:spMkLst>
-        </pc:spChg>
-        <pc:spChg chg="del">
-          <ac:chgData name="Ben Roseburrough" userId="cfb877d285e39445" providerId="LiveId" clId="{BDA1B0DA-1CAE-4328-93FD-4EBA42FB1645}" dt="2020-05-30T19:53:59.013" v="353" actId="478"/>
-          <ac:spMkLst>
-            <pc:docMk/>
-            <pc:sldMk cId="1858377272" sldId="275"/>
-            <ac:spMk id="10" creationId="{E2BB97D6-AF4B-43DB-A797-C4160FA4F889}"/>
-          </ac:spMkLst>
-        </pc:spChg>
-        <pc:picChg chg="add mod">
-          <ac:chgData name="Ben Roseburrough" userId="cfb877d285e39445" providerId="LiveId" clId="{BDA1B0DA-1CAE-4328-93FD-4EBA42FB1645}" dt="2020-05-30T19:54:08.245" v="355" actId="1076"/>
-          <ac:picMkLst>
-            <pc:docMk/>
-            <pc:sldMk cId="1858377272" sldId="275"/>
-            <ac:picMk id="5" creationId="{9AFFB1F4-5446-40D0-8943-B1EBC08D6C68}"/>
-          </ac:picMkLst>
-        </pc:picChg>
-        <pc:picChg chg="del">
-          <ac:chgData name="Ben Roseburrough" userId="cfb877d285e39445" providerId="LiveId" clId="{BDA1B0DA-1CAE-4328-93FD-4EBA42FB1645}" dt="2020-05-30T19:52:50.669" v="351" actId="478"/>
-          <ac:picMkLst>
-            <pc:docMk/>
-            <pc:sldMk cId="1858377272" sldId="275"/>
-            <ac:picMk id="8" creationId="{F5D17416-E426-425D-98D7-98974418C824}"/>
-          </ac:picMkLst>
-        </pc:picChg>
-        <pc:cxnChg chg="del">
-          <ac:chgData name="Ben Roseburrough" userId="cfb877d285e39445" providerId="LiveId" clId="{BDA1B0DA-1CAE-4328-93FD-4EBA42FB1645}" dt="2020-05-30T19:54:01.614" v="354" actId="478"/>
-          <ac:cxnSpMkLst>
-            <pc:docMk/>
-            <pc:sldMk cId="1858377272" sldId="275"/>
-            <ac:cxnSpMk id="14" creationId="{51E9EB42-0704-4405-AC6F-9935A14B3B1B}"/>
-          </ac:cxnSpMkLst>
-        </pc:cxnChg>
-      </pc:sldChg>
-      <pc:sldChg chg="addSp delSp modSp add mod setBg setClrOvrMap">
-        <pc:chgData name="Ben Roseburrough" userId="cfb877d285e39445" providerId="LiveId" clId="{BDA1B0DA-1CAE-4328-93FD-4EBA42FB1645}" dt="2020-05-30T20:52:52.205" v="2606" actId="20577"/>
-        <pc:sldMkLst>
-          <pc:docMk/>
-          <pc:sldMk cId="1397093794" sldId="276"/>
-        </pc:sldMkLst>
-        <pc:spChg chg="mod">
-          <ac:chgData name="Ben Roseburrough" userId="cfb877d285e39445" providerId="LiveId" clId="{BDA1B0DA-1CAE-4328-93FD-4EBA42FB1645}" dt="2020-05-30T20:12:03.418" v="1240" actId="26606"/>
-          <ac:spMkLst>
-            <pc:docMk/>
-            <pc:sldMk cId="1397093794" sldId="276"/>
-            <ac:spMk id="2" creationId="{2F3FED80-2296-4175-A57B-98CB81EDB011}"/>
-          </ac:spMkLst>
-        </pc:spChg>
-        <pc:spChg chg="add del mod">
-          <ac:chgData name="Ben Roseburrough" userId="cfb877d285e39445" providerId="LiveId" clId="{BDA1B0DA-1CAE-4328-93FD-4EBA42FB1645}" dt="2020-05-30T20:11:43.340" v="1237"/>
-          <ac:spMkLst>
-            <pc:docMk/>
-            <pc:sldMk cId="1397093794" sldId="276"/>
-            <ac:spMk id="4" creationId="{A6B6E5F7-453D-45A0-A078-0A13FEE84062}"/>
-          </ac:spMkLst>
-        </pc:spChg>
-        <pc:spChg chg="del mod">
-          <ac:chgData name="Ben Roseburrough" userId="cfb877d285e39445" providerId="LiveId" clId="{BDA1B0DA-1CAE-4328-93FD-4EBA42FB1645}" dt="2020-05-30T20:08:36.975" v="1236" actId="478"/>
-          <ac:spMkLst>
-            <pc:docMk/>
-            <pc:sldMk cId="1397093794" sldId="276"/>
-            <ac:spMk id="6" creationId="{E102CA1D-598F-4203-A3E1-4EDC221965E6}"/>
-          </ac:spMkLst>
-        </pc:spChg>
-        <pc:spChg chg="add mod">
-          <ac:chgData name="Ben Roseburrough" userId="cfb877d285e39445" providerId="LiveId" clId="{BDA1B0DA-1CAE-4328-93FD-4EBA42FB1645}" dt="2020-05-30T20:36:55.326" v="1886" actId="20577"/>
-          <ac:spMkLst>
-            <pc:docMk/>
-            <pc:sldMk cId="1397093794" sldId="276"/>
-            <ac:spMk id="8" creationId="{36AE280D-15E1-4B4D-ABF6-1CDC047D770F}"/>
-          </ac:spMkLst>
-        </pc:spChg>
-        <pc:spChg chg="mod ord">
-          <ac:chgData name="Ben Roseburrough" userId="cfb877d285e39445" providerId="LiveId" clId="{BDA1B0DA-1CAE-4328-93FD-4EBA42FB1645}" dt="2020-05-30T20:52:52.205" v="2606" actId="20577"/>
-          <ac:spMkLst>
-            <pc:docMk/>
-            <pc:sldMk cId="1397093794" sldId="276"/>
-            <ac:spMk id="9" creationId="{D7F55026-0703-4105-914B-604CFDEF3514}"/>
-          </ac:spMkLst>
-        </pc:spChg>
-        <pc:spChg chg="add mod">
-          <ac:chgData name="Ben Roseburrough" userId="cfb877d285e39445" providerId="LiveId" clId="{BDA1B0DA-1CAE-4328-93FD-4EBA42FB1645}" dt="2020-05-30T20:22:45.177" v="1554" actId="207"/>
-          <ac:spMkLst>
-            <pc:docMk/>
-            <pc:sldMk cId="1397093794" sldId="276"/>
-            <ac:spMk id="10" creationId="{609A6798-E82F-491C-BD61-6EC817B8A36C}"/>
-          </ac:spMkLst>
-        </pc:spChg>
-        <pc:spChg chg="add del">
-          <ac:chgData name="Ben Roseburrough" userId="cfb877d285e39445" providerId="LiveId" clId="{BDA1B0DA-1CAE-4328-93FD-4EBA42FB1645}" dt="2020-05-30T20:12:03.418" v="1240" actId="26606"/>
-          <ac:spMkLst>
-            <pc:docMk/>
-            <pc:sldMk cId="1397093794" sldId="276"/>
-            <ac:spMk id="12" creationId="{5BD1C87D-7B83-49A8-844E-433D32C45671}"/>
-          </ac:spMkLst>
-        </pc:spChg>
-        <pc:spChg chg="add del">
-          <ac:chgData name="Ben Roseburrough" userId="cfb877d285e39445" providerId="LiveId" clId="{BDA1B0DA-1CAE-4328-93FD-4EBA42FB1645}" dt="2020-05-30T20:12:03.418" v="1240" actId="26606"/>
-          <ac:spMkLst>
-            <pc:docMk/>
-            <pc:sldMk cId="1397093794" sldId="276"/>
-            <ac:spMk id="13" creationId="{1703047A-2C9B-4E2C-9A75-B67521B6D638}"/>
-          </ac:spMkLst>
-        </pc:spChg>
-        <pc:spChg chg="add del">
-          <ac:chgData name="Ben Roseburrough" userId="cfb877d285e39445" providerId="LiveId" clId="{BDA1B0DA-1CAE-4328-93FD-4EBA42FB1645}" dt="2020-05-30T20:12:03.418" v="1240" actId="26606"/>
-          <ac:spMkLst>
-            <pc:docMk/>
-            <pc:sldMk cId="1397093794" sldId="276"/>
-            <ac:spMk id="18" creationId="{6F66A575-7835-4400-BEDE-89F2EF034034}"/>
-          </ac:spMkLst>
-        </pc:spChg>
-        <pc:picChg chg="del">
-          <ac:chgData name="Ben Roseburrough" userId="cfb877d285e39445" providerId="LiveId" clId="{BDA1B0DA-1CAE-4328-93FD-4EBA42FB1645}" dt="2020-05-30T20:02:38.580" v="770" actId="478"/>
-          <ac:picMkLst>
-            <pc:docMk/>
-            <pc:sldMk cId="1397093794" sldId="276"/>
-            <ac:picMk id="5" creationId="{9AFFB1F4-5446-40D0-8943-B1EBC08D6C68}"/>
-          </ac:picMkLst>
-        </pc:picChg>
-        <pc:picChg chg="add mod">
-          <ac:chgData name="Ben Roseburrough" userId="cfb877d285e39445" providerId="LiveId" clId="{BDA1B0DA-1CAE-4328-93FD-4EBA42FB1645}" dt="2020-05-30T20:12:03.418" v="1240" actId="26606"/>
-          <ac:picMkLst>
-            <pc:docMk/>
-            <pc:sldMk cId="1397093794" sldId="276"/>
-            <ac:picMk id="7" creationId="{01D630E9-C5C6-4315-A526-F9237D350940}"/>
-          </ac:picMkLst>
-        </pc:picChg>
-      </pc:sldChg>
-      <pc:sldChg chg="addSp delSp modSp add mod">
-        <pc:chgData name="Ben Roseburrough" userId="cfb877d285e39445" providerId="LiveId" clId="{BDA1B0DA-1CAE-4328-93FD-4EBA42FB1645}" dt="2020-05-30T20:52:57.830" v="2609" actId="20577"/>
-        <pc:sldMkLst>
-          <pc:docMk/>
-          <pc:sldMk cId="748315847" sldId="277"/>
-        </pc:sldMkLst>
-        <pc:spChg chg="add del mod">
-          <ac:chgData name="Ben Roseburrough" userId="cfb877d285e39445" providerId="LiveId" clId="{BDA1B0DA-1CAE-4328-93FD-4EBA42FB1645}" dt="2020-05-30T20:45:17.964" v="1889"/>
-          <ac:spMkLst>
-            <pc:docMk/>
-            <pc:sldMk cId="748315847" sldId="277"/>
-            <ac:spMk id="4" creationId="{A05EDAE5-119A-41EC-92E4-C0A959BA9B49}"/>
-          </ac:spMkLst>
-        </pc:spChg>
-        <pc:spChg chg="mod">
-          <ac:chgData name="Ben Roseburrough" userId="cfb877d285e39445" providerId="LiveId" clId="{BDA1B0DA-1CAE-4328-93FD-4EBA42FB1645}" dt="2020-05-30T20:52:08.283" v="2593" actId="20577"/>
-          <ac:spMkLst>
-            <pc:docMk/>
-            <pc:sldMk cId="748315847" sldId="277"/>
-            <ac:spMk id="8" creationId="{36AE280D-15E1-4B4D-ABF6-1CDC047D770F}"/>
-          </ac:spMkLst>
-        </pc:spChg>
-        <pc:spChg chg="mod">
-          <ac:chgData name="Ben Roseburrough" userId="cfb877d285e39445" providerId="LiveId" clId="{BDA1B0DA-1CAE-4328-93FD-4EBA42FB1645}" dt="2020-05-30T20:52:57.830" v="2609" actId="20577"/>
-          <ac:spMkLst>
-            <pc:docMk/>
-            <pc:sldMk cId="748315847" sldId="277"/>
-            <ac:spMk id="9" creationId="{D7F55026-0703-4105-914B-604CFDEF3514}"/>
-          </ac:spMkLst>
-        </pc:spChg>
-        <pc:spChg chg="mod">
-          <ac:chgData name="Ben Roseburrough" userId="cfb877d285e39445" providerId="LiveId" clId="{BDA1B0DA-1CAE-4328-93FD-4EBA42FB1645}" dt="2020-05-30T20:52:19.818" v="2594"/>
-          <ac:spMkLst>
-            <pc:docMk/>
-            <pc:sldMk cId="748315847" sldId="277"/>
-            <ac:spMk id="10" creationId="{609A6798-E82F-491C-BD61-6EC817B8A36C}"/>
-          </ac:spMkLst>
-        </pc:spChg>
-        <pc:picChg chg="add mod">
-          <ac:chgData name="Ben Roseburrough" userId="cfb877d285e39445" providerId="LiveId" clId="{BDA1B0DA-1CAE-4328-93FD-4EBA42FB1645}" dt="2020-05-30T20:45:38.105" v="1892" actId="14100"/>
-          <ac:picMkLst>
-            <pc:docMk/>
-            <pc:sldMk cId="748315847" sldId="277"/>
-            <ac:picMk id="5" creationId="{5D1615DF-CBEB-4A12-AF7C-FED61CA837B8}"/>
-          </ac:picMkLst>
-        </pc:picChg>
-        <pc:picChg chg="del">
-          <ac:chgData name="Ben Roseburrough" userId="cfb877d285e39445" providerId="LiveId" clId="{BDA1B0DA-1CAE-4328-93FD-4EBA42FB1645}" dt="2020-05-30T20:44:31.250" v="1888" actId="478"/>
-          <ac:picMkLst>
-            <pc:docMk/>
-            <pc:sldMk cId="748315847" sldId="277"/>
-            <ac:picMk id="7" creationId="{01D630E9-C5C6-4315-A526-F9237D350940}"/>
-          </ac:picMkLst>
-        </pc:picChg>
-      </pc:sldChg>
-    </pc:docChg>
-  </pc:docChgLst>
-</pc:chgInfo>
 </file>
 
 <file path=ppt/diagrams/colors1.xml><?xml version="1.0" encoding="utf-8"?>
@@ -1903,13 +1579,8 @@
           </a:pPr>
           <a:r>
             <a:rPr lang="en-US" sz="1800" dirty="0"/>
-            <a:t>JS/d3/</a:t>
+            <a:t>JS/d3</a:t>
           </a:r>
-          <a:r>
-            <a:rPr lang="en-US" sz="1800" dirty="0" err="1"/>
-            <a:t>Jquery</a:t>
-          </a:r>
-          <a:endParaRPr lang="en-US" sz="1800" dirty="0"/>
         </a:p>
       </dgm:t>
     </dgm:pt>
@@ -3482,13 +3153,8 @@
           </a:pPr>
           <a:r>
             <a:rPr lang="en-US" sz="1800" kern="1200" dirty="0"/>
-            <a:t>JS/d3/</a:t>
+            <a:t>JS/d3</a:t>
           </a:r>
-          <a:r>
-            <a:rPr lang="en-US" sz="1800" kern="1200" dirty="0" err="1"/>
-            <a:t>Jquery</a:t>
-          </a:r>
-          <a:endParaRPr lang="en-US" sz="1800" kern="1200" dirty="0"/>
         </a:p>
       </dsp:txBody>
       <dsp:txXfrm>
@@ -4975,7 +4641,7 @@
           <a:p>
             <a:fld id="{61901FDA-D5A3-4D6E-A17A-00A43A0CEB9B}" type="datetimeFigureOut">
               <a:rPr lang="en-US" smtClean="0"/>
-              <a:t>5/30/2020</a:t>
+              <a:t>6/4/2020</a:t>
             </a:fld>
             <a:endParaRPr lang="en-US"/>
           </a:p>
@@ -5173,7 +4839,7 @@
           <a:p>
             <a:fld id="{61901FDA-D5A3-4D6E-A17A-00A43A0CEB9B}" type="datetimeFigureOut">
               <a:rPr lang="en-US" smtClean="0"/>
-              <a:t>5/30/2020</a:t>
+              <a:t>6/4/2020</a:t>
             </a:fld>
             <a:endParaRPr lang="en-US"/>
           </a:p>
@@ -5381,7 +5047,7 @@
           <a:p>
             <a:fld id="{61901FDA-D5A3-4D6E-A17A-00A43A0CEB9B}" type="datetimeFigureOut">
               <a:rPr lang="en-US" smtClean="0"/>
-              <a:t>5/30/2020</a:t>
+              <a:t>6/4/2020</a:t>
             </a:fld>
             <a:endParaRPr lang="en-US"/>
           </a:p>
@@ -5579,7 +5245,7 @@
           <a:p>
             <a:fld id="{61901FDA-D5A3-4D6E-A17A-00A43A0CEB9B}" type="datetimeFigureOut">
               <a:rPr lang="en-US" smtClean="0"/>
-              <a:t>5/30/2020</a:t>
+              <a:t>6/4/2020</a:t>
             </a:fld>
             <a:endParaRPr lang="en-US"/>
           </a:p>
@@ -5854,7 +5520,7 @@
           <a:p>
             <a:fld id="{61901FDA-D5A3-4D6E-A17A-00A43A0CEB9B}" type="datetimeFigureOut">
               <a:rPr lang="en-US" smtClean="0"/>
-              <a:t>5/30/2020</a:t>
+              <a:t>6/4/2020</a:t>
             </a:fld>
             <a:endParaRPr lang="en-US"/>
           </a:p>
@@ -6119,7 +5785,7 @@
           <a:p>
             <a:fld id="{61901FDA-D5A3-4D6E-A17A-00A43A0CEB9B}" type="datetimeFigureOut">
               <a:rPr lang="en-US" smtClean="0"/>
-              <a:t>5/30/2020</a:t>
+              <a:t>6/4/2020</a:t>
             </a:fld>
             <a:endParaRPr lang="en-US"/>
           </a:p>
@@ -6531,7 +6197,7 @@
           <a:p>
             <a:fld id="{61901FDA-D5A3-4D6E-A17A-00A43A0CEB9B}" type="datetimeFigureOut">
               <a:rPr lang="en-US" smtClean="0"/>
-              <a:t>5/30/2020</a:t>
+              <a:t>6/4/2020</a:t>
             </a:fld>
             <a:endParaRPr lang="en-US"/>
           </a:p>
@@ -6672,7 +6338,7 @@
           <a:p>
             <a:fld id="{61901FDA-D5A3-4D6E-A17A-00A43A0CEB9B}" type="datetimeFigureOut">
               <a:rPr lang="en-US" smtClean="0"/>
-              <a:t>5/30/2020</a:t>
+              <a:t>6/4/2020</a:t>
             </a:fld>
             <a:endParaRPr lang="en-US"/>
           </a:p>
@@ -6785,7 +6451,7 @@
           <a:p>
             <a:fld id="{61901FDA-D5A3-4D6E-A17A-00A43A0CEB9B}" type="datetimeFigureOut">
               <a:rPr lang="en-US" smtClean="0"/>
-              <a:t>5/30/2020</a:t>
+              <a:t>6/4/2020</a:t>
             </a:fld>
             <a:endParaRPr lang="en-US"/>
           </a:p>
@@ -7096,7 +6762,7 @@
           <a:p>
             <a:fld id="{61901FDA-D5A3-4D6E-A17A-00A43A0CEB9B}" type="datetimeFigureOut">
               <a:rPr lang="en-US" smtClean="0"/>
-              <a:t>5/30/2020</a:t>
+              <a:t>6/4/2020</a:t>
             </a:fld>
             <a:endParaRPr lang="en-US"/>
           </a:p>
@@ -7384,7 +7050,7 @@
           <a:p>
             <a:fld id="{61901FDA-D5A3-4D6E-A17A-00A43A0CEB9B}" type="datetimeFigureOut">
               <a:rPr lang="en-US" smtClean="0"/>
-              <a:t>5/30/2020</a:t>
+              <a:t>6/4/2020</a:t>
             </a:fld>
             <a:endParaRPr lang="en-US"/>
           </a:p>
@@ -7625,7 +7291,7 @@
           <a:p>
             <a:fld id="{61901FDA-D5A3-4D6E-A17A-00A43A0CEB9B}" type="datetimeFigureOut">
               <a:rPr lang="en-US" smtClean="0"/>
-              <a:t>5/30/2020</a:t>
+              <a:t>6/4/2020</a:t>
             </a:fld>
             <a:endParaRPr lang="en-US"/>
           </a:p>
@@ -8118,7 +7784,14 @@
           <a:lstStyle/>
           <a:p>
             <a:pPr algn="l"/>
-            <a:endParaRPr lang="en-US" sz="2000"/>
+            <a:r>
+              <a:rPr lang="en-US" sz="2000" dirty="0" err="1"/>
+              <a:t>Sasmita</a:t>
+            </a:r>
+            <a:r>
+              <a:rPr lang="en-US" sz="2000" dirty="0"/>
+              <a:t>, Mike, Matt, Ben R</a:t>
+            </a:r>
           </a:p>
         </p:txBody>
       </p:sp>
@@ -8342,215 +8015,6 @@
     <p:bg>
       <p:bgPr>
         <a:solidFill>
-          <a:schemeClr val="bg1"/>
-        </a:solidFill>
-        <a:effectLst/>
-      </p:bgPr>
-    </p:bg>
-    <p:spTree>
-      <p:nvGrpSpPr>
-        <p:cNvPr id="1" name=""/>
-        <p:cNvGrpSpPr/>
-        <p:nvPr/>
-      </p:nvGrpSpPr>
-      <p:grpSpPr>
-        <a:xfrm>
-          <a:off x="0" y="0"/>
-          <a:ext cx="0" cy="0"/>
-          <a:chOff x="0" y="0"/>
-          <a:chExt cx="0" cy="0"/>
-        </a:xfrm>
-      </p:grpSpPr>
-      <p:sp>
-        <p:nvSpPr>
-          <p:cNvPr id="16" name="Rectangle 15">
-            <a:extLst>
-              <a:ext uri="{FF2B5EF4-FFF2-40B4-BE49-F238E27FC236}">
-                <a16:creationId xmlns:a16="http://schemas.microsoft.com/office/drawing/2014/main" id="{3A5B4632-C963-4296-86F0-79AA9EA5AE98}"/>
-              </a:ext>
-              <a:ext uri="{C183D7F6-B498-43B3-948B-1728B52AA6E4}">
-                <adec:decorative xmlns:adec="http://schemas.microsoft.com/office/drawing/2017/decorative" val="1"/>
-              </a:ext>
-            </a:extLst>
-          </p:cNvPr>
-          <p:cNvSpPr>
-            <a:spLocks noGrp="1" noRot="1" noChangeAspect="1" noMove="1" noResize="1" noEditPoints="1" noAdjustHandles="1" noChangeArrowheads="1" noChangeShapeType="1" noTextEdit="1"/>
-          </p:cNvSpPr>
-          <p:nvPr>
-            <p:extLst>
-              <p:ext uri="{386F3935-93C4-4BCD-93E2-E3B085C9AB24}">
-                <p16:designElem xmlns:p16="http://schemas.microsoft.com/office/powerpoint/2015/main" val="1"/>
-              </p:ext>
-            </p:extLst>
-          </p:nvPr>
-        </p:nvSpPr>
-        <p:spPr bwMode="ltGray">
-          <a:xfrm>
-            <a:off x="338328" y="303591"/>
-            <a:ext cx="4335327" cy="5896743"/>
-          </a:xfrm>
-          <a:prstGeom prst="rect">
-            <a:avLst/>
-          </a:prstGeom>
-          <a:solidFill>
-            <a:schemeClr val="tx1">
-              <a:alpha val="15000"/>
-            </a:schemeClr>
-          </a:solidFill>
-          <a:ln w="127000" cap="sq" cmpd="thinThick">
-            <a:solidFill>
-              <a:schemeClr val="tx1">
-                <a:alpha val="10000"/>
-              </a:schemeClr>
-            </a:solidFill>
-          </a:ln>
-        </p:spPr>
-        <p:style>
-          <a:lnRef idx="2">
-            <a:schemeClr val="accent1">
-              <a:shade val="50000"/>
-            </a:schemeClr>
-          </a:lnRef>
-          <a:fillRef idx="1">
-            <a:schemeClr val="accent1"/>
-          </a:fillRef>
-          <a:effectRef idx="0">
-            <a:schemeClr val="accent1"/>
-          </a:effectRef>
-          <a:fontRef idx="minor">
-            <a:schemeClr val="lt1"/>
-          </a:fontRef>
-        </p:style>
-        <p:txBody>
-          <a:bodyPr rtlCol="0" anchor="ctr"/>
-          <a:lstStyle/>
-          <a:p>
-            <a:pPr algn="ctr"/>
-            <a:endParaRPr lang="en-US"/>
-          </a:p>
-        </p:txBody>
-      </p:sp>
-      <p:sp>
-        <p:nvSpPr>
-          <p:cNvPr id="2" name="Title 1">
-            <a:extLst>
-              <a:ext uri="{FF2B5EF4-FFF2-40B4-BE49-F238E27FC236}">
-                <a16:creationId xmlns:a16="http://schemas.microsoft.com/office/drawing/2014/main" id="{EFDD0172-77F0-406B-A3D2-4766DB2E7DA2}"/>
-              </a:ext>
-            </a:extLst>
-          </p:cNvPr>
-          <p:cNvSpPr>
-            <a:spLocks noGrp="1"/>
-          </p:cNvSpPr>
-          <p:nvPr>
-            <p:ph type="title"/>
-          </p:nvPr>
-        </p:nvSpPr>
-        <p:spPr>
-          <a:xfrm>
-            <a:off x="594360" y="637125"/>
-            <a:ext cx="3802276" cy="5256371"/>
-          </a:xfrm>
-        </p:spPr>
-        <p:txBody>
-          <a:bodyPr>
-            <a:normAutofit/>
-          </a:bodyPr>
-          <a:lstStyle/>
-          <a:p>
-            <a:r>
-              <a:rPr lang="en-US" sz="4800" dirty="0"/>
-              <a:t>Our Approach</a:t>
-            </a:r>
-          </a:p>
-        </p:txBody>
-      </p:sp>
-      <p:graphicFrame>
-        <p:nvGraphicFramePr>
-          <p:cNvPr id="11" name="Content Placeholder 10">
-            <a:extLst>
-              <a:ext uri="{FF2B5EF4-FFF2-40B4-BE49-F238E27FC236}">
-                <a16:creationId xmlns:a16="http://schemas.microsoft.com/office/drawing/2014/main" id="{EBDB6C5D-C31C-40CD-A0EA-183829E47F9B}"/>
-              </a:ext>
-            </a:extLst>
-          </p:cNvPr>
-          <p:cNvGraphicFramePr>
-            <a:graphicFrameLocks noGrp="1"/>
-          </p:cNvGraphicFramePr>
-          <p:nvPr>
-            <p:ph idx="1"/>
-            <p:extLst>
-              <p:ext uri="{D42A27DB-BD31-4B8C-83A1-F6EECF244321}">
-                <p14:modId xmlns:p14="http://schemas.microsoft.com/office/powerpoint/2010/main" val="623034739"/>
-              </p:ext>
-            </p:extLst>
-          </p:nvPr>
-        </p:nvGraphicFramePr>
-        <p:xfrm>
-          <a:off x="5166985" y="303591"/>
-          <a:ext cx="6588691" cy="5896743"/>
-        </p:xfrm>
-        <a:graphic>
-          <a:graphicData uri="http://schemas.openxmlformats.org/drawingml/2006/diagram">
-            <dgm:relIds xmlns:dgm="http://schemas.openxmlformats.org/drawingml/2006/diagram" xmlns:r="http://schemas.openxmlformats.org/officeDocument/2006/relationships" r:dm="rId2" r:lo="rId3" r:qs="rId4" r:cs="rId5"/>
-          </a:graphicData>
-        </a:graphic>
-      </p:graphicFrame>
-      <p:sp>
-        <p:nvSpPr>
-          <p:cNvPr id="21" name="TextBox 20">
-            <a:extLst>
-              <a:ext uri="{FF2B5EF4-FFF2-40B4-BE49-F238E27FC236}">
-                <a16:creationId xmlns:a16="http://schemas.microsoft.com/office/drawing/2014/main" id="{87C02A60-9E70-4C44-AB05-A43AB9FEB356}"/>
-              </a:ext>
-            </a:extLst>
-          </p:cNvPr>
-          <p:cNvSpPr txBox="1"/>
-          <p:nvPr/>
-        </p:nvSpPr>
-        <p:spPr>
-          <a:xfrm>
-            <a:off x="19878" y="6488668"/>
-            <a:ext cx="1053548" cy="369332"/>
-          </a:xfrm>
-          <a:prstGeom prst="rect">
-            <a:avLst/>
-          </a:prstGeom>
-          <a:noFill/>
-        </p:spPr>
-        <p:txBody>
-          <a:bodyPr wrap="square" rtlCol="0">
-            <a:spAutoFit/>
-          </a:bodyPr>
-          <a:lstStyle/>
-          <a:p>
-            <a:r>
-              <a:rPr lang="en-US" dirty="0" err="1"/>
-              <a:t>Sasmita</a:t>
-            </a:r>
-            <a:endParaRPr lang="en-US" dirty="0"/>
-          </a:p>
-        </p:txBody>
-      </p:sp>
-    </p:spTree>
-    <p:extLst>
-      <p:ext uri="{BB962C8B-B14F-4D97-AF65-F5344CB8AC3E}">
-        <p14:creationId xmlns:p14="http://schemas.microsoft.com/office/powerpoint/2010/main" val="738092125"/>
-      </p:ext>
-    </p:extLst>
-  </p:cSld>
-  <p:clrMapOvr>
-    <a:masterClrMapping/>
-  </p:clrMapOvr>
-</p:sld>
-</file>
-
-<file path=ppt/slides/slide11.xml><?xml version="1.0" encoding="utf-8"?>
-<p:sld xmlns:a="http://schemas.openxmlformats.org/drawingml/2006/main" xmlns:r="http://schemas.openxmlformats.org/officeDocument/2006/relationships" xmlns:p="http://schemas.openxmlformats.org/presentationml/2006/main">
-  <p:cSld>
-    <p:bg>
-      <p:bgPr>
-        <a:solidFill>
           <a:schemeClr val="bg1">
             <a:tint val="95000"/>
             <a:satMod val="170000"/>
@@ -9114,7 +8578,7 @@
 </p:sld>
 </file>
 
-<file path=ppt/slides/slide12.xml><?xml version="1.0" encoding="utf-8"?>
+<file path=ppt/slides/slide11.xml><?xml version="1.0" encoding="utf-8"?>
 <p:sld xmlns:a="http://schemas.openxmlformats.org/drawingml/2006/main" xmlns:r="http://schemas.openxmlformats.org/officeDocument/2006/relationships" xmlns:p="http://schemas.openxmlformats.org/presentationml/2006/main">
   <p:cSld>
     <p:bg>
@@ -9431,50 +8895,6 @@
       </p:sp>
       <p:sp>
         <p:nvSpPr>
-          <p:cNvPr id="3" name="Content Placeholder 2">
-            <a:extLst>
-              <a:ext uri="{FF2B5EF4-FFF2-40B4-BE49-F238E27FC236}">
-                <a16:creationId xmlns:a16="http://schemas.microsoft.com/office/drawing/2014/main" id="{67995877-F9E2-4AC5-84D8-19CC261A8C8B}"/>
-              </a:ext>
-            </a:extLst>
-          </p:cNvPr>
-          <p:cNvSpPr>
-            <a:spLocks noGrp="1"/>
-          </p:cNvSpPr>
-          <p:nvPr>
-            <p:ph idx="1"/>
-          </p:nvPr>
-        </p:nvSpPr>
-        <p:spPr>
-          <a:xfrm>
-            <a:off x="6096000" y="1399032"/>
-            <a:ext cx="5501834" cy="4471416"/>
-          </a:xfrm>
-        </p:spPr>
-        <p:txBody>
-          <a:bodyPr anchor="ctr">
-            <a:normAutofit/>
-          </a:bodyPr>
-          <a:lstStyle/>
-          <a:p>
-            <a:r>
-              <a:rPr lang="en-US" sz="2200">
-                <a:solidFill>
-                  <a:schemeClr val="bg1"/>
-                </a:solidFill>
-              </a:rPr>
-              <a:t>Users control how they slice the data</a:t>
-            </a:r>
-            <a:endParaRPr lang="en-US" sz="2200" dirty="0">
-              <a:solidFill>
-                <a:schemeClr val="bg1"/>
-              </a:solidFill>
-            </a:endParaRPr>
-          </a:p>
-        </p:txBody>
-      </p:sp>
-      <p:sp>
-        <p:nvSpPr>
           <p:cNvPr id="13" name="TextBox 12">
             <a:extLst>
               <a:ext uri="{FF2B5EF4-FFF2-40B4-BE49-F238E27FC236}">
@@ -9508,6 +8928,41 @@
           </a:p>
         </p:txBody>
       </p:sp>
+      <p:pic>
+        <p:nvPicPr>
+          <p:cNvPr id="7" name="Content Placeholder 6">
+            <a:extLst>
+              <a:ext uri="{FF2B5EF4-FFF2-40B4-BE49-F238E27FC236}">
+                <a16:creationId xmlns:a16="http://schemas.microsoft.com/office/drawing/2014/main" id="{F461D792-E662-47FF-8C96-0EE8DFB77DC1}"/>
+              </a:ext>
+            </a:extLst>
+          </p:cNvPr>
+          <p:cNvPicPr>
+            <a:picLocks noGrp="1" noChangeAspect="1"/>
+          </p:cNvPicPr>
+          <p:nvPr>
+            <p:ph idx="1"/>
+          </p:nvPr>
+        </p:nvPicPr>
+        <p:blipFill>
+          <a:blip r:embed="rId2">
+            <a:extLst>
+              <a:ext uri="{28A0092B-C50C-407E-A947-70E740481C1C}">
+                <a14:useLocalDpi xmlns:a14="http://schemas.microsoft.com/office/drawing/2010/main" val="0"/>
+              </a:ext>
+            </a:extLst>
+          </a:blip>
+          <a:stretch>
+            <a:fillRect/>
+          </a:stretch>
+        </p:blipFill>
+        <p:spPr>
+          <a:xfrm>
+            <a:off x="5593342" y="3315838"/>
+            <a:ext cx="6191826" cy="635883"/>
+          </a:xfrm>
+        </p:spPr>
+      </p:pic>
     </p:spTree>
     <p:extLst>
       <p:ext uri="{BB962C8B-B14F-4D97-AF65-F5344CB8AC3E}">
@@ -9521,7 +8976,7 @@
 </p:sld>
 </file>
 
-<file path=ppt/slides/slide13.xml><?xml version="1.0" encoding="utf-8"?>
+<file path=ppt/slides/slide12.xml><?xml version="1.0" encoding="utf-8"?>
 <p:sld xmlns:a="http://schemas.openxmlformats.org/drawingml/2006/main" xmlns:r="http://schemas.openxmlformats.org/officeDocument/2006/relationships" xmlns:p="http://schemas.openxmlformats.org/presentationml/2006/main">
   <p:cSld>
     <p:bg>
@@ -9838,52 +9293,6 @@
       </p:sp>
       <p:sp>
         <p:nvSpPr>
-          <p:cNvPr id="3" name="Content Placeholder 2">
-            <a:extLst>
-              <a:ext uri="{FF2B5EF4-FFF2-40B4-BE49-F238E27FC236}">
-                <a16:creationId xmlns:a16="http://schemas.microsoft.com/office/drawing/2014/main" id="{214F1D13-82A2-4F43-9856-E7BEEEBBA2BC}"/>
-              </a:ext>
-            </a:extLst>
-          </p:cNvPr>
-          <p:cNvSpPr>
-            <a:spLocks noGrp="1"/>
-          </p:cNvSpPr>
-          <p:nvPr>
-            <p:ph idx="1"/>
-          </p:nvPr>
-        </p:nvSpPr>
-        <p:spPr>
-          <a:xfrm>
-            <a:off x="6096000" y="1399032"/>
-            <a:ext cx="5501834" cy="4471416"/>
-          </a:xfrm>
-        </p:spPr>
-        <p:txBody>
-          <a:bodyPr anchor="ctr">
-            <a:normAutofit/>
-          </a:bodyPr>
-          <a:lstStyle/>
-          <a:p>
-            <a:r>
-              <a:rPr lang="en-US" sz="2200">
-                <a:solidFill>
-                  <a:schemeClr val="bg1"/>
-                </a:solidFill>
-              </a:rPr>
-              <a:t>Explore 311 Data by neighborhood</a:t>
-            </a:r>
-          </a:p>
-          <a:p>
-            <a:endParaRPr lang="en-US" sz="2200">
-              <a:solidFill>
-                <a:schemeClr val="bg1"/>
-              </a:solidFill>
-            </a:endParaRPr>
-          </a:p>
-        </p:txBody>
-      </p:sp>
-      <p:sp>
-        <p:nvSpPr>
           <p:cNvPr id="11" name="TextBox 10">
             <a:extLst>
               <a:ext uri="{FF2B5EF4-FFF2-40B4-BE49-F238E27FC236}">
@@ -9918,6 +9327,41 @@
           </a:p>
         </p:txBody>
       </p:sp>
+      <p:pic>
+        <p:nvPicPr>
+          <p:cNvPr id="6" name="Content Placeholder 5" descr="A picture containing keyboard&#10;&#10;Description automatically generated">
+            <a:extLst>
+              <a:ext uri="{FF2B5EF4-FFF2-40B4-BE49-F238E27FC236}">
+                <a16:creationId xmlns:a16="http://schemas.microsoft.com/office/drawing/2014/main" id="{C936ABF2-35D1-4422-88C2-F55B58B6253A}"/>
+              </a:ext>
+            </a:extLst>
+          </p:cNvPr>
+          <p:cNvPicPr>
+            <a:picLocks noGrp="1" noChangeAspect="1"/>
+          </p:cNvPicPr>
+          <p:nvPr>
+            <p:ph idx="1"/>
+          </p:nvPr>
+        </p:nvPicPr>
+        <p:blipFill>
+          <a:blip r:embed="rId2">
+            <a:extLst>
+              <a:ext uri="{28A0092B-C50C-407E-A947-70E740481C1C}">
+                <a14:useLocalDpi xmlns:a14="http://schemas.microsoft.com/office/drawing/2010/main" val="0"/>
+              </a:ext>
+            </a:extLst>
+          </a:blip>
+          <a:stretch>
+            <a:fillRect/>
+          </a:stretch>
+        </p:blipFill>
+        <p:spPr>
+          <a:xfrm>
+            <a:off x="6023545" y="2282448"/>
+            <a:ext cx="5363782" cy="2723324"/>
+          </a:xfrm>
+        </p:spPr>
+      </p:pic>
     </p:spTree>
     <p:extLst>
       <p:ext uri="{BB962C8B-B14F-4D97-AF65-F5344CB8AC3E}">
@@ -9931,7 +9375,7 @@
 </p:sld>
 </file>
 
-<file path=ppt/slides/slide14.xml><?xml version="1.0" encoding="utf-8"?>
+<file path=ppt/slides/slide13.xml><?xml version="1.0" encoding="utf-8"?>
 <p:sld xmlns:a="http://schemas.openxmlformats.org/drawingml/2006/main" xmlns:r="http://schemas.openxmlformats.org/officeDocument/2006/relationships" xmlns:p="http://schemas.openxmlformats.org/presentationml/2006/main">
   <p:cSld>
     <p:bg>
@@ -10248,52 +9692,6 @@
       </p:sp>
       <p:sp>
         <p:nvSpPr>
-          <p:cNvPr id="3" name="Content Placeholder 2">
-            <a:extLst>
-              <a:ext uri="{FF2B5EF4-FFF2-40B4-BE49-F238E27FC236}">
-                <a16:creationId xmlns:a16="http://schemas.microsoft.com/office/drawing/2014/main" id="{3FF8FDA6-4117-4256-A5F7-9B58356318C5}"/>
-              </a:ext>
-            </a:extLst>
-          </p:cNvPr>
-          <p:cNvSpPr>
-            <a:spLocks noGrp="1"/>
-          </p:cNvSpPr>
-          <p:nvPr>
-            <p:ph idx="1"/>
-          </p:nvPr>
-        </p:nvSpPr>
-        <p:spPr>
-          <a:xfrm>
-            <a:off x="6096000" y="1399032"/>
-            <a:ext cx="5501834" cy="4471416"/>
-          </a:xfrm>
-        </p:spPr>
-        <p:txBody>
-          <a:bodyPr anchor="ctr">
-            <a:normAutofit/>
-          </a:bodyPr>
-          <a:lstStyle/>
-          <a:p>
-            <a:r>
-              <a:rPr lang="en-US" sz="2200">
-                <a:solidFill>
-                  <a:schemeClr val="bg1"/>
-                </a:solidFill>
-              </a:rPr>
-              <a:t>Explore by type of issue and department</a:t>
-            </a:r>
-          </a:p>
-          <a:p>
-            <a:endParaRPr lang="en-US" sz="2200">
-              <a:solidFill>
-                <a:schemeClr val="bg1"/>
-              </a:solidFill>
-            </a:endParaRPr>
-          </a:p>
-        </p:txBody>
-      </p:sp>
-      <p:sp>
-        <p:nvSpPr>
           <p:cNvPr id="6" name="TextBox 5">
             <a:extLst>
               <a:ext uri="{FF2B5EF4-FFF2-40B4-BE49-F238E27FC236}">
@@ -10327,6 +9725,41 @@
           </a:p>
         </p:txBody>
       </p:sp>
+      <p:pic>
+        <p:nvPicPr>
+          <p:cNvPr id="9" name="Content Placeholder 8" descr="A screenshot of a cell phone&#10;&#10;Description automatically generated">
+            <a:extLst>
+              <a:ext uri="{FF2B5EF4-FFF2-40B4-BE49-F238E27FC236}">
+                <a16:creationId xmlns:a16="http://schemas.microsoft.com/office/drawing/2014/main" id="{EDA8DB06-305F-490D-B026-F09095492345}"/>
+              </a:ext>
+            </a:extLst>
+          </p:cNvPr>
+          <p:cNvPicPr>
+            <a:picLocks noGrp="1" noChangeAspect="1"/>
+          </p:cNvPicPr>
+          <p:nvPr>
+            <p:ph idx="1"/>
+          </p:nvPr>
+        </p:nvPicPr>
+        <p:blipFill>
+          <a:blip r:embed="rId2">
+            <a:extLst>
+              <a:ext uri="{28A0092B-C50C-407E-A947-70E740481C1C}">
+                <a14:useLocalDpi xmlns:a14="http://schemas.microsoft.com/office/drawing/2010/main" val="0"/>
+              </a:ext>
+            </a:extLst>
+          </a:blip>
+          <a:stretch>
+            <a:fillRect/>
+          </a:stretch>
+        </p:blipFill>
+        <p:spPr>
+          <a:xfrm>
+            <a:off x="5524597" y="2175620"/>
+            <a:ext cx="6434495" cy="2916319"/>
+          </a:xfrm>
+        </p:spPr>
+      </p:pic>
     </p:spTree>
     <p:extLst>
       <p:ext uri="{BB962C8B-B14F-4D97-AF65-F5344CB8AC3E}">
@@ -10340,7 +9773,7 @@
 </p:sld>
 </file>
 
-<file path=ppt/slides/slide15.xml><?xml version="1.0" encoding="utf-8"?>
+<file path=ppt/slides/slide14.xml><?xml version="1.0" encoding="utf-8"?>
 <p:sld xmlns:a="http://schemas.openxmlformats.org/drawingml/2006/main" xmlns:r="http://schemas.openxmlformats.org/officeDocument/2006/relationships" xmlns:p="http://schemas.openxmlformats.org/presentationml/2006/main">
   <p:cSld>
     <p:bg>
@@ -10657,10 +10090,435 @@
       </p:sp>
       <p:sp>
         <p:nvSpPr>
+          <p:cNvPr id="7" name="TextBox 6">
+            <a:extLst>
+              <a:ext uri="{FF2B5EF4-FFF2-40B4-BE49-F238E27FC236}">
+                <a16:creationId xmlns:a16="http://schemas.microsoft.com/office/drawing/2014/main" id="{9100760A-E604-4C52-BCD8-36A71F337DC9}"/>
+              </a:ext>
+            </a:extLst>
+          </p:cNvPr>
+          <p:cNvSpPr txBox="1"/>
+          <p:nvPr/>
+        </p:nvSpPr>
+        <p:spPr>
+          <a:xfrm>
+            <a:off x="19878" y="6488668"/>
+            <a:ext cx="1053548" cy="369332"/>
+          </a:xfrm>
+          <a:prstGeom prst="rect">
+            <a:avLst/>
+          </a:prstGeom>
+          <a:noFill/>
+        </p:spPr>
+        <p:txBody>
+          <a:bodyPr wrap="square" rtlCol="0">
+            <a:spAutoFit/>
+          </a:bodyPr>
+          <a:lstStyle/>
+          <a:p>
+            <a:r>
+              <a:rPr lang="en-US" dirty="0"/>
+              <a:t>Ben</a:t>
+            </a:r>
+          </a:p>
+        </p:txBody>
+      </p:sp>
+      <p:pic>
+        <p:nvPicPr>
+          <p:cNvPr id="11" name="Content Placeholder 3">
+            <a:extLst>
+              <a:ext uri="{FF2B5EF4-FFF2-40B4-BE49-F238E27FC236}">
+                <a16:creationId xmlns:a16="http://schemas.microsoft.com/office/drawing/2014/main" id="{D5DF1249-651D-4C9F-B6AF-1BD066CDF671}"/>
+              </a:ext>
+            </a:extLst>
+          </p:cNvPr>
+          <p:cNvPicPr>
+            <a:picLocks noGrp="1" noChangeAspect="1"/>
+          </p:cNvPicPr>
+          <p:nvPr>
+            <p:ph idx="1"/>
+          </p:nvPr>
+        </p:nvPicPr>
+        <p:blipFill>
+          <a:blip r:embed="rId2"/>
+          <a:stretch>
+            <a:fillRect/>
+          </a:stretch>
+        </p:blipFill>
+        <p:spPr>
+          <a:xfrm>
+            <a:off x="6429375" y="14702"/>
+            <a:ext cx="5152902" cy="3414298"/>
+          </a:xfrm>
+          <a:prstGeom prst="rect">
+            <a:avLst/>
+          </a:prstGeom>
+        </p:spPr>
+      </p:pic>
+      <p:pic>
+        <p:nvPicPr>
+          <p:cNvPr id="12" name="Picture 11">
+            <a:extLst>
+              <a:ext uri="{FF2B5EF4-FFF2-40B4-BE49-F238E27FC236}">
+                <a16:creationId xmlns:a16="http://schemas.microsoft.com/office/drawing/2014/main" id="{4C3DD4B9-08E8-4BB2-9354-7FD27EA98212}"/>
+              </a:ext>
+            </a:extLst>
+          </p:cNvPr>
+          <p:cNvPicPr>
+            <a:picLocks noChangeAspect="1"/>
+          </p:cNvPicPr>
+          <p:nvPr/>
+        </p:nvPicPr>
+        <p:blipFill>
+          <a:blip r:embed="rId3"/>
+          <a:stretch>
+            <a:fillRect/>
+          </a:stretch>
+        </p:blipFill>
+        <p:spPr>
+          <a:xfrm>
+            <a:off x="6429374" y="3428999"/>
+            <a:ext cx="5152901" cy="3416225"/>
+          </a:xfrm>
+          <a:prstGeom prst="rect">
+            <a:avLst/>
+          </a:prstGeom>
+        </p:spPr>
+      </p:pic>
+    </p:spTree>
+    <p:extLst>
+      <p:ext uri="{BB962C8B-B14F-4D97-AF65-F5344CB8AC3E}">
+        <p14:creationId xmlns:p14="http://schemas.microsoft.com/office/powerpoint/2010/main" val="3516158114"/>
+      </p:ext>
+    </p:extLst>
+  </p:cSld>
+  <p:clrMapOvr>
+    <a:overrideClrMapping bg1="dk1" tx1="lt1" bg2="dk2" tx2="lt2" accent1="accent1" accent2="accent2" accent3="accent3" accent4="accent4" accent5="accent5" accent6="accent6" hlink="hlink" folHlink="folHlink"/>
+  </p:clrMapOvr>
+</p:sld>
+</file>
+
+<file path=ppt/slides/slide15.xml><?xml version="1.0" encoding="utf-8"?>
+<p:sld xmlns:a="http://schemas.openxmlformats.org/drawingml/2006/main" xmlns:r="http://schemas.openxmlformats.org/officeDocument/2006/relationships" xmlns:p="http://schemas.openxmlformats.org/presentationml/2006/main">
+  <p:cSld>
+    <p:bg>
+      <p:bgPr>
+        <a:solidFill>
+          <a:schemeClr val="bg1">
+            <a:tint val="95000"/>
+            <a:satMod val="170000"/>
+          </a:schemeClr>
+        </a:solidFill>
+        <a:effectLst/>
+      </p:bgPr>
+    </p:bg>
+    <p:spTree>
+      <p:nvGrpSpPr>
+        <p:cNvPr id="1" name=""/>
+        <p:cNvGrpSpPr/>
+        <p:nvPr/>
+      </p:nvGrpSpPr>
+      <p:grpSpPr>
+        <a:xfrm>
+          <a:off x="0" y="0"/>
+          <a:ext cx="0" cy="0"/>
+          <a:chOff x="0" y="0"/>
+          <a:chExt cx="0" cy="0"/>
+        </a:xfrm>
+      </p:grpSpPr>
+      <p:sp>
+        <p:nvSpPr>
+          <p:cNvPr id="2" name="Title 1">
+            <a:extLst>
+              <a:ext uri="{FF2B5EF4-FFF2-40B4-BE49-F238E27FC236}">
+                <a16:creationId xmlns:a16="http://schemas.microsoft.com/office/drawing/2014/main" id="{B6D0CEDF-F3BE-401B-AFEF-B9888F53A829}"/>
+              </a:ext>
+            </a:extLst>
+          </p:cNvPr>
+          <p:cNvSpPr>
+            <a:spLocks noGrp="1"/>
+          </p:cNvSpPr>
+          <p:nvPr>
+            <p:ph type="title"/>
+          </p:nvPr>
+        </p:nvSpPr>
+        <p:spPr>
+          <a:xfrm>
+            <a:off x="804673" y="1445494"/>
+            <a:ext cx="3616856" cy="4376572"/>
+          </a:xfrm>
+        </p:spPr>
+        <p:txBody>
+          <a:bodyPr anchor="ctr">
+            <a:normAutofit/>
+          </a:bodyPr>
+          <a:lstStyle/>
+          <a:p>
+            <a:r>
+              <a:rPr lang="en-US" sz="4800"/>
+              <a:t>KC 311 Data Dashboard</a:t>
+            </a:r>
+          </a:p>
+        </p:txBody>
+      </p:sp>
+      <p:sp>
+        <p:nvSpPr>
+          <p:cNvPr id="8" name="Freeform: Shape 7">
+            <a:extLst>
+              <a:ext uri="{FF2B5EF4-FFF2-40B4-BE49-F238E27FC236}">
+                <a16:creationId xmlns:a16="http://schemas.microsoft.com/office/drawing/2014/main" id="{DFF2AC85-FAA0-4844-813F-83C04D7382E2}"/>
+              </a:ext>
+              <a:ext uri="{C183D7F6-B498-43B3-948B-1728B52AA6E4}">
+                <adec:decorative xmlns:adec="http://schemas.microsoft.com/office/drawing/2017/decorative" val="1"/>
+              </a:ext>
+            </a:extLst>
+          </p:cNvPr>
+          <p:cNvSpPr>
+            <a:spLocks noGrp="1" noRot="1" noChangeAspect="1" noMove="1" noResize="1" noEditPoints="1" noAdjustHandles="1" noChangeArrowheads="1" noChangeShapeType="1" noTextEdit="1"/>
+          </p:cNvSpPr>
+          <p:nvPr>
+            <p:extLst>
+              <p:ext uri="{386F3935-93C4-4BCD-93E2-E3B085C9AB24}">
+                <p16:designElem xmlns:p16="http://schemas.microsoft.com/office/powerpoint/2015/main" val="1"/>
+              </p:ext>
+            </p:extLst>
+          </p:nvPr>
+        </p:nvSpPr>
+        <p:spPr>
+          <a:xfrm>
+            <a:off x="4907636" y="0"/>
+            <a:ext cx="7281316" cy="6858000"/>
+          </a:xfrm>
+          <a:custGeom>
+            <a:avLst/>
+            <a:gdLst>
+              <a:gd name="connsiteX0" fmla="*/ 361354 w 7281316"/>
+              <a:gd name="connsiteY0" fmla="*/ 0 h 6858000"/>
+              <a:gd name="connsiteX1" fmla="*/ 7281316 w 7281316"/>
+              <a:gd name="connsiteY1" fmla="*/ 0 h 6858000"/>
+              <a:gd name="connsiteX2" fmla="*/ 7281316 w 7281316"/>
+              <a:gd name="connsiteY2" fmla="*/ 6858000 h 6858000"/>
+              <a:gd name="connsiteX3" fmla="*/ 696735 w 7281316"/>
+              <a:gd name="connsiteY3" fmla="*/ 6858000 h 6858000"/>
+              <a:gd name="connsiteX4" fmla="*/ 690849 w 7281316"/>
+              <a:gd name="connsiteY4" fmla="*/ 6842426 h 6858000"/>
+              <a:gd name="connsiteX5" fmla="*/ 335637 w 7281316"/>
+              <a:gd name="connsiteY5" fmla="*/ 94722 h 6858000"/>
+            </a:gdLst>
+            <a:ahLst/>
+            <a:cxnLst>
+              <a:cxn ang="0">
+                <a:pos x="connsiteX0" y="connsiteY0"/>
+              </a:cxn>
+              <a:cxn ang="0">
+                <a:pos x="connsiteX1" y="connsiteY1"/>
+              </a:cxn>
+              <a:cxn ang="0">
+                <a:pos x="connsiteX2" y="connsiteY2"/>
+              </a:cxn>
+              <a:cxn ang="0">
+                <a:pos x="connsiteX3" y="connsiteY3"/>
+              </a:cxn>
+              <a:cxn ang="0">
+                <a:pos x="connsiteX4" y="connsiteY4"/>
+              </a:cxn>
+              <a:cxn ang="0">
+                <a:pos x="connsiteX5" y="connsiteY5"/>
+              </a:cxn>
+            </a:cxnLst>
+            <a:rect l="l" t="t" r="r" b="b"/>
+            <a:pathLst>
+              <a:path w="7281316" h="6858000">
+                <a:moveTo>
+                  <a:pt x="361354" y="0"/>
+                </a:moveTo>
+                <a:lnTo>
+                  <a:pt x="7281316" y="0"/>
+                </a:lnTo>
+                <a:lnTo>
+                  <a:pt x="7281316" y="6858000"/>
+                </a:lnTo>
+                <a:lnTo>
+                  <a:pt x="696735" y="6858000"/>
+                </a:lnTo>
+                <a:lnTo>
+                  <a:pt x="690849" y="6842426"/>
+                </a:lnTo>
+                <a:cubicBezTo>
+                  <a:pt x="-65870" y="4704140"/>
+                  <a:pt x="-226206" y="2374054"/>
+                  <a:pt x="335637" y="94722"/>
+                </a:cubicBezTo>
+                <a:close/>
+              </a:path>
+            </a:pathLst>
+          </a:custGeom>
+          <a:solidFill>
+            <a:schemeClr val="tx1">
+              <a:alpha val="80000"/>
+            </a:schemeClr>
+          </a:solidFill>
+          <a:ln>
+            <a:noFill/>
+          </a:ln>
+        </p:spPr>
+        <p:style>
+          <a:lnRef idx="2">
+            <a:schemeClr val="accent1">
+              <a:shade val="50000"/>
+            </a:schemeClr>
+          </a:lnRef>
+          <a:fillRef idx="1">
+            <a:schemeClr val="accent1"/>
+          </a:fillRef>
+          <a:effectRef idx="0">
+            <a:schemeClr val="accent1"/>
+          </a:effectRef>
+          <a:fontRef idx="minor">
+            <a:schemeClr val="lt1"/>
+          </a:fontRef>
+        </p:style>
+        <p:txBody>
+          <a:bodyPr rtlCol="0" anchor="ctr"/>
+          <a:lstStyle/>
+          <a:p>
+            <a:pPr algn="ctr"/>
+            <a:endParaRPr lang="en-US"/>
+          </a:p>
+        </p:txBody>
+      </p:sp>
+      <p:sp>
+        <p:nvSpPr>
+          <p:cNvPr id="10" name="Freeform: Shape 9">
+            <a:extLst>
+              <a:ext uri="{FF2B5EF4-FFF2-40B4-BE49-F238E27FC236}">
+                <a16:creationId xmlns:a16="http://schemas.microsoft.com/office/drawing/2014/main" id="{89CC0F1E-BAA2-47B1-8F83-7ECB9FD9E009}"/>
+              </a:ext>
+              <a:ext uri="{C183D7F6-B498-43B3-948B-1728B52AA6E4}">
+                <adec:decorative xmlns:adec="http://schemas.microsoft.com/office/drawing/2017/decorative" val="1"/>
+              </a:ext>
+            </a:extLst>
+          </p:cNvPr>
+          <p:cNvSpPr>
+            <a:spLocks noGrp="1" noRot="1" noChangeAspect="1" noMove="1" noResize="1" noEditPoints="1" noAdjustHandles="1" noChangeArrowheads="1" noChangeShapeType="1" noTextEdit="1"/>
+          </p:cNvSpPr>
+          <p:nvPr>
+            <p:extLst>
+              <p:ext uri="{386F3935-93C4-4BCD-93E2-E3B085C9AB24}">
+                <p16:designElem xmlns:p16="http://schemas.microsoft.com/office/powerpoint/2015/main" val="1"/>
+              </p:ext>
+            </p:extLst>
+          </p:nvPr>
+        </p:nvSpPr>
+        <p:spPr>
+          <a:xfrm>
+            <a:off x="5189558" y="0"/>
+            <a:ext cx="6999394" cy="6858000"/>
+          </a:xfrm>
+          <a:custGeom>
+            <a:avLst/>
+            <a:gdLst>
+              <a:gd name="connsiteX0" fmla="*/ 6999394 w 6999394"/>
+              <a:gd name="connsiteY0" fmla="*/ 0 h 6858000"/>
+              <a:gd name="connsiteX1" fmla="*/ 6999394 w 6999394"/>
+              <a:gd name="connsiteY1" fmla="*/ 6858000 h 6858000"/>
+              <a:gd name="connsiteX2" fmla="*/ 717029 w 6999394"/>
+              <a:gd name="connsiteY2" fmla="*/ 6858000 h 6858000"/>
+              <a:gd name="connsiteX3" fmla="*/ 623642 w 6999394"/>
+              <a:gd name="connsiteY3" fmla="*/ 6599363 h 6858000"/>
+              <a:gd name="connsiteX4" fmla="*/ 319533 w 6999394"/>
+              <a:gd name="connsiteY4" fmla="*/ 193787 h 6858000"/>
+              <a:gd name="connsiteX5" fmla="*/ 371685 w 6999394"/>
+              <a:gd name="connsiteY5" fmla="*/ 1 h 6858000"/>
+            </a:gdLst>
+            <a:ahLst/>
+            <a:cxnLst>
+              <a:cxn ang="0">
+                <a:pos x="connsiteX0" y="connsiteY0"/>
+              </a:cxn>
+              <a:cxn ang="0">
+                <a:pos x="connsiteX1" y="connsiteY1"/>
+              </a:cxn>
+              <a:cxn ang="0">
+                <a:pos x="connsiteX2" y="connsiteY2"/>
+              </a:cxn>
+              <a:cxn ang="0">
+                <a:pos x="connsiteX3" y="connsiteY3"/>
+              </a:cxn>
+              <a:cxn ang="0">
+                <a:pos x="connsiteX4" y="connsiteY4"/>
+              </a:cxn>
+              <a:cxn ang="0">
+                <a:pos x="connsiteX5" y="connsiteY5"/>
+              </a:cxn>
+            </a:cxnLst>
+            <a:rect l="l" t="t" r="r" b="b"/>
+            <a:pathLst>
+              <a:path w="6999394" h="6858000">
+                <a:moveTo>
+                  <a:pt x="6999394" y="0"/>
+                </a:moveTo>
+                <a:lnTo>
+                  <a:pt x="6999394" y="6858000"/>
+                </a:lnTo>
+                <a:lnTo>
+                  <a:pt x="717029" y="6858000"/>
+                </a:lnTo>
+                <a:lnTo>
+                  <a:pt x="623642" y="6599363"/>
+                </a:lnTo>
+                <a:cubicBezTo>
+                  <a:pt x="-67685" y="4563346"/>
+                  <a:pt x="-206622" y="2355719"/>
+                  <a:pt x="319533" y="193787"/>
+                </a:cubicBezTo>
+                <a:lnTo>
+                  <a:pt x="371685" y="1"/>
+                </a:lnTo>
+                <a:close/>
+              </a:path>
+            </a:pathLst>
+          </a:custGeom>
+          <a:solidFill>
+            <a:schemeClr val="tx1">
+              <a:alpha val="80000"/>
+            </a:schemeClr>
+          </a:solidFill>
+          <a:ln>
+            <a:noFill/>
+          </a:ln>
+        </p:spPr>
+        <p:style>
+          <a:lnRef idx="2">
+            <a:schemeClr val="accent1">
+              <a:shade val="50000"/>
+            </a:schemeClr>
+          </a:lnRef>
+          <a:fillRef idx="1">
+            <a:schemeClr val="accent1"/>
+          </a:fillRef>
+          <a:effectRef idx="0">
+            <a:schemeClr val="accent1"/>
+          </a:effectRef>
+          <a:fontRef idx="minor">
+            <a:schemeClr val="lt1"/>
+          </a:fontRef>
+        </p:style>
+        <p:txBody>
+          <a:bodyPr rtlCol="0" anchor="ctr"/>
+          <a:lstStyle/>
+          <a:p>
+            <a:pPr algn="ctr"/>
+            <a:endParaRPr lang="en-US"/>
+          </a:p>
+        </p:txBody>
+      </p:sp>
+      <p:sp>
+        <p:nvSpPr>
           <p:cNvPr id="3" name="Content Placeholder 2">
             <a:extLst>
               <a:ext uri="{FF2B5EF4-FFF2-40B4-BE49-F238E27FC236}">
-                <a16:creationId xmlns:a16="http://schemas.microsoft.com/office/drawing/2014/main" id="{DEF88934-3828-4209-B9F1-329541B70DB9}"/>
+                <a16:creationId xmlns:a16="http://schemas.microsoft.com/office/drawing/2014/main" id="{68E9F1E9-AF9F-4048-8FFC-1C65AB9FC01B}"/>
               </a:ext>
             </a:extLst>
           </p:cNvPr>
@@ -10683,30 +10541,30 @@
           </a:bodyPr>
           <a:lstStyle/>
           <a:p>
+            <a:endParaRPr lang="en-US" sz="2200">
+              <a:solidFill>
+                <a:schemeClr val="bg1"/>
+              </a:solidFill>
+            </a:endParaRPr>
+          </a:p>
+          <a:p>
             <a:r>
               <a:rPr lang="en-US" sz="2200">
                 <a:solidFill>
                   <a:schemeClr val="bg1"/>
                 </a:solidFill>
               </a:rPr>
-              <a:t>Explore trends over time </a:t>
+              <a:t>INSERT SCREEN SHOT</a:t>
             </a:r>
-          </a:p>
-          <a:p>
-            <a:endParaRPr lang="en-US" sz="2200">
-              <a:solidFill>
-                <a:schemeClr val="bg1"/>
-              </a:solidFill>
-            </a:endParaRPr>
           </a:p>
         </p:txBody>
       </p:sp>
       <p:sp>
         <p:nvSpPr>
-          <p:cNvPr id="7" name="TextBox 6">
-            <a:extLst>
-              <a:ext uri="{FF2B5EF4-FFF2-40B4-BE49-F238E27FC236}">
-                <a16:creationId xmlns:a16="http://schemas.microsoft.com/office/drawing/2014/main" id="{9100760A-E604-4C52-BCD8-36A71F337DC9}"/>
+          <p:cNvPr id="6" name="TextBox 5">
+            <a:extLst>
+              <a:ext uri="{FF2B5EF4-FFF2-40B4-BE49-F238E27FC236}">
+                <a16:creationId xmlns:a16="http://schemas.microsoft.com/office/drawing/2014/main" id="{92FCFD00-4246-463C-95D2-5E02E0374FBD}"/>
               </a:ext>
             </a:extLst>
           </p:cNvPr>
@@ -10730,16 +10588,53 @@
           <a:lstStyle/>
           <a:p>
             <a:r>
-              <a:rPr lang="en-US" dirty="0"/>
-              <a:t>Ben</a:t>
+              <a:rPr lang="en-US"/>
+              <a:t>Sasmita</a:t>
             </a:r>
+            <a:endParaRPr lang="en-US" dirty="0"/>
           </a:p>
         </p:txBody>
       </p:sp>
+      <p:pic>
+        <p:nvPicPr>
+          <p:cNvPr id="11" name="Content Placeholder 8" descr="A screenshot of a cell phone&#10;&#10;Description automatically generated">
+            <a:extLst>
+              <a:ext uri="{FF2B5EF4-FFF2-40B4-BE49-F238E27FC236}">
+                <a16:creationId xmlns:a16="http://schemas.microsoft.com/office/drawing/2014/main" id="{5E384211-441B-40CD-879A-9E5CC6F00F26}"/>
+              </a:ext>
+            </a:extLst>
+          </p:cNvPr>
+          <p:cNvPicPr>
+            <a:picLocks noChangeAspect="1"/>
+          </p:cNvPicPr>
+          <p:nvPr/>
+        </p:nvPicPr>
+        <p:blipFill>
+          <a:blip r:embed="rId2">
+            <a:extLst>
+              <a:ext uri="{28A0092B-C50C-407E-A947-70E740481C1C}">
+                <a14:useLocalDpi xmlns:a14="http://schemas.microsoft.com/office/drawing/2010/main" val="0"/>
+              </a:ext>
+            </a:extLst>
+          </a:blip>
+          <a:stretch>
+            <a:fillRect/>
+          </a:stretch>
+        </p:blipFill>
+        <p:spPr>
+          <a:xfrm>
+            <a:off x="5524597" y="2175620"/>
+            <a:ext cx="6434495" cy="2916319"/>
+          </a:xfrm>
+          <a:prstGeom prst="rect">
+            <a:avLst/>
+          </a:prstGeom>
+        </p:spPr>
+      </p:pic>
     </p:spTree>
     <p:extLst>
       <p:ext uri="{BB962C8B-B14F-4D97-AF65-F5344CB8AC3E}">
-        <p14:creationId xmlns:p14="http://schemas.microsoft.com/office/powerpoint/2010/main" val="3516158114"/>
+        <p14:creationId xmlns:p14="http://schemas.microsoft.com/office/powerpoint/2010/main" val="1859442274"/>
       </p:ext>
     </p:extLst>
   </p:cSld>
@@ -11109,38 +11004,74 @@
           </a:p>
         </p:txBody>
       </p:sp>
-      <p:pic>
-        <p:nvPicPr>
-          <p:cNvPr id="4" name="Content Placeholder 3">
-            <a:extLst>
-              <a:ext uri="{FF2B5EF4-FFF2-40B4-BE49-F238E27FC236}">
-                <a16:creationId xmlns:a16="http://schemas.microsoft.com/office/drawing/2014/main" id="{BACC1F23-860D-454C-9A71-6F7DF3968481}"/>
-              </a:ext>
-            </a:extLst>
-          </p:cNvPr>
-          <p:cNvPicPr>
-            <a:picLocks noGrp="1" noChangeAspect="1"/>
-          </p:cNvPicPr>
+      <p:sp>
+        <p:nvSpPr>
+          <p:cNvPr id="3" name="Content Placeholder 2">
+            <a:extLst>
+              <a:ext uri="{FF2B5EF4-FFF2-40B4-BE49-F238E27FC236}">
+                <a16:creationId xmlns:a16="http://schemas.microsoft.com/office/drawing/2014/main" id="{F28CF5B7-F540-406F-92C6-72C1D3B5E15B}"/>
+              </a:ext>
+            </a:extLst>
+          </p:cNvPr>
+          <p:cNvSpPr>
+            <a:spLocks noGrp="1"/>
+          </p:cNvSpPr>
           <p:nvPr>
             <p:ph idx="1"/>
           </p:nvPr>
-        </p:nvPicPr>
-        <p:blipFill>
-          <a:blip r:embed="rId2"/>
-          <a:stretch>
-            <a:fillRect/>
-          </a:stretch>
-        </p:blipFill>
+        </p:nvSpPr>
         <p:spPr>
           <a:xfrm>
-            <a:off x="6523038" y="0"/>
-            <a:ext cx="4959350" cy="3286050"/>
+            <a:off x="6570921" y="600741"/>
+            <a:ext cx="4959662" cy="4816548"/>
           </a:xfrm>
-          <a:prstGeom prst="rect">
-            <a:avLst/>
-          </a:prstGeom>
         </p:spPr>
-      </p:pic>
+        <p:txBody>
+          <a:bodyPr anchor="ctr">
+            <a:normAutofit fontScale="92500"/>
+          </a:bodyPr>
+          <a:lstStyle/>
+          <a:p>
+            <a:r>
+              <a:rPr lang="en-US" sz="2100" dirty="0"/>
+              <a:t>311 Requests are evenly spread across the city (heat map)</a:t>
+            </a:r>
+          </a:p>
+          <a:p>
+            <a:r>
+              <a:rPr lang="en-US" sz="2100" dirty="0"/>
+              <a:t>In 2020, the most frequent issue relates to potholes and property maintenance (bar)</a:t>
+            </a:r>
+          </a:p>
+          <a:p>
+            <a:r>
+              <a:rPr lang="en-US" sz="2100" dirty="0"/>
+              <a:t>At 41% of total requests, Neighborhood &amp; Housing Services received the most requests in 2019, the most common of which is Trash Collection with 16,000+ incidences (pie)</a:t>
+            </a:r>
+          </a:p>
+          <a:p>
+            <a:r>
+              <a:rPr lang="en-US" sz="2100" dirty="0"/>
+              <a:t>The most common form of communication is by phone (bar)</a:t>
+            </a:r>
+          </a:p>
+          <a:p>
+            <a:r>
+              <a:rPr lang="en-US" sz="2100" dirty="0"/>
+              <a:t>Typical requests require 20-50 days to close (line)</a:t>
+            </a:r>
+          </a:p>
+          <a:p>
+            <a:r>
+              <a:rPr lang="en-US" sz="2100" dirty="0"/>
+              <a:t>Average days to close tends to be significantly higher in mid-winter and late summer (line)</a:t>
+            </a:r>
+          </a:p>
+          <a:p>
+            <a:endParaRPr lang="en-US" sz="2100" dirty="0"/>
+          </a:p>
+        </p:txBody>
+      </p:sp>
       <p:sp>
         <p:nvSpPr>
           <p:cNvPr id="9" name="TextBox 8">
@@ -11171,110 +11102,7 @@
           <a:p>
             <a:r>
               <a:rPr lang="en-US" dirty="0"/>
-              <a:t>Ben</a:t>
-            </a:r>
-          </a:p>
-        </p:txBody>
-      </p:sp>
-      <p:pic>
-        <p:nvPicPr>
-          <p:cNvPr id="5" name="Picture 4">
-            <a:extLst>
-              <a:ext uri="{FF2B5EF4-FFF2-40B4-BE49-F238E27FC236}">
-                <a16:creationId xmlns:a16="http://schemas.microsoft.com/office/drawing/2014/main" id="{B7EF9C61-CD6B-46F5-8BDA-3F0268DA8C56}"/>
-              </a:ext>
-            </a:extLst>
-          </p:cNvPr>
-          <p:cNvPicPr>
-            <a:picLocks noChangeAspect="1"/>
-          </p:cNvPicPr>
-          <p:nvPr/>
-        </p:nvPicPr>
-        <p:blipFill>
-          <a:blip r:embed="rId3"/>
-          <a:stretch>
-            <a:fillRect/>
-          </a:stretch>
-        </p:blipFill>
-        <p:spPr>
-          <a:xfrm>
-            <a:off x="6523038" y="3570093"/>
-            <a:ext cx="4959350" cy="3287906"/>
-          </a:xfrm>
-          <a:prstGeom prst="rect">
-            <a:avLst/>
-          </a:prstGeom>
-        </p:spPr>
-      </p:pic>
-      <p:sp>
-        <p:nvSpPr>
-          <p:cNvPr id="6" name="TextBox 5">
-            <a:extLst>
-              <a:ext uri="{FF2B5EF4-FFF2-40B4-BE49-F238E27FC236}">
-                <a16:creationId xmlns:a16="http://schemas.microsoft.com/office/drawing/2014/main" id="{E102CA1D-598F-4203-A3E1-4EDC221965E6}"/>
-              </a:ext>
-            </a:extLst>
-          </p:cNvPr>
-          <p:cNvSpPr txBox="1"/>
-          <p:nvPr/>
-        </p:nvSpPr>
-        <p:spPr>
-          <a:xfrm>
-            <a:off x="257175" y="161925"/>
-            <a:ext cx="5852947" cy="3416320"/>
-          </a:xfrm>
-          <a:prstGeom prst="rect">
-            <a:avLst/>
-          </a:prstGeom>
-          <a:noFill/>
-        </p:spPr>
-        <p:txBody>
-          <a:bodyPr wrap="square" rtlCol="0">
-            <a:spAutoFit/>
-          </a:bodyPr>
-          <a:lstStyle/>
-          <a:p>
-            <a:pPr marL="285750" indent="-285750">
-              <a:buFont typeface="Arial" panose="020B0604020202020204" pitchFamily="34" charset="0"/>
-              <a:buChar char="•"/>
-            </a:pPr>
-            <a:r>
-              <a:rPr lang="en-US" b="1" dirty="0"/>
-              <a:t>The number of calls for each day of the tear tends to be fairly consistent, but the average days to close for each tends to significantly higher in mid-winter and late summer.</a:t>
-            </a:r>
-          </a:p>
-          <a:p>
-            <a:pPr marL="285750" indent="-285750">
-              <a:buFont typeface="Arial" panose="020B0604020202020204" pitchFamily="34" charset="0"/>
-              <a:buChar char="•"/>
-            </a:pPr>
-            <a:endParaRPr lang="en-US" b="1" dirty="0"/>
-          </a:p>
-          <a:p>
-            <a:pPr marL="285750" indent="-285750">
-              <a:buFont typeface="Arial" panose="020B0604020202020204" pitchFamily="34" charset="0"/>
-              <a:buChar char="•"/>
-            </a:pPr>
-            <a:r>
-              <a:rPr lang="en-US" b="1" dirty="0"/>
-              <a:t>This could indicate that extreme weather conditions tend to increase the severity of issues.</a:t>
-            </a:r>
-          </a:p>
-          <a:p>
-            <a:pPr marL="285750" indent="-285750">
-              <a:buFont typeface="Arial" panose="020B0604020202020204" pitchFamily="34" charset="0"/>
-              <a:buChar char="•"/>
-            </a:pPr>
-            <a:endParaRPr lang="en-US" b="1" dirty="0"/>
-          </a:p>
-          <a:p>
-            <a:pPr marL="285750" indent="-285750">
-              <a:buFont typeface="Arial" panose="020B0604020202020204" pitchFamily="34" charset="0"/>
-              <a:buChar char="•"/>
-            </a:pPr>
-            <a:r>
-              <a:rPr lang="en-US" b="1" dirty="0"/>
-              <a:t>If extreme weather conditions do indeed cause more severe issues, then the city could preemptively allocate more money and resources to deal with issues at those crucial times.</a:t>
+              <a:t>Matt</a:t>
             </a:r>
           </a:p>
         </p:txBody>
@@ -11293,6 +11121,306 @@
 </file>
 
 <file path=ppt/slides/slide17.xml><?xml version="1.0" encoding="utf-8"?>
+<p:sld xmlns:a="http://schemas.openxmlformats.org/drawingml/2006/main" xmlns:r="http://schemas.openxmlformats.org/officeDocument/2006/relationships" xmlns:p="http://schemas.openxmlformats.org/presentationml/2006/main">
+  <p:cSld>
+    <p:bg>
+      <p:bgPr>
+        <a:solidFill>
+          <a:schemeClr val="tx1"/>
+        </a:solidFill>
+        <a:effectLst/>
+      </p:bgPr>
+    </p:bg>
+    <p:spTree>
+      <p:nvGrpSpPr>
+        <p:cNvPr id="1" name=""/>
+        <p:cNvGrpSpPr/>
+        <p:nvPr/>
+      </p:nvGrpSpPr>
+      <p:grpSpPr>
+        <a:xfrm>
+          <a:off x="0" y="0"/>
+          <a:ext cx="0" cy="0"/>
+          <a:chOff x="0" y="0"/>
+          <a:chExt cx="0" cy="0"/>
+        </a:xfrm>
+      </p:grpSpPr>
+      <p:sp>
+        <p:nvSpPr>
+          <p:cNvPr id="15" name="Rectangle 9">
+            <a:extLst>
+              <a:ext uri="{FF2B5EF4-FFF2-40B4-BE49-F238E27FC236}">
+                <a16:creationId xmlns:a16="http://schemas.microsoft.com/office/drawing/2014/main" id="{2A8AA5BC-4F7A-4226-8F99-6D824B226A97}"/>
+              </a:ext>
+              <a:ext uri="{C183D7F6-B498-43B3-948B-1728B52AA6E4}">
+                <adec:decorative xmlns:adec="http://schemas.microsoft.com/office/drawing/2017/decorative" val="1"/>
+              </a:ext>
+            </a:extLst>
+          </p:cNvPr>
+          <p:cNvSpPr>
+            <a:spLocks noGrp="1" noRot="1" noChangeAspect="1" noMove="1" noResize="1" noEditPoints="1" noAdjustHandles="1" noChangeArrowheads="1" noChangeShapeType="1" noTextEdit="1"/>
+          </p:cNvSpPr>
+          <p:nvPr>
+            <p:extLst>
+              <p:ext uri="{386F3935-93C4-4BCD-93E2-E3B085C9AB24}">
+                <p16:designElem xmlns:p16="http://schemas.microsoft.com/office/powerpoint/2015/main" val="1"/>
+              </p:ext>
+            </p:extLst>
+          </p:nvPr>
+        </p:nvSpPr>
+        <p:spPr>
+          <a:xfrm>
+            <a:off x="0" y="-3324"/>
+            <a:ext cx="12192000" cy="6861324"/>
+          </a:xfrm>
+          <a:prstGeom prst="rect">
+            <a:avLst/>
+          </a:prstGeom>
+          <a:solidFill>
+            <a:schemeClr val="tx1"/>
+          </a:solidFill>
+          <a:ln>
+            <a:noFill/>
+          </a:ln>
+        </p:spPr>
+        <p:style>
+          <a:lnRef idx="2">
+            <a:schemeClr val="accent1">
+              <a:shade val="50000"/>
+            </a:schemeClr>
+          </a:lnRef>
+          <a:fillRef idx="1">
+            <a:schemeClr val="accent1"/>
+          </a:fillRef>
+          <a:effectRef idx="0">
+            <a:schemeClr val="accent1"/>
+          </a:effectRef>
+          <a:fontRef idx="minor">
+            <a:schemeClr val="lt1"/>
+          </a:fontRef>
+        </p:style>
+        <p:txBody>
+          <a:bodyPr rtlCol="0" anchor="ctr"/>
+          <a:lstStyle/>
+          <a:p>
+            <a:pPr algn="ctr"/>
+            <a:endParaRPr lang="en-US"/>
+          </a:p>
+        </p:txBody>
+      </p:sp>
+      <p:sp>
+        <p:nvSpPr>
+          <p:cNvPr id="16" name="Rectangle 11">
+            <a:extLst>
+              <a:ext uri="{FF2B5EF4-FFF2-40B4-BE49-F238E27FC236}">
+                <a16:creationId xmlns:a16="http://schemas.microsoft.com/office/drawing/2014/main" id="{3E5445C6-DD42-4979-86FF-03730E8C6DB0}"/>
+              </a:ext>
+              <a:ext uri="{C183D7F6-B498-43B3-948B-1728B52AA6E4}">
+                <adec:decorative xmlns:adec="http://schemas.microsoft.com/office/drawing/2017/decorative" val="1"/>
+              </a:ext>
+            </a:extLst>
+          </p:cNvPr>
+          <p:cNvSpPr>
+            <a:spLocks noGrp="1" noRot="1" noChangeAspect="1" noMove="1" noResize="1" noEditPoints="1" noAdjustHandles="1" noChangeArrowheads="1" noChangeShapeType="1" noTextEdit="1"/>
+          </p:cNvSpPr>
+          <p:nvPr>
+            <p:extLst>
+              <p:ext uri="{386F3935-93C4-4BCD-93E2-E3B085C9AB24}">
+                <p16:designElem xmlns:p16="http://schemas.microsoft.com/office/powerpoint/2015/main" val="1"/>
+              </p:ext>
+            </p:extLst>
+          </p:nvPr>
+        </p:nvSpPr>
+        <p:spPr bwMode="ltGray">
+          <a:xfrm>
+            <a:off x="321734" y="321733"/>
+            <a:ext cx="11573488" cy="6214534"/>
+          </a:xfrm>
+          <a:prstGeom prst="rect">
+            <a:avLst/>
+          </a:prstGeom>
+          <a:solidFill>
+            <a:schemeClr val="bg1">
+              <a:lumMod val="75000"/>
+              <a:lumOff val="25000"/>
+            </a:schemeClr>
+          </a:solidFill>
+          <a:ln w="127000" cap="sq" cmpd="thinThick">
+            <a:solidFill>
+              <a:schemeClr val="bg1">
+                <a:lumMod val="75000"/>
+                <a:lumOff val="25000"/>
+              </a:schemeClr>
+            </a:solidFill>
+          </a:ln>
+        </p:spPr>
+        <p:style>
+          <a:lnRef idx="2">
+            <a:schemeClr val="accent1">
+              <a:shade val="50000"/>
+            </a:schemeClr>
+          </a:lnRef>
+          <a:fillRef idx="1">
+            <a:schemeClr val="accent1"/>
+          </a:fillRef>
+          <a:effectRef idx="0">
+            <a:schemeClr val="accent1"/>
+          </a:effectRef>
+          <a:fontRef idx="minor">
+            <a:schemeClr val="lt1"/>
+          </a:fontRef>
+        </p:style>
+        <p:txBody>
+          <a:bodyPr rtlCol="0" anchor="ctr"/>
+          <a:lstStyle/>
+          <a:p>
+            <a:pPr algn="ctr"/>
+            <a:endParaRPr lang="en-US"/>
+          </a:p>
+        </p:txBody>
+      </p:sp>
+      <p:sp>
+        <p:nvSpPr>
+          <p:cNvPr id="4" name="Title 3">
+            <a:extLst>
+              <a:ext uri="{FF2B5EF4-FFF2-40B4-BE49-F238E27FC236}">
+                <a16:creationId xmlns:a16="http://schemas.microsoft.com/office/drawing/2014/main" id="{EA1B0C95-B256-4AA2-8BE7-59F23C99684B}"/>
+              </a:ext>
+            </a:extLst>
+          </p:cNvPr>
+          <p:cNvSpPr>
+            <a:spLocks noGrp="1"/>
+          </p:cNvSpPr>
+          <p:nvPr>
+            <p:ph type="ctrTitle"/>
+          </p:nvPr>
+        </p:nvSpPr>
+        <p:spPr>
+          <a:xfrm>
+            <a:off x="1524000" y="1122362"/>
+            <a:ext cx="9144000" cy="2840037"/>
+          </a:xfrm>
+        </p:spPr>
+        <p:txBody>
+          <a:bodyPr>
+            <a:normAutofit/>
+          </a:bodyPr>
+          <a:lstStyle/>
+          <a:p>
+            <a:r>
+              <a:rPr lang="en-US" sz="5800"/>
+              <a:t>Thank you</a:t>
+            </a:r>
+          </a:p>
+        </p:txBody>
+      </p:sp>
+      <p:sp>
+        <p:nvSpPr>
+          <p:cNvPr id="5" name="Subtitle 4">
+            <a:extLst>
+              <a:ext uri="{FF2B5EF4-FFF2-40B4-BE49-F238E27FC236}">
+                <a16:creationId xmlns:a16="http://schemas.microsoft.com/office/drawing/2014/main" id="{94E4987D-0689-42EB-BBCA-2F063698EA5B}"/>
+              </a:ext>
+            </a:extLst>
+          </p:cNvPr>
+          <p:cNvSpPr>
+            <a:spLocks noGrp="1"/>
+          </p:cNvSpPr>
+          <p:nvPr>
+            <p:ph type="subTitle" idx="1"/>
+          </p:nvPr>
+        </p:nvSpPr>
+        <p:spPr>
+          <a:xfrm>
+            <a:off x="1524000" y="4256436"/>
+            <a:ext cx="9144000" cy="1600818"/>
+          </a:xfrm>
+        </p:spPr>
+        <p:txBody>
+          <a:bodyPr>
+            <a:normAutofit/>
+          </a:bodyPr>
+          <a:lstStyle/>
+          <a:p>
+            <a:endParaRPr lang="en-US">
+              <a:solidFill>
+                <a:schemeClr val="accent1">
+                  <a:lumMod val="60000"/>
+                  <a:lumOff val="40000"/>
+                </a:schemeClr>
+              </a:solidFill>
+            </a:endParaRPr>
+          </a:p>
+        </p:txBody>
+      </p:sp>
+      <p:cxnSp>
+        <p:nvCxnSpPr>
+          <p:cNvPr id="14" name="Straight Connector 13">
+            <a:extLst>
+              <a:ext uri="{FF2B5EF4-FFF2-40B4-BE49-F238E27FC236}">
+                <a16:creationId xmlns:a16="http://schemas.microsoft.com/office/drawing/2014/main" id="{45000665-DFC7-417E-8FD7-516A0F15C975}"/>
+              </a:ext>
+              <a:ext uri="{C183D7F6-B498-43B3-948B-1728B52AA6E4}">
+                <adec:decorative xmlns:adec="http://schemas.microsoft.com/office/drawing/2017/decorative" val="1"/>
+              </a:ext>
+            </a:extLst>
+          </p:cNvPr>
+          <p:cNvCxnSpPr>
+            <a:cxnSpLocks noGrp="1" noRot="1" noChangeAspect="1" noMove="1" noResize="1" noEditPoints="1" noAdjustHandles="1" noChangeArrowheads="1" noChangeShapeType="1"/>
+          </p:cNvCxnSpPr>
+          <p:nvPr>
+            <p:extLst>
+              <p:ext uri="{386F3935-93C4-4BCD-93E2-E3B085C9AB24}">
+                <p16:designElem xmlns:p16="http://schemas.microsoft.com/office/powerpoint/2015/main" val="1"/>
+              </p:ext>
+            </p:extLst>
+          </p:nvPr>
+        </p:nvCxnSpPr>
+        <p:spPr>
+          <a:xfrm>
+            <a:off x="4724400" y="4109417"/>
+            <a:ext cx="2743200" cy="0"/>
+          </a:xfrm>
+          <a:prstGeom prst="line">
+            <a:avLst/>
+          </a:prstGeom>
+          <a:ln w="12700">
+            <a:solidFill>
+              <a:schemeClr val="tx1">
+                <a:lumMod val="85000"/>
+              </a:schemeClr>
+            </a:solidFill>
+          </a:ln>
+        </p:spPr>
+        <p:style>
+          <a:lnRef idx="1">
+            <a:schemeClr val="accent1"/>
+          </a:lnRef>
+          <a:fillRef idx="0">
+            <a:schemeClr val="accent1"/>
+          </a:fillRef>
+          <a:effectRef idx="0">
+            <a:schemeClr val="accent1"/>
+          </a:effectRef>
+          <a:fontRef idx="minor">
+            <a:schemeClr val="tx1"/>
+          </a:fontRef>
+        </p:style>
+      </p:cxnSp>
+    </p:spTree>
+    <p:extLst>
+      <p:ext uri="{BB962C8B-B14F-4D97-AF65-F5344CB8AC3E}">
+        <p14:creationId xmlns:p14="http://schemas.microsoft.com/office/powerpoint/2010/main" val="1366637971"/>
+      </p:ext>
+    </p:extLst>
+  </p:cSld>
+  <p:clrMapOvr>
+    <a:overrideClrMapping bg1="dk1" tx1="lt1" bg2="dk2" tx2="lt2" accent1="accent1" accent2="accent2" accent3="accent3" accent4="accent4" accent5="accent5" accent6="accent6" hlink="hlink" folHlink="folHlink"/>
+  </p:clrMapOvr>
+</p:sld>
+</file>
+
+<file path=ppt/slides/slide2.xml><?xml version="1.0" encoding="utf-8"?>
 <p:sld xmlns:a="http://schemas.openxmlformats.org/drawingml/2006/main" xmlns:r="http://schemas.openxmlformats.org/officeDocument/2006/relationships" xmlns:p="http://schemas.openxmlformats.org/presentationml/2006/main">
   <p:cSld>
     <p:bg>
@@ -11322,10 +11450,45 @@
       </p:grpSpPr>
       <p:sp>
         <p:nvSpPr>
-          <p:cNvPr id="12" name="Freeform: Shape 7">
-            <a:extLst>
-              <a:ext uri="{FF2B5EF4-FFF2-40B4-BE49-F238E27FC236}">
-                <a16:creationId xmlns:a16="http://schemas.microsoft.com/office/drawing/2014/main" id="{5BD1C87D-7B83-49A8-844E-433D32C45671}"/>
+          <p:cNvPr id="5" name="Title 4">
+            <a:extLst>
+              <a:ext uri="{FF2B5EF4-FFF2-40B4-BE49-F238E27FC236}">
+                <a16:creationId xmlns:a16="http://schemas.microsoft.com/office/drawing/2014/main" id="{221C2055-B1F1-4B10-AB4E-B2F051A8D4E7}"/>
+              </a:ext>
+            </a:extLst>
+          </p:cNvPr>
+          <p:cNvSpPr>
+            <a:spLocks noGrp="1"/>
+          </p:cNvSpPr>
+          <p:nvPr>
+            <p:ph type="title"/>
+          </p:nvPr>
+        </p:nvSpPr>
+        <p:spPr>
+          <a:xfrm>
+            <a:off x="6653600" y="1396289"/>
+            <a:ext cx="5006336" cy="1325563"/>
+          </a:xfrm>
+        </p:spPr>
+        <p:txBody>
+          <a:bodyPr>
+            <a:normAutofit/>
+          </a:bodyPr>
+          <a:lstStyle/>
+          <a:p>
+            <a:r>
+              <a:rPr lang="en-US" dirty="0"/>
+              <a:t>Local Government Priorities</a:t>
+            </a:r>
+          </a:p>
+        </p:txBody>
+      </p:sp>
+      <p:sp>
+        <p:nvSpPr>
+          <p:cNvPr id="71" name="Freeform: Shape 70">
+            <a:extLst>
+              <a:ext uri="{FF2B5EF4-FFF2-40B4-BE49-F238E27FC236}">
+                <a16:creationId xmlns:a16="http://schemas.microsoft.com/office/drawing/2014/main" id="{4F74D28C-3268-4E35-8EE1-D92CB4A85A7D}"/>
               </a:ext>
               <a:ext uri="{C183D7F6-B498-43B3-948B-1728B52AA6E4}">
                 <adec:decorative xmlns:adec="http://schemas.microsoft.com/office/drawing/2017/decorative" val="1"/>
@@ -11344,29 +11507,27 @@
           </p:nvPr>
         </p:nvSpPr>
         <p:spPr>
-          <a:xfrm flipV="1">
-            <a:off x="0" y="1024938"/>
-            <a:ext cx="6413262" cy="5833063"/>
+          <a:xfrm flipH="1">
+            <a:off x="0" y="0"/>
+            <a:ext cx="6172782" cy="6858000"/>
           </a:xfrm>
           <a:custGeom>
             <a:avLst/>
             <a:gdLst>
-              <a:gd name="connsiteX0" fmla="*/ 343517 w 6413262"/>
-              <a:gd name="connsiteY0" fmla="*/ 5832222 h 5833063"/>
-              <a:gd name="connsiteX1" fmla="*/ 6335225 w 6413262"/>
-              <a:gd name="connsiteY1" fmla="*/ 835839 h 5833063"/>
-              <a:gd name="connsiteX2" fmla="*/ 6411127 w 6413262"/>
-              <a:gd name="connsiteY2" fmla="*/ 123790 h 5833063"/>
-              <a:gd name="connsiteX3" fmla="*/ 6413262 w 6413262"/>
-              <a:gd name="connsiteY3" fmla="*/ 0 h 5833063"/>
-              <a:gd name="connsiteX4" fmla="*/ 0 w 6413262"/>
-              <a:gd name="connsiteY4" fmla="*/ 0 h 5833063"/>
-              <a:gd name="connsiteX5" fmla="*/ 0 w 6413262"/>
-              <a:gd name="connsiteY5" fmla="*/ 5815521 h 5833063"/>
-              <a:gd name="connsiteX6" fmla="*/ 51379 w 6413262"/>
-              <a:gd name="connsiteY6" fmla="*/ 5820166 h 5833063"/>
-              <a:gd name="connsiteX7" fmla="*/ 343517 w 6413262"/>
-              <a:gd name="connsiteY7" fmla="*/ 5832222 h 5833063"/>
+              <a:gd name="connsiteX0" fmla="*/ 6172782 w 6172782"/>
+              <a:gd name="connsiteY0" fmla="*/ 0 h 6858000"/>
+              <a:gd name="connsiteX1" fmla="*/ 69075 w 6172782"/>
+              <a:gd name="connsiteY1" fmla="*/ 0 h 6858000"/>
+              <a:gd name="connsiteX2" fmla="*/ 35131 w 6172782"/>
+              <a:gd name="connsiteY2" fmla="*/ 267128 h 6858000"/>
+              <a:gd name="connsiteX3" fmla="*/ 0 w 6172782"/>
+              <a:gd name="connsiteY3" fmla="*/ 962845 h 6858000"/>
+              <a:gd name="connsiteX4" fmla="*/ 3276103 w 6172782"/>
+              <a:gd name="connsiteY4" fmla="*/ 6782205 h 6858000"/>
+              <a:gd name="connsiteX5" fmla="*/ 3407923 w 6172782"/>
+              <a:gd name="connsiteY5" fmla="*/ 6858000 h 6858000"/>
+              <a:gd name="connsiteX6" fmla="*/ 6172782 w 6172782"/>
+              <a:gd name="connsiteY6" fmla="*/ 6858000 h 6858000"/>
             </a:gdLst>
             <a:ahLst/>
             <a:cxnLst>
@@ -11391,51 +11552,43 @@
               <a:cxn ang="0">
                 <a:pos x="connsiteX6" y="connsiteY6"/>
               </a:cxn>
-              <a:cxn ang="0">
-                <a:pos x="connsiteX7" y="connsiteY7"/>
-              </a:cxn>
             </a:cxnLst>
             <a:rect l="l" t="t" r="r" b="b"/>
             <a:pathLst>
-              <a:path w="6413262" h="5833063">
+              <a:path w="6172782" h="6858000">
                 <a:moveTo>
-                  <a:pt x="343517" y="5832222"/>
+                  <a:pt x="6172782" y="0"/>
                 </a:moveTo>
+                <a:lnTo>
+                  <a:pt x="69075" y="0"/>
+                </a:lnTo>
+                <a:lnTo>
+                  <a:pt x="35131" y="267128"/>
+                </a:lnTo>
                 <a:cubicBezTo>
-                  <a:pt x="3254747" y="5881130"/>
-                  <a:pt x="5841718" y="3794544"/>
-                  <a:pt x="6335225" y="835839"/>
+                  <a:pt x="11901" y="495874"/>
+                  <a:pt x="0" y="727970"/>
+                  <a:pt x="0" y="962845"/>
                 </a:cubicBezTo>
                 <a:cubicBezTo>
-                  <a:pt x="6375023" y="597235"/>
-                  <a:pt x="6400103" y="359575"/>
-                  <a:pt x="6411127" y="123790"/>
+                  <a:pt x="0" y="3429034"/>
+                  <a:pt x="1312002" y="5588789"/>
+                  <a:pt x="3276103" y="6782205"/>
                 </a:cubicBezTo>
                 <a:lnTo>
-                  <a:pt x="6413262" y="0"/>
+                  <a:pt x="3407923" y="6858000"/>
                 </a:lnTo>
                 <a:lnTo>
-                  <a:pt x="0" y="0"/>
+                  <a:pt x="6172782" y="6858000"/>
                 </a:lnTo>
-                <a:lnTo>
-                  <a:pt x="0" y="5815521"/>
-                </a:lnTo>
-                <a:lnTo>
-                  <a:pt x="51379" y="5820166"/>
-                </a:lnTo>
-                <a:cubicBezTo>
-                  <a:pt x="149075" y="5826589"/>
-                  <a:pt x="246476" y="5830592"/>
-                  <a:pt x="343517" y="5832222"/>
-                </a:cubicBezTo>
                 <a:close/>
               </a:path>
             </a:pathLst>
           </a:custGeom>
           <a:solidFill>
-            <a:schemeClr val="tx1">
+            <a:srgbClr val="FFFFFF">
               <a:alpha val="80000"/>
-            </a:schemeClr>
+            </a:srgbClr>
           </a:solidFill>
           <a:ln>
             <a:noFill/>
@@ -11463,17 +11616,46 @@
           </a:bodyPr>
           <a:lstStyle/>
           <a:p>
-            <a:pPr algn="ctr"/>
-            <a:endParaRPr lang="en-US" dirty="0"/>
+            <a:pPr marL="0" marR="0" lvl="0" indent="0" algn="ctr" defTabSz="914400" rtl="0" eaLnBrk="1" fontAlgn="auto" latinLnBrk="0" hangingPunct="1">
+              <a:lnSpc>
+                <a:spcPct val="100000"/>
+              </a:lnSpc>
+              <a:spcBef>
+                <a:spcPts val="0"/>
+              </a:spcBef>
+              <a:spcAft>
+                <a:spcPts val="0"/>
+              </a:spcAft>
+              <a:buClrTx/>
+              <a:buSzTx/>
+              <a:buFontTx/>
+              <a:buNone/>
+              <a:tabLst/>
+              <a:defRPr/>
+            </a:pPr>
+            <a:endParaRPr kumimoji="0" lang="en-US" sz="1800" b="0" i="0" u="none" strike="noStrike" kern="1200" cap="none" spc="0" normalizeH="0" baseline="0" noProof="0">
+              <a:ln>
+                <a:noFill/>
+              </a:ln>
+              <a:solidFill>
+                <a:prstClr val="white"/>
+              </a:solidFill>
+              <a:effectLst/>
+              <a:uLnTx/>
+              <a:uFillTx/>
+              <a:latin typeface="Calibri" panose="020F0502020204030204"/>
+              <a:ea typeface="+mn-ea"/>
+              <a:cs typeface="+mn-cs"/>
+            </a:endParaRPr>
           </a:p>
         </p:txBody>
       </p:sp>
       <p:sp>
         <p:nvSpPr>
-          <p:cNvPr id="13" name="Freeform: Shape 9">
-            <a:extLst>
-              <a:ext uri="{FF2B5EF4-FFF2-40B4-BE49-F238E27FC236}">
-                <a16:creationId xmlns:a16="http://schemas.microsoft.com/office/drawing/2014/main" id="{1703047A-2C9B-4E2C-9A75-B67521B6D638}"/>
+          <p:cNvPr id="73" name="Freeform: Shape 72">
+            <a:extLst>
+              <a:ext uri="{FF2B5EF4-FFF2-40B4-BE49-F238E27FC236}">
+                <a16:creationId xmlns:a16="http://schemas.microsoft.com/office/drawing/2014/main" id="{58D44E42-C462-4105-BC86-FE75B4E3C4AF}"/>
               </a:ext>
               <a:ext uri="{C183D7F6-B498-43B3-948B-1728B52AA6E4}">
                 <adec:decorative xmlns:adec="http://schemas.microsoft.com/office/drawing/2017/decorative" val="1"/>
@@ -11492,29 +11674,27 @@
           </p:nvPr>
         </p:nvSpPr>
         <p:spPr>
-          <a:xfrm flipV="1">
-            <a:off x="0" y="1324648"/>
-            <a:ext cx="6110122" cy="5533351"/>
+          <a:xfrm flipH="1">
+            <a:off x="0" y="0"/>
+            <a:ext cx="6024154" cy="6858000"/>
           </a:xfrm>
           <a:custGeom>
             <a:avLst/>
             <a:gdLst>
-              <a:gd name="connsiteX0" fmla="*/ 324583 w 6110122"/>
-              <a:gd name="connsiteY0" fmla="*/ 5532549 h 5533351"/>
-              <a:gd name="connsiteX1" fmla="*/ 6035604 w 6110122"/>
-              <a:gd name="connsiteY1" fmla="*/ 770225 h 5533351"/>
-              <a:gd name="connsiteX2" fmla="*/ 6088871 w 6110122"/>
-              <a:gd name="connsiteY2" fmla="*/ 362020 h 5533351"/>
-              <a:gd name="connsiteX3" fmla="*/ 6110122 w 6110122"/>
-              <a:gd name="connsiteY3" fmla="*/ 0 h 5533351"/>
-              <a:gd name="connsiteX4" fmla="*/ 0 w 6110122"/>
-              <a:gd name="connsiteY4" fmla="*/ 0 h 5533351"/>
-              <a:gd name="connsiteX5" fmla="*/ 0 w 6110122"/>
-              <a:gd name="connsiteY5" fmla="*/ 5516887 h 5533351"/>
-              <a:gd name="connsiteX6" fmla="*/ 46130 w 6110122"/>
-              <a:gd name="connsiteY6" fmla="*/ 5521057 h 5533351"/>
-              <a:gd name="connsiteX7" fmla="*/ 324583 w 6110122"/>
-              <a:gd name="connsiteY7" fmla="*/ 5532549 h 5533351"/>
+              <a:gd name="connsiteX0" fmla="*/ 70374 w 6024154"/>
+              <a:gd name="connsiteY0" fmla="*/ 0 h 6858000"/>
+              <a:gd name="connsiteX1" fmla="*/ 6024154 w 6024154"/>
+              <a:gd name="connsiteY1" fmla="*/ 0 h 6858000"/>
+              <a:gd name="connsiteX2" fmla="*/ 6024154 w 6024154"/>
+              <a:gd name="connsiteY2" fmla="*/ 6858000 h 6858000"/>
+              <a:gd name="connsiteX3" fmla="*/ 3587167 w 6024154"/>
+              <a:gd name="connsiteY3" fmla="*/ 6858000 h 6858000"/>
+              <a:gd name="connsiteX4" fmla="*/ 3474220 w 6024154"/>
+              <a:gd name="connsiteY4" fmla="*/ 6800152 h 6858000"/>
+              <a:gd name="connsiteX5" fmla="*/ 0 w 6024154"/>
+              <a:gd name="connsiteY5" fmla="*/ 962844 h 6858000"/>
+              <a:gd name="connsiteX6" fmla="*/ 34274 w 6024154"/>
+              <a:gd name="connsiteY6" fmla="*/ 284091 h 6858000"/>
             </a:gdLst>
             <a:ahLst/>
             <a:cxnLst>
@@ -11539,52 +11719,41 @@
               <a:cxn ang="0">
                 <a:pos x="connsiteX6" y="connsiteY6"/>
               </a:cxn>
-              <a:cxn ang="0">
-                <a:pos x="connsiteX7" y="connsiteY7"/>
-              </a:cxn>
             </a:cxnLst>
             <a:rect l="l" t="t" r="r" b="b"/>
             <a:pathLst>
-              <a:path w="6110122" h="5533351">
+              <a:path w="6024154" h="6858000">
                 <a:moveTo>
-                  <a:pt x="324583" y="5532549"/>
+                  <a:pt x="70374" y="0"/>
                 </a:moveTo>
+                <a:lnTo>
+                  <a:pt x="6024154" y="0"/>
+                </a:lnTo>
+                <a:lnTo>
+                  <a:pt x="6024154" y="6858000"/>
+                </a:lnTo>
+                <a:lnTo>
+                  <a:pt x="3587167" y="6858000"/>
+                </a:lnTo>
+                <a:lnTo>
+                  <a:pt x="3474220" y="6800152"/>
+                </a:lnTo>
                 <a:cubicBezTo>
-                  <a:pt x="3099434" y="5579166"/>
-                  <a:pt x="5565217" y="3590326"/>
-                  <a:pt x="6035604" y="770225"/>
+                  <a:pt x="1404818" y="5675986"/>
+                  <a:pt x="0" y="3483472"/>
+                  <a:pt x="0" y="962844"/>
                 </a:cubicBezTo>
                 <a:cubicBezTo>
-                  <a:pt x="6058365" y="633768"/>
-                  <a:pt x="6076076" y="497636"/>
-                  <a:pt x="6088871" y="362020"/>
-                </a:cubicBezTo>
-                <a:lnTo>
-                  <a:pt x="6110122" y="0"/>
-                </a:lnTo>
-                <a:lnTo>
-                  <a:pt x="0" y="0"/>
-                </a:lnTo>
-                <a:lnTo>
-                  <a:pt x="0" y="5516887"/>
-                </a:lnTo>
-                <a:lnTo>
-                  <a:pt x="46130" y="5521057"/>
-                </a:lnTo>
-                <a:cubicBezTo>
-                  <a:pt x="139249" y="5527179"/>
-                  <a:pt x="232088" y="5530995"/>
-                  <a:pt x="324583" y="5532549"/>
+                  <a:pt x="0" y="733696"/>
+                  <a:pt x="11610" y="507260"/>
+                  <a:pt x="34274" y="284091"/>
                 </a:cubicBezTo>
                 <a:close/>
               </a:path>
             </a:pathLst>
           </a:custGeom>
           <a:solidFill>
-            <a:schemeClr val="bg1">
-              <a:lumMod val="65000"/>
-              <a:lumOff val="35000"/>
-            </a:schemeClr>
+            <a:schemeClr val="tx1"/>
           </a:solidFill>
           <a:ln>
             <a:noFill/>
@@ -11607,57 +11776,154 @@
           </a:fontRef>
         </p:style>
         <p:txBody>
-          <a:bodyPr wrap="square" rtlCol="0" anchor="ctr">
-            <a:noAutofit/>
+          <a:bodyPr rtlCol="0" anchor="ctr"/>
+          <a:lstStyle/>
+          <a:p>
+            <a:pPr marL="0" marR="0" lvl="0" indent="0" algn="ctr" defTabSz="914400" rtl="0" eaLnBrk="1" fontAlgn="auto" latinLnBrk="0" hangingPunct="1">
+              <a:lnSpc>
+                <a:spcPct val="100000"/>
+              </a:lnSpc>
+              <a:spcBef>
+                <a:spcPts val="0"/>
+              </a:spcBef>
+              <a:spcAft>
+                <a:spcPts val="0"/>
+              </a:spcAft>
+              <a:buClrTx/>
+              <a:buSzTx/>
+              <a:buFontTx/>
+              <a:buNone/>
+              <a:tabLst/>
+              <a:defRPr/>
+            </a:pPr>
+            <a:endParaRPr kumimoji="0" lang="en-US" sz="1800" b="0" i="0" u="none" strike="noStrike" kern="1200" cap="none" spc="0" normalizeH="0" baseline="0" noProof="0">
+              <a:ln>
+                <a:noFill/>
+              </a:ln>
+              <a:solidFill>
+                <a:prstClr val="white"/>
+              </a:solidFill>
+              <a:effectLst/>
+              <a:uLnTx/>
+              <a:uFillTx/>
+              <a:latin typeface="Calibri" panose="020F0502020204030204"/>
+              <a:ea typeface="+mn-ea"/>
+              <a:cs typeface="+mn-cs"/>
+            </a:endParaRPr>
+          </a:p>
+        </p:txBody>
+      </p:sp>
+      <p:pic>
+        <p:nvPicPr>
+          <p:cNvPr id="2050" name="Picture 2" descr="City of Kansas City, MO Benefits Summary | KCMO.gov - City of ...">
+            <a:extLst>
+              <a:ext uri="{FF2B5EF4-FFF2-40B4-BE49-F238E27FC236}">
+                <a16:creationId xmlns:a16="http://schemas.microsoft.com/office/drawing/2014/main" id="{3610F32F-D614-485E-9549-0602D495D35B}"/>
+              </a:ext>
+            </a:extLst>
+          </p:cNvPr>
+          <p:cNvPicPr>
+            <a:picLocks noChangeAspect="1" noChangeArrowheads="1"/>
+          </p:cNvPicPr>
+          <p:nvPr/>
+        </p:nvPicPr>
+        <p:blipFill>
+          <a:blip r:embed="rId2">
+            <a:extLst>
+              <a:ext uri="{28A0092B-C50C-407E-A947-70E740481C1C}">
+                <a14:useLocalDpi xmlns:a14="http://schemas.microsoft.com/office/drawing/2010/main" val="0"/>
+              </a:ext>
+            </a:extLst>
+          </a:blip>
+          <a:stretch>
+            <a:fillRect/>
+          </a:stretch>
+        </p:blipFill>
+        <p:spPr bwMode="auto">
+          <a:xfrm>
+            <a:off x="364241" y="1987944"/>
+            <a:ext cx="4105275" cy="1416319"/>
+          </a:xfrm>
+          <a:prstGeom prst="rect">
+            <a:avLst/>
+          </a:prstGeom>
+          <a:noFill/>
+          <a:extLst>
+            <a:ext uri="{909E8E84-426E-40DD-AFC4-6F175D3DCCD1}">
+              <a14:hiddenFill xmlns:a14="http://schemas.microsoft.com/office/drawing/2010/main">
+                <a:solidFill>
+                  <a:srgbClr val="FFFFFF"/>
+                </a:solidFill>
+              </a14:hiddenFill>
+            </a:ext>
+          </a:extLst>
+        </p:spPr>
+      </p:pic>
+      <p:sp>
+        <p:nvSpPr>
+          <p:cNvPr id="3" name="Content Placeholder 2">
+            <a:extLst>
+              <a:ext uri="{FF2B5EF4-FFF2-40B4-BE49-F238E27FC236}">
+                <a16:creationId xmlns:a16="http://schemas.microsoft.com/office/drawing/2014/main" id="{CACCA718-CD8F-4864-AA3D-CDB52A70FA52}"/>
+              </a:ext>
+            </a:extLst>
+          </p:cNvPr>
+          <p:cNvSpPr>
+            <a:spLocks noGrp="1"/>
+          </p:cNvSpPr>
+          <p:nvPr>
+            <p:ph idx="1"/>
+          </p:nvPr>
+        </p:nvSpPr>
+        <p:spPr>
+          <a:xfrm>
+            <a:off x="6658044" y="2871982"/>
+            <a:ext cx="5006336" cy="3181684"/>
+          </a:xfrm>
+        </p:spPr>
+        <p:txBody>
+          <a:bodyPr anchor="t">
+            <a:normAutofit/>
           </a:bodyPr>
           <a:lstStyle/>
           <a:p>
-            <a:pPr algn="ctr"/>
-            <a:endParaRPr lang="en-US"/>
+            <a:pPr marL="514350" indent="-514350">
+              <a:buFont typeface="+mj-lt"/>
+              <a:buAutoNum type="arabicParenR"/>
+            </a:pPr>
+            <a:r>
+              <a:rPr lang="en-US" sz="1800"/>
+              <a:t>Essential Services</a:t>
+            </a:r>
+          </a:p>
+          <a:p>
+            <a:pPr marL="514350" indent="-514350">
+              <a:buFont typeface="+mj-lt"/>
+              <a:buAutoNum type="arabicParenR"/>
+            </a:pPr>
+            <a:r>
+              <a:rPr lang="en-US" sz="1800"/>
+              <a:t>Voice of Citizens</a:t>
+            </a:r>
+          </a:p>
+          <a:p>
+            <a:pPr marL="514350" indent="-514350">
+              <a:buFont typeface="+mj-lt"/>
+              <a:buAutoNum type="arabicParenR"/>
+            </a:pPr>
+            <a:r>
+              <a:rPr lang="en-US" sz="1800"/>
+              <a:t>Accountability + Growth</a:t>
+            </a:r>
           </a:p>
         </p:txBody>
       </p:sp>
       <p:sp>
         <p:nvSpPr>
-          <p:cNvPr id="2" name="Title 1">
-            <a:extLst>
-              <a:ext uri="{FF2B5EF4-FFF2-40B4-BE49-F238E27FC236}">
-                <a16:creationId xmlns:a16="http://schemas.microsoft.com/office/drawing/2014/main" id="{2F3FED80-2296-4175-A57B-98CB81EDB011}"/>
-              </a:ext>
-            </a:extLst>
-          </p:cNvPr>
-          <p:cNvSpPr>
-            <a:spLocks noGrp="1"/>
-          </p:cNvSpPr>
-          <p:nvPr>
-            <p:ph type="title"/>
-          </p:nvPr>
-        </p:nvSpPr>
-        <p:spPr>
-          <a:xfrm>
-            <a:off x="804671" y="2903393"/>
-            <a:ext cx="3607841" cy="2625537"/>
-          </a:xfrm>
-        </p:spPr>
-        <p:txBody>
-          <a:bodyPr anchor="b">
-            <a:normAutofit/>
-          </a:bodyPr>
-          <a:lstStyle/>
-          <a:p>
-            <a:r>
-              <a:rPr lang="en-US" sz="4800"/>
-              <a:t>Key Findings</a:t>
-            </a:r>
-          </a:p>
-        </p:txBody>
-      </p:sp>
-      <p:sp>
-        <p:nvSpPr>
-          <p:cNvPr id="9" name="TextBox 8">
-            <a:extLst>
-              <a:ext uri="{FF2B5EF4-FFF2-40B4-BE49-F238E27FC236}">
-                <a16:creationId xmlns:a16="http://schemas.microsoft.com/office/drawing/2014/main" id="{D7F55026-0703-4105-914B-604CFDEF3514}"/>
+          <p:cNvPr id="12" name="TextBox 11">
+            <a:extLst>
+              <a:ext uri="{FF2B5EF4-FFF2-40B4-BE49-F238E27FC236}">
+                <a16:creationId xmlns:a16="http://schemas.microsoft.com/office/drawing/2014/main" id="{A7FEDA47-7BAA-4BD5-B564-B7C206357B8E}"/>
               </a:ext>
             </a:extLst>
           </p:cNvPr>
@@ -11666,8 +11932,8 @@
         </p:nvSpPr>
         <p:spPr>
           <a:xfrm>
-            <a:off x="19878" y="6488668"/>
-            <a:ext cx="1053548" cy="369332"/>
+            <a:off x="11496260" y="6488668"/>
+            <a:ext cx="861391" cy="369332"/>
           </a:xfrm>
           <a:prstGeom prst="rect">
             <a:avLst/>
@@ -11682,198 +11948,15 @@
           <a:p>
             <a:r>
               <a:rPr lang="en-US" dirty="0"/>
-              <a:t>Ben</a:t>
+              <a:t>Mike</a:t>
             </a:r>
           </a:p>
         </p:txBody>
       </p:sp>
-      <p:sp>
-        <p:nvSpPr>
-          <p:cNvPr id="6" name="TextBox 5">
-            <a:extLst>
-              <a:ext uri="{FF2B5EF4-FFF2-40B4-BE49-F238E27FC236}">
-                <a16:creationId xmlns:a16="http://schemas.microsoft.com/office/drawing/2014/main" id="{E102CA1D-598F-4203-A3E1-4EDC221965E6}"/>
-              </a:ext>
-            </a:extLst>
-          </p:cNvPr>
-          <p:cNvSpPr txBox="1"/>
-          <p:nvPr/>
-        </p:nvSpPr>
-        <p:spPr>
-          <a:xfrm>
-            <a:off x="257175" y="161925"/>
-            <a:ext cx="5852947" cy="2308324"/>
-          </a:xfrm>
-          <a:prstGeom prst="rect">
-            <a:avLst/>
-          </a:prstGeom>
-          <a:noFill/>
-        </p:spPr>
-        <p:txBody>
-          <a:bodyPr wrap="square" rtlCol="0">
-            <a:spAutoFit/>
-          </a:bodyPr>
-          <a:lstStyle/>
-          <a:p>
-            <a:pPr marL="285750" indent="-285750">
-              <a:buFont typeface="Arial" panose="020B0604020202020204" pitchFamily="34" charset="0"/>
-              <a:buChar char="•"/>
-            </a:pPr>
-            <a:r>
-              <a:rPr lang="en-US" b="1" dirty="0"/>
-              <a:t>On the whole, calls concerning private property are the most common by far.</a:t>
-            </a:r>
-          </a:p>
-          <a:p>
-            <a:pPr marL="285750" indent="-285750">
-              <a:buFont typeface="Arial" panose="020B0604020202020204" pitchFamily="34" charset="0"/>
-              <a:buChar char="•"/>
-            </a:pPr>
-            <a:endParaRPr lang="en-US" b="1" dirty="0"/>
-          </a:p>
-          <a:p>
-            <a:pPr marL="285750" indent="-285750">
-              <a:buFont typeface="Arial" panose="020B0604020202020204" pitchFamily="34" charset="0"/>
-              <a:buChar char="•"/>
-            </a:pPr>
-            <a:r>
-              <a:rPr lang="en-US" b="1" dirty="0"/>
-              <a:t>The next most common is related to street issues.</a:t>
-            </a:r>
-          </a:p>
-          <a:p>
-            <a:pPr marL="285750" indent="-285750">
-              <a:buFont typeface="Arial" panose="020B0604020202020204" pitchFamily="34" charset="0"/>
-              <a:buChar char="•"/>
-            </a:pPr>
-            <a:endParaRPr lang="en-US" b="1" dirty="0"/>
-          </a:p>
-          <a:p>
-            <a:pPr marL="285750" indent="-285750">
-              <a:buFont typeface="Arial" panose="020B0604020202020204" pitchFamily="34" charset="0"/>
-              <a:buChar char="•"/>
-            </a:pPr>
-            <a:r>
-              <a:rPr lang="en-US" b="1" dirty="0"/>
-              <a:t>It was desired to dig deeper into the data, so only data belonging to the top 20 issue ‘types’ were used for the charts.</a:t>
-            </a:r>
-          </a:p>
-        </p:txBody>
-      </p:sp>
-      <p:pic>
-        <p:nvPicPr>
-          <p:cNvPr id="8" name="Content Placeholder 7">
-            <a:extLst>
-              <a:ext uri="{FF2B5EF4-FFF2-40B4-BE49-F238E27FC236}">
-                <a16:creationId xmlns:a16="http://schemas.microsoft.com/office/drawing/2014/main" id="{F5D17416-E426-425D-98D7-98974418C824}"/>
-              </a:ext>
-            </a:extLst>
-          </p:cNvPr>
-          <p:cNvPicPr>
-            <a:picLocks noGrp="1" noChangeAspect="1"/>
-          </p:cNvPicPr>
-          <p:nvPr>
-            <p:ph idx="1"/>
-          </p:nvPr>
-        </p:nvPicPr>
-        <p:blipFill>
-          <a:blip r:embed="rId2"/>
-          <a:stretch>
-            <a:fillRect/>
-          </a:stretch>
-        </p:blipFill>
-        <p:spPr>
-          <a:xfrm>
-            <a:off x="6960758" y="0"/>
-            <a:ext cx="5214292" cy="4351338"/>
-          </a:xfrm>
-          <a:prstGeom prst="rect">
-            <a:avLst/>
-          </a:prstGeom>
-        </p:spPr>
-      </p:pic>
-      <p:sp>
-        <p:nvSpPr>
-          <p:cNvPr id="10" name="TextBox 9">
-            <a:extLst>
-              <a:ext uri="{FF2B5EF4-FFF2-40B4-BE49-F238E27FC236}">
-                <a16:creationId xmlns:a16="http://schemas.microsoft.com/office/drawing/2014/main" id="{E2BB97D6-AF4B-43DB-A797-C4160FA4F889}"/>
-              </a:ext>
-            </a:extLst>
-          </p:cNvPr>
-          <p:cNvSpPr txBox="1"/>
-          <p:nvPr/>
-        </p:nvSpPr>
-        <p:spPr>
-          <a:xfrm>
-            <a:off x="6960758" y="873301"/>
-            <a:ext cx="1207658" cy="246221"/>
-          </a:xfrm>
-          <a:prstGeom prst="rect">
-            <a:avLst/>
-          </a:prstGeom>
-          <a:noFill/>
-        </p:spPr>
-        <p:txBody>
-          <a:bodyPr wrap="square" rtlCol="0">
-            <a:spAutoFit/>
-          </a:bodyPr>
-          <a:lstStyle/>
-          <a:p>
-            <a:r>
-              <a:rPr lang="en-US" sz="1000" dirty="0">
-                <a:solidFill>
-                  <a:schemeClr val="bg1"/>
-                </a:solidFill>
-              </a:rPr>
-              <a:t>Private Property</a:t>
-            </a:r>
-          </a:p>
-        </p:txBody>
-      </p:sp>
-      <p:cxnSp>
-        <p:nvCxnSpPr>
-          <p:cNvPr id="14" name="Straight Arrow Connector 13">
-            <a:extLst>
-              <a:ext uri="{FF2B5EF4-FFF2-40B4-BE49-F238E27FC236}">
-                <a16:creationId xmlns:a16="http://schemas.microsoft.com/office/drawing/2014/main" id="{51E9EB42-0704-4405-AC6F-9935A14B3B1B}"/>
-              </a:ext>
-            </a:extLst>
-          </p:cNvPr>
-          <p:cNvCxnSpPr/>
-          <p:nvPr/>
-        </p:nvCxnSpPr>
-        <p:spPr>
-          <a:xfrm>
-            <a:off x="7572652" y="1136342"/>
-            <a:ext cx="266331" cy="79899"/>
-          </a:xfrm>
-          <a:prstGeom prst="straightConnector1">
-            <a:avLst/>
-          </a:prstGeom>
-          <a:ln>
-            <a:tailEnd type="triangle"/>
-          </a:ln>
-        </p:spPr>
-        <p:style>
-          <a:lnRef idx="1">
-            <a:schemeClr val="accent1"/>
-          </a:lnRef>
-          <a:fillRef idx="0">
-            <a:schemeClr val="accent1"/>
-          </a:fillRef>
-          <a:effectRef idx="0">
-            <a:schemeClr val="accent1"/>
-          </a:effectRef>
-          <a:fontRef idx="minor">
-            <a:schemeClr val="tx1"/>
-          </a:fontRef>
-        </p:style>
-      </p:cxnSp>
     </p:spTree>
     <p:extLst>
       <p:ext uri="{BB962C8B-B14F-4D97-AF65-F5344CB8AC3E}">
-        <p14:creationId xmlns:p14="http://schemas.microsoft.com/office/powerpoint/2010/main" val="4147376042"/>
+        <p14:creationId xmlns:p14="http://schemas.microsoft.com/office/powerpoint/2010/main" val="3402523570"/>
       </p:ext>
     </p:extLst>
   </p:cSld>
@@ -11883,1141 +11966,7 @@
 </p:sld>
 </file>
 
-<file path=ppt/slides/slide18.xml><?xml version="1.0" encoding="utf-8"?>
-<p:sld xmlns:a="http://schemas.openxmlformats.org/drawingml/2006/main" xmlns:r="http://schemas.openxmlformats.org/officeDocument/2006/relationships" xmlns:p="http://schemas.openxmlformats.org/presentationml/2006/main">
-  <p:cSld>
-    <p:bg>
-      <p:bgPr>
-        <a:solidFill>
-          <a:schemeClr val="bg1">
-            <a:tint val="95000"/>
-            <a:satMod val="170000"/>
-          </a:schemeClr>
-        </a:solidFill>
-        <a:effectLst/>
-      </p:bgPr>
-    </p:bg>
-    <p:spTree>
-      <p:nvGrpSpPr>
-        <p:cNvPr id="1" name=""/>
-        <p:cNvGrpSpPr/>
-        <p:nvPr/>
-      </p:nvGrpSpPr>
-      <p:grpSpPr>
-        <a:xfrm>
-          <a:off x="0" y="0"/>
-          <a:ext cx="0" cy="0"/>
-          <a:chOff x="0" y="0"/>
-          <a:chExt cx="0" cy="0"/>
-        </a:xfrm>
-      </p:grpSpPr>
-      <p:sp>
-        <p:nvSpPr>
-          <p:cNvPr id="12" name="Freeform: Shape 7">
-            <a:extLst>
-              <a:ext uri="{FF2B5EF4-FFF2-40B4-BE49-F238E27FC236}">
-                <a16:creationId xmlns:a16="http://schemas.microsoft.com/office/drawing/2014/main" id="{5BD1C87D-7B83-49A8-844E-433D32C45671}"/>
-              </a:ext>
-              <a:ext uri="{C183D7F6-B498-43B3-948B-1728B52AA6E4}">
-                <adec:decorative xmlns:adec="http://schemas.microsoft.com/office/drawing/2017/decorative" val="1"/>
-              </a:ext>
-            </a:extLst>
-          </p:cNvPr>
-          <p:cNvSpPr>
-            <a:spLocks noGrp="1" noRot="1" noChangeAspect="1" noMove="1" noResize="1" noEditPoints="1" noAdjustHandles="1" noChangeArrowheads="1" noChangeShapeType="1" noTextEdit="1"/>
-          </p:cNvSpPr>
-          <p:nvPr>
-            <p:extLst>
-              <p:ext uri="{386F3935-93C4-4BCD-93E2-E3B085C9AB24}">
-                <p16:designElem xmlns:p16="http://schemas.microsoft.com/office/powerpoint/2015/main" val="1"/>
-              </p:ext>
-            </p:extLst>
-          </p:nvPr>
-        </p:nvSpPr>
-        <p:spPr>
-          <a:xfrm flipV="1">
-            <a:off x="0" y="1024938"/>
-            <a:ext cx="6413262" cy="5833063"/>
-          </a:xfrm>
-          <a:custGeom>
-            <a:avLst/>
-            <a:gdLst>
-              <a:gd name="connsiteX0" fmla="*/ 343517 w 6413262"/>
-              <a:gd name="connsiteY0" fmla="*/ 5832222 h 5833063"/>
-              <a:gd name="connsiteX1" fmla="*/ 6335225 w 6413262"/>
-              <a:gd name="connsiteY1" fmla="*/ 835839 h 5833063"/>
-              <a:gd name="connsiteX2" fmla="*/ 6411127 w 6413262"/>
-              <a:gd name="connsiteY2" fmla="*/ 123790 h 5833063"/>
-              <a:gd name="connsiteX3" fmla="*/ 6413262 w 6413262"/>
-              <a:gd name="connsiteY3" fmla="*/ 0 h 5833063"/>
-              <a:gd name="connsiteX4" fmla="*/ 0 w 6413262"/>
-              <a:gd name="connsiteY4" fmla="*/ 0 h 5833063"/>
-              <a:gd name="connsiteX5" fmla="*/ 0 w 6413262"/>
-              <a:gd name="connsiteY5" fmla="*/ 5815521 h 5833063"/>
-              <a:gd name="connsiteX6" fmla="*/ 51379 w 6413262"/>
-              <a:gd name="connsiteY6" fmla="*/ 5820166 h 5833063"/>
-              <a:gd name="connsiteX7" fmla="*/ 343517 w 6413262"/>
-              <a:gd name="connsiteY7" fmla="*/ 5832222 h 5833063"/>
-            </a:gdLst>
-            <a:ahLst/>
-            <a:cxnLst>
-              <a:cxn ang="0">
-                <a:pos x="connsiteX0" y="connsiteY0"/>
-              </a:cxn>
-              <a:cxn ang="0">
-                <a:pos x="connsiteX1" y="connsiteY1"/>
-              </a:cxn>
-              <a:cxn ang="0">
-                <a:pos x="connsiteX2" y="connsiteY2"/>
-              </a:cxn>
-              <a:cxn ang="0">
-                <a:pos x="connsiteX3" y="connsiteY3"/>
-              </a:cxn>
-              <a:cxn ang="0">
-                <a:pos x="connsiteX4" y="connsiteY4"/>
-              </a:cxn>
-              <a:cxn ang="0">
-                <a:pos x="connsiteX5" y="connsiteY5"/>
-              </a:cxn>
-              <a:cxn ang="0">
-                <a:pos x="connsiteX6" y="connsiteY6"/>
-              </a:cxn>
-              <a:cxn ang="0">
-                <a:pos x="connsiteX7" y="connsiteY7"/>
-              </a:cxn>
-            </a:cxnLst>
-            <a:rect l="l" t="t" r="r" b="b"/>
-            <a:pathLst>
-              <a:path w="6413262" h="5833063">
-                <a:moveTo>
-                  <a:pt x="343517" y="5832222"/>
-                </a:moveTo>
-                <a:cubicBezTo>
-                  <a:pt x="3254747" y="5881130"/>
-                  <a:pt x="5841718" y="3794544"/>
-                  <a:pt x="6335225" y="835839"/>
-                </a:cubicBezTo>
-                <a:cubicBezTo>
-                  <a:pt x="6375023" y="597235"/>
-                  <a:pt x="6400103" y="359575"/>
-                  <a:pt x="6411127" y="123790"/>
-                </a:cubicBezTo>
-                <a:lnTo>
-                  <a:pt x="6413262" y="0"/>
-                </a:lnTo>
-                <a:lnTo>
-                  <a:pt x="0" y="0"/>
-                </a:lnTo>
-                <a:lnTo>
-                  <a:pt x="0" y="5815521"/>
-                </a:lnTo>
-                <a:lnTo>
-                  <a:pt x="51379" y="5820166"/>
-                </a:lnTo>
-                <a:cubicBezTo>
-                  <a:pt x="149075" y="5826589"/>
-                  <a:pt x="246476" y="5830592"/>
-                  <a:pt x="343517" y="5832222"/>
-                </a:cubicBezTo>
-                <a:close/>
-              </a:path>
-            </a:pathLst>
-          </a:custGeom>
-          <a:solidFill>
-            <a:schemeClr val="tx1">
-              <a:alpha val="80000"/>
-            </a:schemeClr>
-          </a:solidFill>
-          <a:ln>
-            <a:noFill/>
-          </a:ln>
-        </p:spPr>
-        <p:style>
-          <a:lnRef idx="2">
-            <a:schemeClr val="accent1">
-              <a:shade val="50000"/>
-            </a:schemeClr>
-          </a:lnRef>
-          <a:fillRef idx="1">
-            <a:schemeClr val="accent1"/>
-          </a:fillRef>
-          <a:effectRef idx="0">
-            <a:schemeClr val="accent1"/>
-          </a:effectRef>
-          <a:fontRef idx="minor">
-            <a:schemeClr val="lt1"/>
-          </a:fontRef>
-        </p:style>
-        <p:txBody>
-          <a:bodyPr wrap="square" rtlCol="0" anchor="ctr">
-            <a:noAutofit/>
-          </a:bodyPr>
-          <a:lstStyle/>
-          <a:p>
-            <a:pPr algn="ctr"/>
-            <a:endParaRPr lang="en-US" dirty="0"/>
-          </a:p>
-        </p:txBody>
-      </p:sp>
-      <p:sp>
-        <p:nvSpPr>
-          <p:cNvPr id="13" name="Freeform: Shape 9">
-            <a:extLst>
-              <a:ext uri="{FF2B5EF4-FFF2-40B4-BE49-F238E27FC236}">
-                <a16:creationId xmlns:a16="http://schemas.microsoft.com/office/drawing/2014/main" id="{1703047A-2C9B-4E2C-9A75-B67521B6D638}"/>
-              </a:ext>
-              <a:ext uri="{C183D7F6-B498-43B3-948B-1728B52AA6E4}">
-                <adec:decorative xmlns:adec="http://schemas.microsoft.com/office/drawing/2017/decorative" val="1"/>
-              </a:ext>
-            </a:extLst>
-          </p:cNvPr>
-          <p:cNvSpPr>
-            <a:spLocks noGrp="1" noRot="1" noChangeAspect="1" noMove="1" noResize="1" noEditPoints="1" noAdjustHandles="1" noChangeArrowheads="1" noChangeShapeType="1" noTextEdit="1"/>
-          </p:cNvSpPr>
-          <p:nvPr>
-            <p:extLst>
-              <p:ext uri="{386F3935-93C4-4BCD-93E2-E3B085C9AB24}">
-                <p16:designElem xmlns:p16="http://schemas.microsoft.com/office/powerpoint/2015/main" val="1"/>
-              </p:ext>
-            </p:extLst>
-          </p:nvPr>
-        </p:nvSpPr>
-        <p:spPr>
-          <a:xfrm flipV="1">
-            <a:off x="0" y="1324648"/>
-            <a:ext cx="6110122" cy="5533351"/>
-          </a:xfrm>
-          <a:custGeom>
-            <a:avLst/>
-            <a:gdLst>
-              <a:gd name="connsiteX0" fmla="*/ 324583 w 6110122"/>
-              <a:gd name="connsiteY0" fmla="*/ 5532549 h 5533351"/>
-              <a:gd name="connsiteX1" fmla="*/ 6035604 w 6110122"/>
-              <a:gd name="connsiteY1" fmla="*/ 770225 h 5533351"/>
-              <a:gd name="connsiteX2" fmla="*/ 6088871 w 6110122"/>
-              <a:gd name="connsiteY2" fmla="*/ 362020 h 5533351"/>
-              <a:gd name="connsiteX3" fmla="*/ 6110122 w 6110122"/>
-              <a:gd name="connsiteY3" fmla="*/ 0 h 5533351"/>
-              <a:gd name="connsiteX4" fmla="*/ 0 w 6110122"/>
-              <a:gd name="connsiteY4" fmla="*/ 0 h 5533351"/>
-              <a:gd name="connsiteX5" fmla="*/ 0 w 6110122"/>
-              <a:gd name="connsiteY5" fmla="*/ 5516887 h 5533351"/>
-              <a:gd name="connsiteX6" fmla="*/ 46130 w 6110122"/>
-              <a:gd name="connsiteY6" fmla="*/ 5521057 h 5533351"/>
-              <a:gd name="connsiteX7" fmla="*/ 324583 w 6110122"/>
-              <a:gd name="connsiteY7" fmla="*/ 5532549 h 5533351"/>
-            </a:gdLst>
-            <a:ahLst/>
-            <a:cxnLst>
-              <a:cxn ang="0">
-                <a:pos x="connsiteX0" y="connsiteY0"/>
-              </a:cxn>
-              <a:cxn ang="0">
-                <a:pos x="connsiteX1" y="connsiteY1"/>
-              </a:cxn>
-              <a:cxn ang="0">
-                <a:pos x="connsiteX2" y="connsiteY2"/>
-              </a:cxn>
-              <a:cxn ang="0">
-                <a:pos x="connsiteX3" y="connsiteY3"/>
-              </a:cxn>
-              <a:cxn ang="0">
-                <a:pos x="connsiteX4" y="connsiteY4"/>
-              </a:cxn>
-              <a:cxn ang="0">
-                <a:pos x="connsiteX5" y="connsiteY5"/>
-              </a:cxn>
-              <a:cxn ang="0">
-                <a:pos x="connsiteX6" y="connsiteY6"/>
-              </a:cxn>
-              <a:cxn ang="0">
-                <a:pos x="connsiteX7" y="connsiteY7"/>
-              </a:cxn>
-            </a:cxnLst>
-            <a:rect l="l" t="t" r="r" b="b"/>
-            <a:pathLst>
-              <a:path w="6110122" h="5533351">
-                <a:moveTo>
-                  <a:pt x="324583" y="5532549"/>
-                </a:moveTo>
-                <a:cubicBezTo>
-                  <a:pt x="3099434" y="5579166"/>
-                  <a:pt x="5565217" y="3590326"/>
-                  <a:pt x="6035604" y="770225"/>
-                </a:cubicBezTo>
-                <a:cubicBezTo>
-                  <a:pt x="6058365" y="633768"/>
-                  <a:pt x="6076076" y="497636"/>
-                  <a:pt x="6088871" y="362020"/>
-                </a:cubicBezTo>
-                <a:lnTo>
-                  <a:pt x="6110122" y="0"/>
-                </a:lnTo>
-                <a:lnTo>
-                  <a:pt x="0" y="0"/>
-                </a:lnTo>
-                <a:lnTo>
-                  <a:pt x="0" y="5516887"/>
-                </a:lnTo>
-                <a:lnTo>
-                  <a:pt x="46130" y="5521057"/>
-                </a:lnTo>
-                <a:cubicBezTo>
-                  <a:pt x="139249" y="5527179"/>
-                  <a:pt x="232088" y="5530995"/>
-                  <a:pt x="324583" y="5532549"/>
-                </a:cubicBezTo>
-                <a:close/>
-              </a:path>
-            </a:pathLst>
-          </a:custGeom>
-          <a:solidFill>
-            <a:schemeClr val="bg1">
-              <a:lumMod val="65000"/>
-              <a:lumOff val="35000"/>
-            </a:schemeClr>
-          </a:solidFill>
-          <a:ln>
-            <a:noFill/>
-          </a:ln>
-        </p:spPr>
-        <p:style>
-          <a:lnRef idx="2">
-            <a:schemeClr val="accent1">
-              <a:shade val="50000"/>
-            </a:schemeClr>
-          </a:lnRef>
-          <a:fillRef idx="1">
-            <a:schemeClr val="accent1"/>
-          </a:fillRef>
-          <a:effectRef idx="0">
-            <a:schemeClr val="accent1"/>
-          </a:effectRef>
-          <a:fontRef idx="minor">
-            <a:schemeClr val="lt1"/>
-          </a:fontRef>
-        </p:style>
-        <p:txBody>
-          <a:bodyPr wrap="square" rtlCol="0" anchor="ctr">
-            <a:noAutofit/>
-          </a:bodyPr>
-          <a:lstStyle/>
-          <a:p>
-            <a:pPr algn="ctr"/>
-            <a:endParaRPr lang="en-US"/>
-          </a:p>
-        </p:txBody>
-      </p:sp>
-      <p:sp>
-        <p:nvSpPr>
-          <p:cNvPr id="2" name="Title 1">
-            <a:extLst>
-              <a:ext uri="{FF2B5EF4-FFF2-40B4-BE49-F238E27FC236}">
-                <a16:creationId xmlns:a16="http://schemas.microsoft.com/office/drawing/2014/main" id="{2F3FED80-2296-4175-A57B-98CB81EDB011}"/>
-              </a:ext>
-            </a:extLst>
-          </p:cNvPr>
-          <p:cNvSpPr>
-            <a:spLocks noGrp="1"/>
-          </p:cNvSpPr>
-          <p:nvPr>
-            <p:ph type="title"/>
-          </p:nvPr>
-        </p:nvSpPr>
-        <p:spPr>
-          <a:xfrm>
-            <a:off x="804671" y="2903393"/>
-            <a:ext cx="3607841" cy="2625537"/>
-          </a:xfrm>
-        </p:spPr>
-        <p:txBody>
-          <a:bodyPr anchor="b">
-            <a:normAutofit/>
-          </a:bodyPr>
-          <a:lstStyle/>
-          <a:p>
-            <a:r>
-              <a:rPr lang="en-US" sz="4800" dirty="0"/>
-              <a:t>Key Findings</a:t>
-            </a:r>
-          </a:p>
-        </p:txBody>
-      </p:sp>
-      <p:sp>
-        <p:nvSpPr>
-          <p:cNvPr id="9" name="TextBox 8">
-            <a:extLst>
-              <a:ext uri="{FF2B5EF4-FFF2-40B4-BE49-F238E27FC236}">
-                <a16:creationId xmlns:a16="http://schemas.microsoft.com/office/drawing/2014/main" id="{D7F55026-0703-4105-914B-604CFDEF3514}"/>
-              </a:ext>
-            </a:extLst>
-          </p:cNvPr>
-          <p:cNvSpPr txBox="1"/>
-          <p:nvPr/>
-        </p:nvSpPr>
-        <p:spPr>
-          <a:xfrm>
-            <a:off x="19878" y="6488668"/>
-            <a:ext cx="1053548" cy="369332"/>
-          </a:xfrm>
-          <a:prstGeom prst="rect">
-            <a:avLst/>
-          </a:prstGeom>
-          <a:noFill/>
-        </p:spPr>
-        <p:txBody>
-          <a:bodyPr wrap="square" rtlCol="0">
-            <a:spAutoFit/>
-          </a:bodyPr>
-          <a:lstStyle/>
-          <a:p>
-            <a:r>
-              <a:rPr lang="en-US" dirty="0"/>
-              <a:t>Ben</a:t>
-            </a:r>
-          </a:p>
-        </p:txBody>
-      </p:sp>
-      <p:sp>
-        <p:nvSpPr>
-          <p:cNvPr id="6" name="TextBox 5">
-            <a:extLst>
-              <a:ext uri="{FF2B5EF4-FFF2-40B4-BE49-F238E27FC236}">
-                <a16:creationId xmlns:a16="http://schemas.microsoft.com/office/drawing/2014/main" id="{E102CA1D-598F-4203-A3E1-4EDC221965E6}"/>
-              </a:ext>
-            </a:extLst>
-          </p:cNvPr>
-          <p:cNvSpPr txBox="1"/>
-          <p:nvPr/>
-        </p:nvSpPr>
-        <p:spPr>
-          <a:xfrm>
-            <a:off x="257175" y="161925"/>
-            <a:ext cx="11934825" cy="1477328"/>
-          </a:xfrm>
-          <a:prstGeom prst="rect">
-            <a:avLst/>
-          </a:prstGeom>
-          <a:noFill/>
-        </p:spPr>
-        <p:txBody>
-          <a:bodyPr wrap="square" rtlCol="0">
-            <a:spAutoFit/>
-          </a:bodyPr>
-          <a:lstStyle/>
-          <a:p>
-            <a:pPr marL="285750" indent="-285750">
-              <a:buFont typeface="Arial" panose="020B0604020202020204" pitchFamily="34" charset="0"/>
-              <a:buChar char="•"/>
-            </a:pPr>
-            <a:r>
-              <a:rPr lang="en-US" b="1" dirty="0"/>
-              <a:t>When looking at the top 20 issues for the whole dataset in terms of issue counts, trash collection and street issues/</a:t>
-            </a:r>
-            <a:r>
-              <a:rPr lang="en-US" b="1" dirty="0" err="1"/>
-              <a:t>potlholes</a:t>
-            </a:r>
-            <a:r>
-              <a:rPr lang="en-US" b="1" dirty="0"/>
-              <a:t> emerge as some of the most common.</a:t>
-            </a:r>
-          </a:p>
-          <a:p>
-            <a:pPr marL="285750" indent="-285750">
-              <a:buFont typeface="Arial" panose="020B0604020202020204" pitchFamily="34" charset="0"/>
-              <a:buChar char="•"/>
-            </a:pPr>
-            <a:endParaRPr lang="en-US" b="1" dirty="0"/>
-          </a:p>
-          <a:p>
-            <a:pPr marL="285750" indent="-285750">
-              <a:buFont typeface="Arial" panose="020B0604020202020204" pitchFamily="34" charset="0"/>
-              <a:buChar char="•"/>
-            </a:pPr>
-            <a:r>
-              <a:rPr lang="en-US" b="1" dirty="0"/>
-              <a:t>It is desired to try to reduce the occurrence of the most common issues, so a brief investigation was conducted into these issues. </a:t>
-            </a:r>
-          </a:p>
-        </p:txBody>
-      </p:sp>
-      <p:pic>
-        <p:nvPicPr>
-          <p:cNvPr id="5" name="Content Placeholder 4">
-            <a:extLst>
-              <a:ext uri="{FF2B5EF4-FFF2-40B4-BE49-F238E27FC236}">
-                <a16:creationId xmlns:a16="http://schemas.microsoft.com/office/drawing/2014/main" id="{9AFFB1F4-5446-40D0-8943-B1EBC08D6C68}"/>
-              </a:ext>
-            </a:extLst>
-          </p:cNvPr>
-          <p:cNvPicPr>
-            <a:picLocks noGrp="1" noChangeAspect="1"/>
-          </p:cNvPicPr>
-          <p:nvPr>
-            <p:ph idx="1"/>
-          </p:nvPr>
-        </p:nvPicPr>
-        <p:blipFill>
-          <a:blip r:embed="rId2"/>
-          <a:stretch>
-            <a:fillRect/>
-          </a:stretch>
-        </p:blipFill>
-        <p:spPr>
-          <a:xfrm>
-            <a:off x="5309782" y="2506662"/>
-            <a:ext cx="6882218" cy="4351338"/>
-          </a:xfrm>
-          <a:prstGeom prst="rect">
-            <a:avLst/>
-          </a:prstGeom>
-        </p:spPr>
-      </p:pic>
-      <p:sp>
-        <p:nvSpPr>
-          <p:cNvPr id="7" name="Oval 6">
-            <a:extLst>
-              <a:ext uri="{FF2B5EF4-FFF2-40B4-BE49-F238E27FC236}">
-                <a16:creationId xmlns:a16="http://schemas.microsoft.com/office/drawing/2014/main" id="{FFF43AAB-B50E-44F5-9F09-95305E70DA1E}"/>
-              </a:ext>
-            </a:extLst>
-          </p:cNvPr>
-          <p:cNvSpPr/>
-          <p:nvPr/>
-        </p:nvSpPr>
-        <p:spPr>
-          <a:xfrm>
-            <a:off x="9722294" y="2130640"/>
-            <a:ext cx="927324" cy="4727359"/>
-          </a:xfrm>
-          <a:prstGeom prst="ellipse">
-            <a:avLst/>
-          </a:prstGeom>
-          <a:noFill/>
-          <a:ln>
-            <a:solidFill>
-              <a:srgbClr val="FF0000"/>
-            </a:solidFill>
-          </a:ln>
-        </p:spPr>
-        <p:style>
-          <a:lnRef idx="2">
-            <a:schemeClr val="accent1">
-              <a:shade val="50000"/>
-            </a:schemeClr>
-          </a:lnRef>
-          <a:fillRef idx="1">
-            <a:schemeClr val="accent1"/>
-          </a:fillRef>
-          <a:effectRef idx="0">
-            <a:schemeClr val="accent1"/>
-          </a:effectRef>
-          <a:fontRef idx="minor">
-            <a:schemeClr val="lt1"/>
-          </a:fontRef>
-        </p:style>
-        <p:txBody>
-          <a:bodyPr rtlCol="0" anchor="ctr"/>
-          <a:lstStyle/>
-          <a:p>
-            <a:pPr algn="ctr"/>
-            <a:endParaRPr lang="en-US"/>
-          </a:p>
-        </p:txBody>
-      </p:sp>
-    </p:spTree>
-    <p:extLst>
-      <p:ext uri="{BB962C8B-B14F-4D97-AF65-F5344CB8AC3E}">
-        <p14:creationId xmlns:p14="http://schemas.microsoft.com/office/powerpoint/2010/main" val="1858377272"/>
-      </p:ext>
-    </p:extLst>
-  </p:cSld>
-  <p:clrMapOvr>
-    <a:overrideClrMapping bg1="dk1" tx1="lt1" bg2="dk2" tx2="lt2" accent1="accent1" accent2="accent2" accent3="accent3" accent4="accent4" accent5="accent5" accent6="accent6" hlink="hlink" folHlink="folHlink"/>
-  </p:clrMapOvr>
-</p:sld>
-</file>
-
-<file path=ppt/slides/slide19.xml><?xml version="1.0" encoding="utf-8"?>
-<p:sld xmlns:a="http://schemas.openxmlformats.org/drawingml/2006/main" xmlns:r="http://schemas.openxmlformats.org/officeDocument/2006/relationships" xmlns:p="http://schemas.openxmlformats.org/presentationml/2006/main">
-  <p:cSld>
-    <p:bg>
-      <p:bgPr>
-        <a:solidFill>
-          <a:schemeClr val="bg1">
-            <a:tint val="95000"/>
-            <a:satMod val="170000"/>
-          </a:schemeClr>
-        </a:solidFill>
-        <a:effectLst/>
-      </p:bgPr>
-    </p:bg>
-    <p:spTree>
-      <p:nvGrpSpPr>
-        <p:cNvPr id="1" name=""/>
-        <p:cNvGrpSpPr/>
-        <p:nvPr/>
-      </p:nvGrpSpPr>
-      <p:grpSpPr>
-        <a:xfrm>
-          <a:off x="0" y="0"/>
-          <a:ext cx="0" cy="0"/>
-          <a:chOff x="0" y="0"/>
-          <a:chExt cx="0" cy="0"/>
-        </a:xfrm>
-      </p:grpSpPr>
-      <p:sp>
-        <p:nvSpPr>
-          <p:cNvPr id="12" name="Freeform: Shape 7">
-            <a:extLst>
-              <a:ext uri="{FF2B5EF4-FFF2-40B4-BE49-F238E27FC236}">
-                <a16:creationId xmlns:a16="http://schemas.microsoft.com/office/drawing/2014/main" id="{5BD1C87D-7B83-49A8-844E-433D32C45671}"/>
-              </a:ext>
-              <a:ext uri="{C183D7F6-B498-43B3-948B-1728B52AA6E4}">
-                <adec:decorative xmlns:adec="http://schemas.microsoft.com/office/drawing/2017/decorative" val="1"/>
-              </a:ext>
-            </a:extLst>
-          </p:cNvPr>
-          <p:cNvSpPr>
-            <a:spLocks noGrp="1" noRot="1" noChangeAspect="1" noMove="1" noResize="1" noEditPoints="1" noAdjustHandles="1" noChangeArrowheads="1" noChangeShapeType="1" noTextEdit="1"/>
-          </p:cNvSpPr>
-          <p:nvPr>
-            <p:extLst>
-              <p:ext uri="{386F3935-93C4-4BCD-93E2-E3B085C9AB24}">
-                <p16:designElem xmlns:p16="http://schemas.microsoft.com/office/powerpoint/2015/main" val="1"/>
-              </p:ext>
-            </p:extLst>
-          </p:nvPr>
-        </p:nvSpPr>
-        <p:spPr>
-          <a:xfrm flipV="1">
-            <a:off x="0" y="1024938"/>
-            <a:ext cx="6413262" cy="5833063"/>
-          </a:xfrm>
-          <a:custGeom>
-            <a:avLst/>
-            <a:gdLst>
-              <a:gd name="connsiteX0" fmla="*/ 343517 w 6413262"/>
-              <a:gd name="connsiteY0" fmla="*/ 5832222 h 5833063"/>
-              <a:gd name="connsiteX1" fmla="*/ 6335225 w 6413262"/>
-              <a:gd name="connsiteY1" fmla="*/ 835839 h 5833063"/>
-              <a:gd name="connsiteX2" fmla="*/ 6411127 w 6413262"/>
-              <a:gd name="connsiteY2" fmla="*/ 123790 h 5833063"/>
-              <a:gd name="connsiteX3" fmla="*/ 6413262 w 6413262"/>
-              <a:gd name="connsiteY3" fmla="*/ 0 h 5833063"/>
-              <a:gd name="connsiteX4" fmla="*/ 0 w 6413262"/>
-              <a:gd name="connsiteY4" fmla="*/ 0 h 5833063"/>
-              <a:gd name="connsiteX5" fmla="*/ 0 w 6413262"/>
-              <a:gd name="connsiteY5" fmla="*/ 5815521 h 5833063"/>
-              <a:gd name="connsiteX6" fmla="*/ 51379 w 6413262"/>
-              <a:gd name="connsiteY6" fmla="*/ 5820166 h 5833063"/>
-              <a:gd name="connsiteX7" fmla="*/ 343517 w 6413262"/>
-              <a:gd name="connsiteY7" fmla="*/ 5832222 h 5833063"/>
-            </a:gdLst>
-            <a:ahLst/>
-            <a:cxnLst>
-              <a:cxn ang="0">
-                <a:pos x="connsiteX0" y="connsiteY0"/>
-              </a:cxn>
-              <a:cxn ang="0">
-                <a:pos x="connsiteX1" y="connsiteY1"/>
-              </a:cxn>
-              <a:cxn ang="0">
-                <a:pos x="connsiteX2" y="connsiteY2"/>
-              </a:cxn>
-              <a:cxn ang="0">
-                <a:pos x="connsiteX3" y="connsiteY3"/>
-              </a:cxn>
-              <a:cxn ang="0">
-                <a:pos x="connsiteX4" y="connsiteY4"/>
-              </a:cxn>
-              <a:cxn ang="0">
-                <a:pos x="connsiteX5" y="connsiteY5"/>
-              </a:cxn>
-              <a:cxn ang="0">
-                <a:pos x="connsiteX6" y="connsiteY6"/>
-              </a:cxn>
-              <a:cxn ang="0">
-                <a:pos x="connsiteX7" y="connsiteY7"/>
-              </a:cxn>
-            </a:cxnLst>
-            <a:rect l="l" t="t" r="r" b="b"/>
-            <a:pathLst>
-              <a:path w="6413262" h="5833063">
-                <a:moveTo>
-                  <a:pt x="343517" y="5832222"/>
-                </a:moveTo>
-                <a:cubicBezTo>
-                  <a:pt x="3254747" y="5881130"/>
-                  <a:pt x="5841718" y="3794544"/>
-                  <a:pt x="6335225" y="835839"/>
-                </a:cubicBezTo>
-                <a:cubicBezTo>
-                  <a:pt x="6375023" y="597235"/>
-                  <a:pt x="6400103" y="359575"/>
-                  <a:pt x="6411127" y="123790"/>
-                </a:cubicBezTo>
-                <a:lnTo>
-                  <a:pt x="6413262" y="0"/>
-                </a:lnTo>
-                <a:lnTo>
-                  <a:pt x="0" y="0"/>
-                </a:lnTo>
-                <a:lnTo>
-                  <a:pt x="0" y="5815521"/>
-                </a:lnTo>
-                <a:lnTo>
-                  <a:pt x="51379" y="5820166"/>
-                </a:lnTo>
-                <a:cubicBezTo>
-                  <a:pt x="149075" y="5826589"/>
-                  <a:pt x="246476" y="5830592"/>
-                  <a:pt x="343517" y="5832222"/>
-                </a:cubicBezTo>
-                <a:close/>
-              </a:path>
-            </a:pathLst>
-          </a:custGeom>
-          <a:solidFill>
-            <a:schemeClr val="tx1">
-              <a:alpha val="80000"/>
-            </a:schemeClr>
-          </a:solidFill>
-          <a:ln>
-            <a:noFill/>
-          </a:ln>
-        </p:spPr>
-        <p:style>
-          <a:lnRef idx="2">
-            <a:schemeClr val="accent1">
-              <a:shade val="50000"/>
-            </a:schemeClr>
-          </a:lnRef>
-          <a:fillRef idx="1">
-            <a:schemeClr val="accent1"/>
-          </a:fillRef>
-          <a:effectRef idx="0">
-            <a:schemeClr val="accent1"/>
-          </a:effectRef>
-          <a:fontRef idx="minor">
-            <a:schemeClr val="lt1"/>
-          </a:fontRef>
-        </p:style>
-        <p:txBody>
-          <a:bodyPr wrap="square" rtlCol="0" anchor="ctr">
-            <a:noAutofit/>
-          </a:bodyPr>
-          <a:lstStyle/>
-          <a:p>
-            <a:pPr algn="ctr"/>
-            <a:endParaRPr lang="en-US" dirty="0"/>
-          </a:p>
-        </p:txBody>
-      </p:sp>
-      <p:sp>
-        <p:nvSpPr>
-          <p:cNvPr id="13" name="Freeform: Shape 9">
-            <a:extLst>
-              <a:ext uri="{FF2B5EF4-FFF2-40B4-BE49-F238E27FC236}">
-                <a16:creationId xmlns:a16="http://schemas.microsoft.com/office/drawing/2014/main" id="{1703047A-2C9B-4E2C-9A75-B67521B6D638}"/>
-              </a:ext>
-              <a:ext uri="{C183D7F6-B498-43B3-948B-1728B52AA6E4}">
-                <adec:decorative xmlns:adec="http://schemas.microsoft.com/office/drawing/2017/decorative" val="1"/>
-              </a:ext>
-            </a:extLst>
-          </p:cNvPr>
-          <p:cNvSpPr>
-            <a:spLocks noGrp="1" noRot="1" noChangeAspect="1" noMove="1" noResize="1" noEditPoints="1" noAdjustHandles="1" noChangeArrowheads="1" noChangeShapeType="1" noTextEdit="1"/>
-          </p:cNvSpPr>
-          <p:nvPr>
-            <p:extLst>
-              <p:ext uri="{386F3935-93C4-4BCD-93E2-E3B085C9AB24}">
-                <p16:designElem xmlns:p16="http://schemas.microsoft.com/office/powerpoint/2015/main" val="1"/>
-              </p:ext>
-            </p:extLst>
-          </p:nvPr>
-        </p:nvSpPr>
-        <p:spPr>
-          <a:xfrm flipV="1">
-            <a:off x="0" y="1324648"/>
-            <a:ext cx="6110122" cy="5533351"/>
-          </a:xfrm>
-          <a:custGeom>
-            <a:avLst/>
-            <a:gdLst>
-              <a:gd name="connsiteX0" fmla="*/ 324583 w 6110122"/>
-              <a:gd name="connsiteY0" fmla="*/ 5532549 h 5533351"/>
-              <a:gd name="connsiteX1" fmla="*/ 6035604 w 6110122"/>
-              <a:gd name="connsiteY1" fmla="*/ 770225 h 5533351"/>
-              <a:gd name="connsiteX2" fmla="*/ 6088871 w 6110122"/>
-              <a:gd name="connsiteY2" fmla="*/ 362020 h 5533351"/>
-              <a:gd name="connsiteX3" fmla="*/ 6110122 w 6110122"/>
-              <a:gd name="connsiteY3" fmla="*/ 0 h 5533351"/>
-              <a:gd name="connsiteX4" fmla="*/ 0 w 6110122"/>
-              <a:gd name="connsiteY4" fmla="*/ 0 h 5533351"/>
-              <a:gd name="connsiteX5" fmla="*/ 0 w 6110122"/>
-              <a:gd name="connsiteY5" fmla="*/ 5516887 h 5533351"/>
-              <a:gd name="connsiteX6" fmla="*/ 46130 w 6110122"/>
-              <a:gd name="connsiteY6" fmla="*/ 5521057 h 5533351"/>
-              <a:gd name="connsiteX7" fmla="*/ 324583 w 6110122"/>
-              <a:gd name="connsiteY7" fmla="*/ 5532549 h 5533351"/>
-            </a:gdLst>
-            <a:ahLst/>
-            <a:cxnLst>
-              <a:cxn ang="0">
-                <a:pos x="connsiteX0" y="connsiteY0"/>
-              </a:cxn>
-              <a:cxn ang="0">
-                <a:pos x="connsiteX1" y="connsiteY1"/>
-              </a:cxn>
-              <a:cxn ang="0">
-                <a:pos x="connsiteX2" y="connsiteY2"/>
-              </a:cxn>
-              <a:cxn ang="0">
-                <a:pos x="connsiteX3" y="connsiteY3"/>
-              </a:cxn>
-              <a:cxn ang="0">
-                <a:pos x="connsiteX4" y="connsiteY4"/>
-              </a:cxn>
-              <a:cxn ang="0">
-                <a:pos x="connsiteX5" y="connsiteY5"/>
-              </a:cxn>
-              <a:cxn ang="0">
-                <a:pos x="connsiteX6" y="connsiteY6"/>
-              </a:cxn>
-              <a:cxn ang="0">
-                <a:pos x="connsiteX7" y="connsiteY7"/>
-              </a:cxn>
-            </a:cxnLst>
-            <a:rect l="l" t="t" r="r" b="b"/>
-            <a:pathLst>
-              <a:path w="6110122" h="5533351">
-                <a:moveTo>
-                  <a:pt x="324583" y="5532549"/>
-                </a:moveTo>
-                <a:cubicBezTo>
-                  <a:pt x="3099434" y="5579166"/>
-                  <a:pt x="5565217" y="3590326"/>
-                  <a:pt x="6035604" y="770225"/>
-                </a:cubicBezTo>
-                <a:cubicBezTo>
-                  <a:pt x="6058365" y="633768"/>
-                  <a:pt x="6076076" y="497636"/>
-                  <a:pt x="6088871" y="362020"/>
-                </a:cubicBezTo>
-                <a:lnTo>
-                  <a:pt x="6110122" y="0"/>
-                </a:lnTo>
-                <a:lnTo>
-                  <a:pt x="0" y="0"/>
-                </a:lnTo>
-                <a:lnTo>
-                  <a:pt x="0" y="5516887"/>
-                </a:lnTo>
-                <a:lnTo>
-                  <a:pt x="46130" y="5521057"/>
-                </a:lnTo>
-                <a:cubicBezTo>
-                  <a:pt x="139249" y="5527179"/>
-                  <a:pt x="232088" y="5530995"/>
-                  <a:pt x="324583" y="5532549"/>
-                </a:cubicBezTo>
-                <a:close/>
-              </a:path>
-            </a:pathLst>
-          </a:custGeom>
-          <a:solidFill>
-            <a:schemeClr val="bg1">
-              <a:lumMod val="65000"/>
-              <a:lumOff val="35000"/>
-            </a:schemeClr>
-          </a:solidFill>
-          <a:ln>
-            <a:noFill/>
-          </a:ln>
-        </p:spPr>
-        <p:style>
-          <a:lnRef idx="2">
-            <a:schemeClr val="accent1">
-              <a:shade val="50000"/>
-            </a:schemeClr>
-          </a:lnRef>
-          <a:fillRef idx="1">
-            <a:schemeClr val="accent1"/>
-          </a:fillRef>
-          <a:effectRef idx="0">
-            <a:schemeClr val="accent1"/>
-          </a:effectRef>
-          <a:fontRef idx="minor">
-            <a:schemeClr val="lt1"/>
-          </a:fontRef>
-        </p:style>
-        <p:txBody>
-          <a:bodyPr wrap="square" rtlCol="0" anchor="ctr">
-            <a:noAutofit/>
-          </a:bodyPr>
-          <a:lstStyle/>
-          <a:p>
-            <a:pPr algn="ctr"/>
-            <a:endParaRPr lang="en-US"/>
-          </a:p>
-        </p:txBody>
-      </p:sp>
-      <p:sp>
-        <p:nvSpPr>
-          <p:cNvPr id="2" name="Title 1">
-            <a:extLst>
-              <a:ext uri="{FF2B5EF4-FFF2-40B4-BE49-F238E27FC236}">
-                <a16:creationId xmlns:a16="http://schemas.microsoft.com/office/drawing/2014/main" id="{2F3FED80-2296-4175-A57B-98CB81EDB011}"/>
-              </a:ext>
-            </a:extLst>
-          </p:cNvPr>
-          <p:cNvSpPr>
-            <a:spLocks noGrp="1"/>
-          </p:cNvSpPr>
-          <p:nvPr>
-            <p:ph type="title"/>
-          </p:nvPr>
-        </p:nvSpPr>
-        <p:spPr>
-          <a:xfrm>
-            <a:off x="804671" y="2903393"/>
-            <a:ext cx="3607841" cy="2625537"/>
-          </a:xfrm>
-        </p:spPr>
-        <p:txBody>
-          <a:bodyPr anchor="b">
-            <a:normAutofit/>
-          </a:bodyPr>
-          <a:lstStyle/>
-          <a:p>
-            <a:r>
-              <a:rPr lang="en-US" sz="4800"/>
-              <a:t>Key Findings</a:t>
-            </a:r>
-            <a:endParaRPr lang="en-US" sz="4800" dirty="0"/>
-          </a:p>
-        </p:txBody>
-      </p:sp>
-      <p:sp>
-        <p:nvSpPr>
-          <p:cNvPr id="9" name="TextBox 8">
-            <a:extLst>
-              <a:ext uri="{FF2B5EF4-FFF2-40B4-BE49-F238E27FC236}">
-                <a16:creationId xmlns:a16="http://schemas.microsoft.com/office/drawing/2014/main" id="{D7F55026-0703-4105-914B-604CFDEF3514}"/>
-              </a:ext>
-            </a:extLst>
-          </p:cNvPr>
-          <p:cNvSpPr txBox="1"/>
-          <p:nvPr/>
-        </p:nvSpPr>
-        <p:spPr>
-          <a:xfrm>
-            <a:off x="19878" y="6488668"/>
-            <a:ext cx="1053548" cy="369332"/>
-          </a:xfrm>
-          <a:prstGeom prst="rect">
-            <a:avLst/>
-          </a:prstGeom>
-          <a:noFill/>
-        </p:spPr>
-        <p:txBody>
-          <a:bodyPr wrap="square" rtlCol="0">
-            <a:spAutoFit/>
-          </a:bodyPr>
-          <a:lstStyle/>
-          <a:p>
-            <a:r>
-              <a:rPr lang="en-US" dirty="0"/>
-              <a:t>Ben</a:t>
-            </a:r>
-          </a:p>
-        </p:txBody>
-      </p:sp>
-      <p:pic>
-        <p:nvPicPr>
-          <p:cNvPr id="7" name="Content Placeholder 6">
-            <a:extLst>
-              <a:ext uri="{FF2B5EF4-FFF2-40B4-BE49-F238E27FC236}">
-                <a16:creationId xmlns:a16="http://schemas.microsoft.com/office/drawing/2014/main" id="{01D630E9-C5C6-4315-A526-F9237D350940}"/>
-              </a:ext>
-            </a:extLst>
-          </p:cNvPr>
-          <p:cNvPicPr>
-            <a:picLocks noGrp="1" noChangeAspect="1"/>
-          </p:cNvPicPr>
-          <p:nvPr>
-            <p:ph idx="1"/>
-          </p:nvPr>
-        </p:nvPicPr>
-        <p:blipFill>
-          <a:blip r:embed="rId2"/>
-          <a:stretch>
-            <a:fillRect/>
-          </a:stretch>
-        </p:blipFill>
-        <p:spPr>
-          <a:xfrm>
-            <a:off x="172522" y="103357"/>
-            <a:ext cx="4059447" cy="4351338"/>
-          </a:xfrm>
-          <a:prstGeom prst="rect">
-            <a:avLst/>
-          </a:prstGeom>
-        </p:spPr>
-      </p:pic>
-      <p:sp>
-        <p:nvSpPr>
-          <p:cNvPr id="8" name="TextBox 7">
-            <a:extLst>
-              <a:ext uri="{FF2B5EF4-FFF2-40B4-BE49-F238E27FC236}">
-                <a16:creationId xmlns:a16="http://schemas.microsoft.com/office/drawing/2014/main" id="{36AE280D-15E1-4B4D-ABF6-1CDC047D770F}"/>
-              </a:ext>
-            </a:extLst>
-          </p:cNvPr>
-          <p:cNvSpPr txBox="1"/>
-          <p:nvPr/>
-        </p:nvSpPr>
-        <p:spPr>
-          <a:xfrm>
-            <a:off x="4514850" y="103357"/>
-            <a:ext cx="7210425" cy="3416320"/>
-          </a:xfrm>
-          <a:prstGeom prst="rect">
-            <a:avLst/>
-          </a:prstGeom>
-          <a:noFill/>
-        </p:spPr>
-        <p:txBody>
-          <a:bodyPr wrap="square" rtlCol="0">
-            <a:spAutoFit/>
-          </a:bodyPr>
-          <a:lstStyle/>
-          <a:p>
-            <a:pPr marL="285750" indent="-285750">
-              <a:buFont typeface="Arial" panose="020B0604020202020204" pitchFamily="34" charset="0"/>
-              <a:buChar char="•"/>
-            </a:pPr>
-            <a:r>
-              <a:rPr lang="en-US" b="1" dirty="0"/>
-              <a:t>The city of Kansas City could see a reduction in calls related to street/pothole issues by looking to other countries for inspiration.</a:t>
-            </a:r>
-          </a:p>
-          <a:p>
-            <a:pPr marL="285750" indent="-285750">
-              <a:buFont typeface="Arial" panose="020B0604020202020204" pitchFamily="34" charset="0"/>
-              <a:buChar char="•"/>
-            </a:pPr>
-            <a:endParaRPr lang="en-US" b="1" dirty="0"/>
-          </a:p>
-          <a:p>
-            <a:pPr marL="285750" indent="-285750">
-              <a:buFont typeface="Arial" panose="020B0604020202020204" pitchFamily="34" charset="0"/>
-              <a:buChar char="•"/>
-            </a:pPr>
-            <a:r>
-              <a:rPr lang="en-US" b="1" dirty="0"/>
-              <a:t>Case in point, the Autobahn is a world-class highway system in Germany that has differences in road construction and more preemptive maintenance.</a:t>
-            </a:r>
-          </a:p>
-          <a:p>
-            <a:pPr marL="285750" indent="-285750">
-              <a:buFont typeface="Arial" panose="020B0604020202020204" pitchFamily="34" charset="0"/>
-              <a:buChar char="•"/>
-            </a:pPr>
-            <a:endParaRPr lang="en-US" b="1" dirty="0"/>
-          </a:p>
-          <a:p>
-            <a:pPr marL="285750" indent="-285750">
-              <a:buFont typeface="Arial" panose="020B0604020202020204" pitchFamily="34" charset="0"/>
-              <a:buChar char="•"/>
-            </a:pPr>
-            <a:r>
-              <a:rPr lang="en-US" b="1" dirty="0"/>
-              <a:t>One thing the city government could do is put multiple layers of concrete on the road.</a:t>
-            </a:r>
-          </a:p>
-          <a:p>
-            <a:pPr marL="285750" indent="-285750">
-              <a:buFont typeface="Arial" panose="020B0604020202020204" pitchFamily="34" charset="0"/>
-              <a:buChar char="•"/>
-            </a:pPr>
-            <a:endParaRPr lang="en-US" b="1" dirty="0"/>
-          </a:p>
-          <a:p>
-            <a:pPr marL="285750" indent="-285750">
-              <a:buFont typeface="Arial" panose="020B0604020202020204" pitchFamily="34" charset="0"/>
-              <a:buChar char="•"/>
-            </a:pPr>
-            <a:r>
-              <a:rPr lang="en-US" b="1" dirty="0"/>
-              <a:t>When inspections are done, if any damage is found, replacing the segment containing damage could also be beneficial.</a:t>
-            </a:r>
-          </a:p>
-        </p:txBody>
-      </p:sp>
-      <p:sp>
-        <p:nvSpPr>
-          <p:cNvPr id="10" name="Rectangle 9">
-            <a:extLst>
-              <a:ext uri="{FF2B5EF4-FFF2-40B4-BE49-F238E27FC236}">
-                <a16:creationId xmlns:a16="http://schemas.microsoft.com/office/drawing/2014/main" id="{609A6798-E82F-491C-BD61-6EC817B8A36C}"/>
-              </a:ext>
-            </a:extLst>
-          </p:cNvPr>
-          <p:cNvSpPr/>
-          <p:nvPr/>
-        </p:nvSpPr>
-        <p:spPr>
-          <a:xfrm>
-            <a:off x="172522" y="5548994"/>
-            <a:ext cx="6096000" cy="923330"/>
-          </a:xfrm>
-          <a:prstGeom prst="rect">
-            <a:avLst/>
-          </a:prstGeom>
-          <a:solidFill>
-            <a:schemeClr val="tx1">
-              <a:lumMod val="65000"/>
-            </a:schemeClr>
-          </a:solidFill>
-          <a:ln>
-            <a:solidFill>
-              <a:srgbClr val="FF0000"/>
-            </a:solidFill>
-          </a:ln>
-        </p:spPr>
-        <p:txBody>
-          <a:bodyPr>
-            <a:spAutoFit/>
-          </a:bodyPr>
-          <a:lstStyle/>
-          <a:p>
-            <a:r>
-              <a:rPr lang="en-US" dirty="0">
-                <a:hlinkClick r:id="rId3"/>
-              </a:rPr>
-              <a:t>https://www.businessinsider.com/germanys-autobahn-vs-us-highways-compared-2016-3#passing-on-the-left-is-strictly-enforced-4</a:t>
-            </a:r>
-            <a:endParaRPr lang="en-US" dirty="0"/>
-          </a:p>
-        </p:txBody>
-      </p:sp>
-    </p:spTree>
-    <p:extLst>
-      <p:ext uri="{BB962C8B-B14F-4D97-AF65-F5344CB8AC3E}">
-        <p14:creationId xmlns:p14="http://schemas.microsoft.com/office/powerpoint/2010/main" val="1397093794"/>
-      </p:ext>
-    </p:extLst>
-  </p:cSld>
-  <p:clrMapOvr>
-    <a:overrideClrMapping bg1="dk1" tx1="lt1" bg2="dk2" tx2="lt2" accent1="accent1" accent2="accent2" accent3="accent3" accent4="accent4" accent5="accent5" accent6="accent6" hlink="hlink" folHlink="folHlink"/>
-  </p:clrMapOvr>
-</p:sld>
-</file>
-
-<file path=ppt/slides/slide2.xml><?xml version="1.0" encoding="utf-8"?>
+<file path=ppt/slides/slide3.xml><?xml version="1.0" encoding="utf-8"?>
 <p:sld xmlns:a="http://schemas.openxmlformats.org/drawingml/2006/main" xmlns:r="http://schemas.openxmlformats.org/officeDocument/2006/relationships" xmlns:p="http://schemas.openxmlformats.org/presentationml/2006/main">
   <p:cSld>
     <p:bg>
@@ -14050,1460 +12999,6 @@
 </p:sld>
 </file>
 
-<file path=ppt/slides/slide20.xml><?xml version="1.0" encoding="utf-8"?>
-<p:sld xmlns:a="http://schemas.openxmlformats.org/drawingml/2006/main" xmlns:r="http://schemas.openxmlformats.org/officeDocument/2006/relationships" xmlns:p="http://schemas.openxmlformats.org/presentationml/2006/main">
-  <p:cSld>
-    <p:bg>
-      <p:bgPr>
-        <a:solidFill>
-          <a:schemeClr val="bg1">
-            <a:tint val="95000"/>
-            <a:satMod val="170000"/>
-          </a:schemeClr>
-        </a:solidFill>
-        <a:effectLst/>
-      </p:bgPr>
-    </p:bg>
-    <p:spTree>
-      <p:nvGrpSpPr>
-        <p:cNvPr id="1" name=""/>
-        <p:cNvGrpSpPr/>
-        <p:nvPr/>
-      </p:nvGrpSpPr>
-      <p:grpSpPr>
-        <a:xfrm>
-          <a:off x="0" y="0"/>
-          <a:ext cx="0" cy="0"/>
-          <a:chOff x="0" y="0"/>
-          <a:chExt cx="0" cy="0"/>
-        </a:xfrm>
-      </p:grpSpPr>
-      <p:sp>
-        <p:nvSpPr>
-          <p:cNvPr id="12" name="Freeform: Shape 7">
-            <a:extLst>
-              <a:ext uri="{FF2B5EF4-FFF2-40B4-BE49-F238E27FC236}">
-                <a16:creationId xmlns:a16="http://schemas.microsoft.com/office/drawing/2014/main" id="{5BD1C87D-7B83-49A8-844E-433D32C45671}"/>
-              </a:ext>
-              <a:ext uri="{C183D7F6-B498-43B3-948B-1728B52AA6E4}">
-                <adec:decorative xmlns:adec="http://schemas.microsoft.com/office/drawing/2017/decorative" val="1"/>
-              </a:ext>
-            </a:extLst>
-          </p:cNvPr>
-          <p:cNvSpPr>
-            <a:spLocks noGrp="1" noRot="1" noChangeAspect="1" noMove="1" noResize="1" noEditPoints="1" noAdjustHandles="1" noChangeArrowheads="1" noChangeShapeType="1" noTextEdit="1"/>
-          </p:cNvSpPr>
-          <p:nvPr>
-            <p:extLst>
-              <p:ext uri="{386F3935-93C4-4BCD-93E2-E3B085C9AB24}">
-                <p16:designElem xmlns:p16="http://schemas.microsoft.com/office/powerpoint/2015/main" val="1"/>
-              </p:ext>
-            </p:extLst>
-          </p:nvPr>
-        </p:nvSpPr>
-        <p:spPr>
-          <a:xfrm flipV="1">
-            <a:off x="0" y="1024938"/>
-            <a:ext cx="6413262" cy="5833063"/>
-          </a:xfrm>
-          <a:custGeom>
-            <a:avLst/>
-            <a:gdLst>
-              <a:gd name="connsiteX0" fmla="*/ 343517 w 6413262"/>
-              <a:gd name="connsiteY0" fmla="*/ 5832222 h 5833063"/>
-              <a:gd name="connsiteX1" fmla="*/ 6335225 w 6413262"/>
-              <a:gd name="connsiteY1" fmla="*/ 835839 h 5833063"/>
-              <a:gd name="connsiteX2" fmla="*/ 6411127 w 6413262"/>
-              <a:gd name="connsiteY2" fmla="*/ 123790 h 5833063"/>
-              <a:gd name="connsiteX3" fmla="*/ 6413262 w 6413262"/>
-              <a:gd name="connsiteY3" fmla="*/ 0 h 5833063"/>
-              <a:gd name="connsiteX4" fmla="*/ 0 w 6413262"/>
-              <a:gd name="connsiteY4" fmla="*/ 0 h 5833063"/>
-              <a:gd name="connsiteX5" fmla="*/ 0 w 6413262"/>
-              <a:gd name="connsiteY5" fmla="*/ 5815521 h 5833063"/>
-              <a:gd name="connsiteX6" fmla="*/ 51379 w 6413262"/>
-              <a:gd name="connsiteY6" fmla="*/ 5820166 h 5833063"/>
-              <a:gd name="connsiteX7" fmla="*/ 343517 w 6413262"/>
-              <a:gd name="connsiteY7" fmla="*/ 5832222 h 5833063"/>
-            </a:gdLst>
-            <a:ahLst/>
-            <a:cxnLst>
-              <a:cxn ang="0">
-                <a:pos x="connsiteX0" y="connsiteY0"/>
-              </a:cxn>
-              <a:cxn ang="0">
-                <a:pos x="connsiteX1" y="connsiteY1"/>
-              </a:cxn>
-              <a:cxn ang="0">
-                <a:pos x="connsiteX2" y="connsiteY2"/>
-              </a:cxn>
-              <a:cxn ang="0">
-                <a:pos x="connsiteX3" y="connsiteY3"/>
-              </a:cxn>
-              <a:cxn ang="0">
-                <a:pos x="connsiteX4" y="connsiteY4"/>
-              </a:cxn>
-              <a:cxn ang="0">
-                <a:pos x="connsiteX5" y="connsiteY5"/>
-              </a:cxn>
-              <a:cxn ang="0">
-                <a:pos x="connsiteX6" y="connsiteY6"/>
-              </a:cxn>
-              <a:cxn ang="0">
-                <a:pos x="connsiteX7" y="connsiteY7"/>
-              </a:cxn>
-            </a:cxnLst>
-            <a:rect l="l" t="t" r="r" b="b"/>
-            <a:pathLst>
-              <a:path w="6413262" h="5833063">
-                <a:moveTo>
-                  <a:pt x="343517" y="5832222"/>
-                </a:moveTo>
-                <a:cubicBezTo>
-                  <a:pt x="3254747" y="5881130"/>
-                  <a:pt x="5841718" y="3794544"/>
-                  <a:pt x="6335225" y="835839"/>
-                </a:cubicBezTo>
-                <a:cubicBezTo>
-                  <a:pt x="6375023" y="597235"/>
-                  <a:pt x="6400103" y="359575"/>
-                  <a:pt x="6411127" y="123790"/>
-                </a:cubicBezTo>
-                <a:lnTo>
-                  <a:pt x="6413262" y="0"/>
-                </a:lnTo>
-                <a:lnTo>
-                  <a:pt x="0" y="0"/>
-                </a:lnTo>
-                <a:lnTo>
-                  <a:pt x="0" y="5815521"/>
-                </a:lnTo>
-                <a:lnTo>
-                  <a:pt x="51379" y="5820166"/>
-                </a:lnTo>
-                <a:cubicBezTo>
-                  <a:pt x="149075" y="5826589"/>
-                  <a:pt x="246476" y="5830592"/>
-                  <a:pt x="343517" y="5832222"/>
-                </a:cubicBezTo>
-                <a:close/>
-              </a:path>
-            </a:pathLst>
-          </a:custGeom>
-          <a:solidFill>
-            <a:schemeClr val="tx1">
-              <a:alpha val="80000"/>
-            </a:schemeClr>
-          </a:solidFill>
-          <a:ln>
-            <a:noFill/>
-          </a:ln>
-        </p:spPr>
-        <p:style>
-          <a:lnRef idx="2">
-            <a:schemeClr val="accent1">
-              <a:shade val="50000"/>
-            </a:schemeClr>
-          </a:lnRef>
-          <a:fillRef idx="1">
-            <a:schemeClr val="accent1"/>
-          </a:fillRef>
-          <a:effectRef idx="0">
-            <a:schemeClr val="accent1"/>
-          </a:effectRef>
-          <a:fontRef idx="minor">
-            <a:schemeClr val="lt1"/>
-          </a:fontRef>
-        </p:style>
-        <p:txBody>
-          <a:bodyPr wrap="square" rtlCol="0" anchor="ctr">
-            <a:noAutofit/>
-          </a:bodyPr>
-          <a:lstStyle/>
-          <a:p>
-            <a:pPr algn="ctr"/>
-            <a:endParaRPr lang="en-US" dirty="0"/>
-          </a:p>
-        </p:txBody>
-      </p:sp>
-      <p:sp>
-        <p:nvSpPr>
-          <p:cNvPr id="13" name="Freeform: Shape 9">
-            <a:extLst>
-              <a:ext uri="{FF2B5EF4-FFF2-40B4-BE49-F238E27FC236}">
-                <a16:creationId xmlns:a16="http://schemas.microsoft.com/office/drawing/2014/main" id="{1703047A-2C9B-4E2C-9A75-B67521B6D638}"/>
-              </a:ext>
-              <a:ext uri="{C183D7F6-B498-43B3-948B-1728B52AA6E4}">
-                <adec:decorative xmlns:adec="http://schemas.microsoft.com/office/drawing/2017/decorative" val="1"/>
-              </a:ext>
-            </a:extLst>
-          </p:cNvPr>
-          <p:cNvSpPr>
-            <a:spLocks noGrp="1" noRot="1" noChangeAspect="1" noMove="1" noResize="1" noEditPoints="1" noAdjustHandles="1" noChangeArrowheads="1" noChangeShapeType="1" noTextEdit="1"/>
-          </p:cNvSpPr>
-          <p:nvPr>
-            <p:extLst>
-              <p:ext uri="{386F3935-93C4-4BCD-93E2-E3B085C9AB24}">
-                <p16:designElem xmlns:p16="http://schemas.microsoft.com/office/powerpoint/2015/main" val="1"/>
-              </p:ext>
-            </p:extLst>
-          </p:nvPr>
-        </p:nvSpPr>
-        <p:spPr>
-          <a:xfrm flipV="1">
-            <a:off x="0" y="1324648"/>
-            <a:ext cx="6110122" cy="5533351"/>
-          </a:xfrm>
-          <a:custGeom>
-            <a:avLst/>
-            <a:gdLst>
-              <a:gd name="connsiteX0" fmla="*/ 324583 w 6110122"/>
-              <a:gd name="connsiteY0" fmla="*/ 5532549 h 5533351"/>
-              <a:gd name="connsiteX1" fmla="*/ 6035604 w 6110122"/>
-              <a:gd name="connsiteY1" fmla="*/ 770225 h 5533351"/>
-              <a:gd name="connsiteX2" fmla="*/ 6088871 w 6110122"/>
-              <a:gd name="connsiteY2" fmla="*/ 362020 h 5533351"/>
-              <a:gd name="connsiteX3" fmla="*/ 6110122 w 6110122"/>
-              <a:gd name="connsiteY3" fmla="*/ 0 h 5533351"/>
-              <a:gd name="connsiteX4" fmla="*/ 0 w 6110122"/>
-              <a:gd name="connsiteY4" fmla="*/ 0 h 5533351"/>
-              <a:gd name="connsiteX5" fmla="*/ 0 w 6110122"/>
-              <a:gd name="connsiteY5" fmla="*/ 5516887 h 5533351"/>
-              <a:gd name="connsiteX6" fmla="*/ 46130 w 6110122"/>
-              <a:gd name="connsiteY6" fmla="*/ 5521057 h 5533351"/>
-              <a:gd name="connsiteX7" fmla="*/ 324583 w 6110122"/>
-              <a:gd name="connsiteY7" fmla="*/ 5532549 h 5533351"/>
-            </a:gdLst>
-            <a:ahLst/>
-            <a:cxnLst>
-              <a:cxn ang="0">
-                <a:pos x="connsiteX0" y="connsiteY0"/>
-              </a:cxn>
-              <a:cxn ang="0">
-                <a:pos x="connsiteX1" y="connsiteY1"/>
-              </a:cxn>
-              <a:cxn ang="0">
-                <a:pos x="connsiteX2" y="connsiteY2"/>
-              </a:cxn>
-              <a:cxn ang="0">
-                <a:pos x="connsiteX3" y="connsiteY3"/>
-              </a:cxn>
-              <a:cxn ang="0">
-                <a:pos x="connsiteX4" y="connsiteY4"/>
-              </a:cxn>
-              <a:cxn ang="0">
-                <a:pos x="connsiteX5" y="connsiteY5"/>
-              </a:cxn>
-              <a:cxn ang="0">
-                <a:pos x="connsiteX6" y="connsiteY6"/>
-              </a:cxn>
-              <a:cxn ang="0">
-                <a:pos x="connsiteX7" y="connsiteY7"/>
-              </a:cxn>
-            </a:cxnLst>
-            <a:rect l="l" t="t" r="r" b="b"/>
-            <a:pathLst>
-              <a:path w="6110122" h="5533351">
-                <a:moveTo>
-                  <a:pt x="324583" y="5532549"/>
-                </a:moveTo>
-                <a:cubicBezTo>
-                  <a:pt x="3099434" y="5579166"/>
-                  <a:pt x="5565217" y="3590326"/>
-                  <a:pt x="6035604" y="770225"/>
-                </a:cubicBezTo>
-                <a:cubicBezTo>
-                  <a:pt x="6058365" y="633768"/>
-                  <a:pt x="6076076" y="497636"/>
-                  <a:pt x="6088871" y="362020"/>
-                </a:cubicBezTo>
-                <a:lnTo>
-                  <a:pt x="6110122" y="0"/>
-                </a:lnTo>
-                <a:lnTo>
-                  <a:pt x="0" y="0"/>
-                </a:lnTo>
-                <a:lnTo>
-                  <a:pt x="0" y="5516887"/>
-                </a:lnTo>
-                <a:lnTo>
-                  <a:pt x="46130" y="5521057"/>
-                </a:lnTo>
-                <a:cubicBezTo>
-                  <a:pt x="139249" y="5527179"/>
-                  <a:pt x="232088" y="5530995"/>
-                  <a:pt x="324583" y="5532549"/>
-                </a:cubicBezTo>
-                <a:close/>
-              </a:path>
-            </a:pathLst>
-          </a:custGeom>
-          <a:solidFill>
-            <a:schemeClr val="bg1">
-              <a:lumMod val="65000"/>
-              <a:lumOff val="35000"/>
-            </a:schemeClr>
-          </a:solidFill>
-          <a:ln>
-            <a:noFill/>
-          </a:ln>
-        </p:spPr>
-        <p:style>
-          <a:lnRef idx="2">
-            <a:schemeClr val="accent1">
-              <a:shade val="50000"/>
-            </a:schemeClr>
-          </a:lnRef>
-          <a:fillRef idx="1">
-            <a:schemeClr val="accent1"/>
-          </a:fillRef>
-          <a:effectRef idx="0">
-            <a:schemeClr val="accent1"/>
-          </a:effectRef>
-          <a:fontRef idx="minor">
-            <a:schemeClr val="lt1"/>
-          </a:fontRef>
-        </p:style>
-        <p:txBody>
-          <a:bodyPr wrap="square" rtlCol="0" anchor="ctr">
-            <a:noAutofit/>
-          </a:bodyPr>
-          <a:lstStyle/>
-          <a:p>
-            <a:pPr algn="ctr"/>
-            <a:endParaRPr lang="en-US"/>
-          </a:p>
-        </p:txBody>
-      </p:sp>
-      <p:sp>
-        <p:nvSpPr>
-          <p:cNvPr id="2" name="Title 1">
-            <a:extLst>
-              <a:ext uri="{FF2B5EF4-FFF2-40B4-BE49-F238E27FC236}">
-                <a16:creationId xmlns:a16="http://schemas.microsoft.com/office/drawing/2014/main" id="{2F3FED80-2296-4175-A57B-98CB81EDB011}"/>
-              </a:ext>
-            </a:extLst>
-          </p:cNvPr>
-          <p:cNvSpPr>
-            <a:spLocks noGrp="1"/>
-          </p:cNvSpPr>
-          <p:nvPr>
-            <p:ph type="title"/>
-          </p:nvPr>
-        </p:nvSpPr>
-        <p:spPr>
-          <a:xfrm>
-            <a:off x="804671" y="2903393"/>
-            <a:ext cx="3607841" cy="2625537"/>
-          </a:xfrm>
-        </p:spPr>
-        <p:txBody>
-          <a:bodyPr anchor="b">
-            <a:normAutofit/>
-          </a:bodyPr>
-          <a:lstStyle/>
-          <a:p>
-            <a:r>
-              <a:rPr lang="en-US" sz="4800"/>
-              <a:t>Key Findings</a:t>
-            </a:r>
-            <a:endParaRPr lang="en-US" sz="4800" dirty="0"/>
-          </a:p>
-        </p:txBody>
-      </p:sp>
-      <p:sp>
-        <p:nvSpPr>
-          <p:cNvPr id="9" name="TextBox 8">
-            <a:extLst>
-              <a:ext uri="{FF2B5EF4-FFF2-40B4-BE49-F238E27FC236}">
-                <a16:creationId xmlns:a16="http://schemas.microsoft.com/office/drawing/2014/main" id="{D7F55026-0703-4105-914B-604CFDEF3514}"/>
-              </a:ext>
-            </a:extLst>
-          </p:cNvPr>
-          <p:cNvSpPr txBox="1"/>
-          <p:nvPr/>
-        </p:nvSpPr>
-        <p:spPr>
-          <a:xfrm>
-            <a:off x="19878" y="6488668"/>
-            <a:ext cx="1053548" cy="369332"/>
-          </a:xfrm>
-          <a:prstGeom prst="rect">
-            <a:avLst/>
-          </a:prstGeom>
-          <a:noFill/>
-        </p:spPr>
-        <p:txBody>
-          <a:bodyPr wrap="square" rtlCol="0">
-            <a:spAutoFit/>
-          </a:bodyPr>
-          <a:lstStyle/>
-          <a:p>
-            <a:r>
-              <a:rPr lang="en-US" dirty="0"/>
-              <a:t>Ben</a:t>
-            </a:r>
-          </a:p>
-        </p:txBody>
-      </p:sp>
-      <p:sp>
-        <p:nvSpPr>
-          <p:cNvPr id="8" name="TextBox 7">
-            <a:extLst>
-              <a:ext uri="{FF2B5EF4-FFF2-40B4-BE49-F238E27FC236}">
-                <a16:creationId xmlns:a16="http://schemas.microsoft.com/office/drawing/2014/main" id="{36AE280D-15E1-4B4D-ABF6-1CDC047D770F}"/>
-              </a:ext>
-            </a:extLst>
-          </p:cNvPr>
-          <p:cNvSpPr txBox="1"/>
-          <p:nvPr/>
-        </p:nvSpPr>
-        <p:spPr>
-          <a:xfrm>
-            <a:off x="7134489" y="103357"/>
-            <a:ext cx="4590786" cy="5632311"/>
-          </a:xfrm>
-          <a:prstGeom prst="rect">
-            <a:avLst/>
-          </a:prstGeom>
-          <a:noFill/>
-        </p:spPr>
-        <p:txBody>
-          <a:bodyPr wrap="square" rtlCol="0">
-            <a:spAutoFit/>
-          </a:bodyPr>
-          <a:lstStyle/>
-          <a:p>
-            <a:pPr marL="285750" indent="-285750">
-              <a:buFont typeface="Arial" panose="020B0604020202020204" pitchFamily="34" charset="0"/>
-              <a:buChar char="•"/>
-            </a:pPr>
-            <a:r>
-              <a:rPr lang="en-US" b="1" dirty="0"/>
-              <a:t>Trash collection is one of the other most frequent issues in Kansas City.</a:t>
-            </a:r>
-          </a:p>
-          <a:p>
-            <a:pPr marL="285750" indent="-285750">
-              <a:buFont typeface="Arial" panose="020B0604020202020204" pitchFamily="34" charset="0"/>
-              <a:buChar char="•"/>
-            </a:pPr>
-            <a:endParaRPr lang="en-US" b="1" dirty="0"/>
-          </a:p>
-          <a:p>
-            <a:pPr marL="285750" indent="-285750">
-              <a:buFont typeface="Arial" panose="020B0604020202020204" pitchFamily="34" charset="0"/>
-              <a:buChar char="•"/>
-            </a:pPr>
-            <a:r>
-              <a:rPr lang="en-US" b="1" dirty="0"/>
-              <a:t>In order to reduce issues, citizens could try to reduce the amount of trash they generate.</a:t>
-            </a:r>
-          </a:p>
-          <a:p>
-            <a:pPr marL="285750" indent="-285750">
-              <a:buFont typeface="Arial" panose="020B0604020202020204" pitchFamily="34" charset="0"/>
-              <a:buChar char="•"/>
-            </a:pPr>
-            <a:endParaRPr lang="en-US" b="1" dirty="0"/>
-          </a:p>
-          <a:p>
-            <a:pPr marL="285750" indent="-285750">
-              <a:buFont typeface="Arial" panose="020B0604020202020204" pitchFamily="34" charset="0"/>
-              <a:buChar char="•"/>
-            </a:pPr>
-            <a:r>
-              <a:rPr lang="en-US" b="1" dirty="0"/>
-              <a:t>Once again, the city government could lead by looking to other countries for examples.</a:t>
-            </a:r>
-          </a:p>
-          <a:p>
-            <a:pPr marL="285750" indent="-285750">
-              <a:buFont typeface="Arial" panose="020B0604020202020204" pitchFamily="34" charset="0"/>
-              <a:buChar char="•"/>
-            </a:pPr>
-            <a:endParaRPr lang="en-US" b="1" dirty="0"/>
-          </a:p>
-          <a:p>
-            <a:pPr marL="285750" indent="-285750">
-              <a:buFont typeface="Arial" panose="020B0604020202020204" pitchFamily="34" charset="0"/>
-              <a:buChar char="•"/>
-            </a:pPr>
-            <a:r>
-              <a:rPr lang="en-US" b="1" dirty="0"/>
-              <a:t>According to one source, solutions include:</a:t>
-            </a:r>
-          </a:p>
-          <a:p>
-            <a:pPr marL="742950" lvl="1" indent="-285750">
-              <a:buFont typeface="Arial" panose="020B0604020202020204" pitchFamily="34" charset="0"/>
-              <a:buChar char="•"/>
-            </a:pPr>
-            <a:r>
-              <a:rPr lang="en-US" b="1" dirty="0"/>
-              <a:t>Coupons for putting plastic items in recycling – done in Columbia.</a:t>
-            </a:r>
-          </a:p>
-          <a:p>
-            <a:pPr marL="742950" lvl="1" indent="-285750">
-              <a:buFont typeface="Arial" panose="020B0604020202020204" pitchFamily="34" charset="0"/>
-              <a:buChar char="•"/>
-            </a:pPr>
-            <a:r>
-              <a:rPr lang="en-US" b="1" dirty="0"/>
-              <a:t>Provide healthcare services in exchange for recycling – done in Indonesia.</a:t>
-            </a:r>
-          </a:p>
-          <a:p>
-            <a:pPr marL="742950" lvl="1" indent="-285750">
-              <a:buFont typeface="Arial" panose="020B0604020202020204" pitchFamily="34" charset="0"/>
-              <a:buChar char="•"/>
-            </a:pPr>
-            <a:r>
-              <a:rPr lang="en-US" b="1" dirty="0"/>
-              <a:t>Take the energy that was generated by burning waste into a heating network to supply heat &amp; electricity for private residences – as done in Sweden.</a:t>
-            </a:r>
-          </a:p>
-        </p:txBody>
-      </p:sp>
-      <p:sp>
-        <p:nvSpPr>
-          <p:cNvPr id="10" name="Rectangle 9">
-            <a:extLst>
-              <a:ext uri="{FF2B5EF4-FFF2-40B4-BE49-F238E27FC236}">
-                <a16:creationId xmlns:a16="http://schemas.microsoft.com/office/drawing/2014/main" id="{609A6798-E82F-491C-BD61-6EC817B8A36C}"/>
-              </a:ext>
-            </a:extLst>
-          </p:cNvPr>
-          <p:cNvSpPr/>
-          <p:nvPr/>
-        </p:nvSpPr>
-        <p:spPr>
-          <a:xfrm>
-            <a:off x="172522" y="5548994"/>
-            <a:ext cx="6096000" cy="646331"/>
-          </a:xfrm>
-          <a:prstGeom prst="rect">
-            <a:avLst/>
-          </a:prstGeom>
-          <a:solidFill>
-            <a:schemeClr val="tx1">
-              <a:lumMod val="65000"/>
-            </a:schemeClr>
-          </a:solidFill>
-          <a:ln>
-            <a:solidFill>
-              <a:srgbClr val="FF0000"/>
-            </a:solidFill>
-          </a:ln>
-        </p:spPr>
-        <p:txBody>
-          <a:bodyPr>
-            <a:spAutoFit/>
-          </a:bodyPr>
-          <a:lstStyle/>
-          <a:p>
-            <a:r>
-              <a:rPr lang="en-US" dirty="0">
-                <a:hlinkClick r:id="rId2"/>
-              </a:rPr>
-              <a:t>https://swachhindia.ndtv.com/5-countries-revolutionised-way-tackle-trash-waste-5013/</a:t>
-            </a:r>
-            <a:endParaRPr lang="en-US" dirty="0"/>
-          </a:p>
-        </p:txBody>
-      </p:sp>
-      <p:pic>
-        <p:nvPicPr>
-          <p:cNvPr id="5" name="Content Placeholder 4">
-            <a:extLst>
-              <a:ext uri="{FF2B5EF4-FFF2-40B4-BE49-F238E27FC236}">
-                <a16:creationId xmlns:a16="http://schemas.microsoft.com/office/drawing/2014/main" id="{5D1615DF-CBEB-4A12-AF7C-FED61CA837B8}"/>
-              </a:ext>
-            </a:extLst>
-          </p:cNvPr>
-          <p:cNvPicPr>
-            <a:picLocks noGrp="1" noChangeAspect="1"/>
-          </p:cNvPicPr>
-          <p:nvPr>
-            <p:ph idx="1"/>
-          </p:nvPr>
-        </p:nvPicPr>
-        <p:blipFill>
-          <a:blip r:embed="rId3"/>
-          <a:stretch>
-            <a:fillRect/>
-          </a:stretch>
-        </p:blipFill>
-        <p:spPr>
-          <a:xfrm>
-            <a:off x="258576" y="182998"/>
-            <a:ext cx="6617337" cy="3722252"/>
-          </a:xfrm>
-          <a:prstGeom prst="rect">
-            <a:avLst/>
-          </a:prstGeom>
-        </p:spPr>
-      </p:pic>
-    </p:spTree>
-    <p:extLst>
-      <p:ext uri="{BB962C8B-B14F-4D97-AF65-F5344CB8AC3E}">
-        <p14:creationId xmlns:p14="http://schemas.microsoft.com/office/powerpoint/2010/main" val="748315847"/>
-      </p:ext>
-    </p:extLst>
-  </p:cSld>
-  <p:clrMapOvr>
-    <a:overrideClrMapping bg1="dk1" tx1="lt1" bg2="dk2" tx2="lt2" accent1="accent1" accent2="accent2" accent3="accent3" accent4="accent4" accent5="accent5" accent6="accent6" hlink="hlink" folHlink="folHlink"/>
-  </p:clrMapOvr>
-</p:sld>
-</file>
-
-<file path=ppt/slides/slide21.xml><?xml version="1.0" encoding="utf-8"?>
-<p:sld xmlns:a="http://schemas.openxmlformats.org/drawingml/2006/main" xmlns:r="http://schemas.openxmlformats.org/officeDocument/2006/relationships" xmlns:p="http://schemas.openxmlformats.org/presentationml/2006/main">
-  <p:cSld>
-    <p:bg>
-      <p:bgPr>
-        <a:solidFill>
-          <a:schemeClr val="tx1"/>
-        </a:solidFill>
-        <a:effectLst/>
-      </p:bgPr>
-    </p:bg>
-    <p:spTree>
-      <p:nvGrpSpPr>
-        <p:cNvPr id="1" name=""/>
-        <p:cNvGrpSpPr/>
-        <p:nvPr/>
-      </p:nvGrpSpPr>
-      <p:grpSpPr>
-        <a:xfrm>
-          <a:off x="0" y="0"/>
-          <a:ext cx="0" cy="0"/>
-          <a:chOff x="0" y="0"/>
-          <a:chExt cx="0" cy="0"/>
-        </a:xfrm>
-      </p:grpSpPr>
-      <p:sp>
-        <p:nvSpPr>
-          <p:cNvPr id="15" name="Rectangle 9">
-            <a:extLst>
-              <a:ext uri="{FF2B5EF4-FFF2-40B4-BE49-F238E27FC236}">
-                <a16:creationId xmlns:a16="http://schemas.microsoft.com/office/drawing/2014/main" id="{2A8AA5BC-4F7A-4226-8F99-6D824B226A97}"/>
-              </a:ext>
-              <a:ext uri="{C183D7F6-B498-43B3-948B-1728B52AA6E4}">
-                <adec:decorative xmlns:adec="http://schemas.microsoft.com/office/drawing/2017/decorative" val="1"/>
-              </a:ext>
-            </a:extLst>
-          </p:cNvPr>
-          <p:cNvSpPr>
-            <a:spLocks noGrp="1" noRot="1" noChangeAspect="1" noMove="1" noResize="1" noEditPoints="1" noAdjustHandles="1" noChangeArrowheads="1" noChangeShapeType="1" noTextEdit="1"/>
-          </p:cNvSpPr>
-          <p:nvPr>
-            <p:extLst>
-              <p:ext uri="{386F3935-93C4-4BCD-93E2-E3B085C9AB24}">
-                <p16:designElem xmlns:p16="http://schemas.microsoft.com/office/powerpoint/2015/main" val="1"/>
-              </p:ext>
-            </p:extLst>
-          </p:nvPr>
-        </p:nvSpPr>
-        <p:spPr>
-          <a:xfrm>
-            <a:off x="0" y="-3324"/>
-            <a:ext cx="12192000" cy="6861324"/>
-          </a:xfrm>
-          <a:prstGeom prst="rect">
-            <a:avLst/>
-          </a:prstGeom>
-          <a:solidFill>
-            <a:schemeClr val="tx1"/>
-          </a:solidFill>
-          <a:ln>
-            <a:noFill/>
-          </a:ln>
-        </p:spPr>
-        <p:style>
-          <a:lnRef idx="2">
-            <a:schemeClr val="accent1">
-              <a:shade val="50000"/>
-            </a:schemeClr>
-          </a:lnRef>
-          <a:fillRef idx="1">
-            <a:schemeClr val="accent1"/>
-          </a:fillRef>
-          <a:effectRef idx="0">
-            <a:schemeClr val="accent1"/>
-          </a:effectRef>
-          <a:fontRef idx="minor">
-            <a:schemeClr val="lt1"/>
-          </a:fontRef>
-        </p:style>
-        <p:txBody>
-          <a:bodyPr rtlCol="0" anchor="ctr"/>
-          <a:lstStyle/>
-          <a:p>
-            <a:pPr algn="ctr"/>
-            <a:endParaRPr lang="en-US"/>
-          </a:p>
-        </p:txBody>
-      </p:sp>
-      <p:sp>
-        <p:nvSpPr>
-          <p:cNvPr id="16" name="Rectangle 11">
-            <a:extLst>
-              <a:ext uri="{FF2B5EF4-FFF2-40B4-BE49-F238E27FC236}">
-                <a16:creationId xmlns:a16="http://schemas.microsoft.com/office/drawing/2014/main" id="{3E5445C6-DD42-4979-86FF-03730E8C6DB0}"/>
-              </a:ext>
-              <a:ext uri="{C183D7F6-B498-43B3-948B-1728B52AA6E4}">
-                <adec:decorative xmlns:adec="http://schemas.microsoft.com/office/drawing/2017/decorative" val="1"/>
-              </a:ext>
-            </a:extLst>
-          </p:cNvPr>
-          <p:cNvSpPr>
-            <a:spLocks noGrp="1" noRot="1" noChangeAspect="1" noMove="1" noResize="1" noEditPoints="1" noAdjustHandles="1" noChangeArrowheads="1" noChangeShapeType="1" noTextEdit="1"/>
-          </p:cNvSpPr>
-          <p:nvPr>
-            <p:extLst>
-              <p:ext uri="{386F3935-93C4-4BCD-93E2-E3B085C9AB24}">
-                <p16:designElem xmlns:p16="http://schemas.microsoft.com/office/powerpoint/2015/main" val="1"/>
-              </p:ext>
-            </p:extLst>
-          </p:nvPr>
-        </p:nvSpPr>
-        <p:spPr bwMode="ltGray">
-          <a:xfrm>
-            <a:off x="321734" y="321733"/>
-            <a:ext cx="11573488" cy="6214534"/>
-          </a:xfrm>
-          <a:prstGeom prst="rect">
-            <a:avLst/>
-          </a:prstGeom>
-          <a:solidFill>
-            <a:schemeClr val="bg1">
-              <a:lumMod val="75000"/>
-              <a:lumOff val="25000"/>
-            </a:schemeClr>
-          </a:solidFill>
-          <a:ln w="127000" cap="sq" cmpd="thinThick">
-            <a:solidFill>
-              <a:schemeClr val="bg1">
-                <a:lumMod val="75000"/>
-                <a:lumOff val="25000"/>
-              </a:schemeClr>
-            </a:solidFill>
-          </a:ln>
-        </p:spPr>
-        <p:style>
-          <a:lnRef idx="2">
-            <a:schemeClr val="accent1">
-              <a:shade val="50000"/>
-            </a:schemeClr>
-          </a:lnRef>
-          <a:fillRef idx="1">
-            <a:schemeClr val="accent1"/>
-          </a:fillRef>
-          <a:effectRef idx="0">
-            <a:schemeClr val="accent1"/>
-          </a:effectRef>
-          <a:fontRef idx="minor">
-            <a:schemeClr val="lt1"/>
-          </a:fontRef>
-        </p:style>
-        <p:txBody>
-          <a:bodyPr rtlCol="0" anchor="ctr"/>
-          <a:lstStyle/>
-          <a:p>
-            <a:pPr algn="ctr"/>
-            <a:endParaRPr lang="en-US"/>
-          </a:p>
-        </p:txBody>
-      </p:sp>
-      <p:sp>
-        <p:nvSpPr>
-          <p:cNvPr id="4" name="Title 3">
-            <a:extLst>
-              <a:ext uri="{FF2B5EF4-FFF2-40B4-BE49-F238E27FC236}">
-                <a16:creationId xmlns:a16="http://schemas.microsoft.com/office/drawing/2014/main" id="{EA1B0C95-B256-4AA2-8BE7-59F23C99684B}"/>
-              </a:ext>
-            </a:extLst>
-          </p:cNvPr>
-          <p:cNvSpPr>
-            <a:spLocks noGrp="1"/>
-          </p:cNvSpPr>
-          <p:nvPr>
-            <p:ph type="ctrTitle"/>
-          </p:nvPr>
-        </p:nvSpPr>
-        <p:spPr>
-          <a:xfrm>
-            <a:off x="1524000" y="1122362"/>
-            <a:ext cx="9144000" cy="2840037"/>
-          </a:xfrm>
-        </p:spPr>
-        <p:txBody>
-          <a:bodyPr>
-            <a:normAutofit/>
-          </a:bodyPr>
-          <a:lstStyle/>
-          <a:p>
-            <a:r>
-              <a:rPr lang="en-US" sz="5800"/>
-              <a:t>Thank you</a:t>
-            </a:r>
-          </a:p>
-        </p:txBody>
-      </p:sp>
-      <p:sp>
-        <p:nvSpPr>
-          <p:cNvPr id="5" name="Subtitle 4">
-            <a:extLst>
-              <a:ext uri="{FF2B5EF4-FFF2-40B4-BE49-F238E27FC236}">
-                <a16:creationId xmlns:a16="http://schemas.microsoft.com/office/drawing/2014/main" id="{94E4987D-0689-42EB-BBCA-2F063698EA5B}"/>
-              </a:ext>
-            </a:extLst>
-          </p:cNvPr>
-          <p:cNvSpPr>
-            <a:spLocks noGrp="1"/>
-          </p:cNvSpPr>
-          <p:nvPr>
-            <p:ph type="subTitle" idx="1"/>
-          </p:nvPr>
-        </p:nvSpPr>
-        <p:spPr>
-          <a:xfrm>
-            <a:off x="1524000" y="4256436"/>
-            <a:ext cx="9144000" cy="1600818"/>
-          </a:xfrm>
-        </p:spPr>
-        <p:txBody>
-          <a:bodyPr>
-            <a:normAutofit/>
-          </a:bodyPr>
-          <a:lstStyle/>
-          <a:p>
-            <a:endParaRPr lang="en-US">
-              <a:solidFill>
-                <a:schemeClr val="accent1">
-                  <a:lumMod val="60000"/>
-                  <a:lumOff val="40000"/>
-                </a:schemeClr>
-              </a:solidFill>
-            </a:endParaRPr>
-          </a:p>
-        </p:txBody>
-      </p:sp>
-      <p:cxnSp>
-        <p:nvCxnSpPr>
-          <p:cNvPr id="14" name="Straight Connector 13">
-            <a:extLst>
-              <a:ext uri="{FF2B5EF4-FFF2-40B4-BE49-F238E27FC236}">
-                <a16:creationId xmlns:a16="http://schemas.microsoft.com/office/drawing/2014/main" id="{45000665-DFC7-417E-8FD7-516A0F15C975}"/>
-              </a:ext>
-              <a:ext uri="{C183D7F6-B498-43B3-948B-1728B52AA6E4}">
-                <adec:decorative xmlns:adec="http://schemas.microsoft.com/office/drawing/2017/decorative" val="1"/>
-              </a:ext>
-            </a:extLst>
-          </p:cNvPr>
-          <p:cNvCxnSpPr>
-            <a:cxnSpLocks noGrp="1" noRot="1" noChangeAspect="1" noMove="1" noResize="1" noEditPoints="1" noAdjustHandles="1" noChangeArrowheads="1" noChangeShapeType="1"/>
-          </p:cNvCxnSpPr>
-          <p:nvPr>
-            <p:extLst>
-              <p:ext uri="{386F3935-93C4-4BCD-93E2-E3B085C9AB24}">
-                <p16:designElem xmlns:p16="http://schemas.microsoft.com/office/powerpoint/2015/main" val="1"/>
-              </p:ext>
-            </p:extLst>
-          </p:nvPr>
-        </p:nvCxnSpPr>
-        <p:spPr>
-          <a:xfrm>
-            <a:off x="4724400" y="4109417"/>
-            <a:ext cx="2743200" cy="0"/>
-          </a:xfrm>
-          <a:prstGeom prst="line">
-            <a:avLst/>
-          </a:prstGeom>
-          <a:ln w="12700">
-            <a:solidFill>
-              <a:schemeClr val="tx1">
-                <a:lumMod val="85000"/>
-              </a:schemeClr>
-            </a:solidFill>
-          </a:ln>
-        </p:spPr>
-        <p:style>
-          <a:lnRef idx="1">
-            <a:schemeClr val="accent1"/>
-          </a:lnRef>
-          <a:fillRef idx="0">
-            <a:schemeClr val="accent1"/>
-          </a:fillRef>
-          <a:effectRef idx="0">
-            <a:schemeClr val="accent1"/>
-          </a:effectRef>
-          <a:fontRef idx="minor">
-            <a:schemeClr val="tx1"/>
-          </a:fontRef>
-        </p:style>
-      </p:cxnSp>
-    </p:spTree>
-    <p:extLst>
-      <p:ext uri="{BB962C8B-B14F-4D97-AF65-F5344CB8AC3E}">
-        <p14:creationId xmlns:p14="http://schemas.microsoft.com/office/powerpoint/2010/main" val="1366637971"/>
-      </p:ext>
-    </p:extLst>
-  </p:cSld>
-  <p:clrMapOvr>
-    <a:overrideClrMapping bg1="dk1" tx1="lt1" bg2="dk2" tx2="lt2" accent1="accent1" accent2="accent2" accent3="accent3" accent4="accent4" accent5="accent5" accent6="accent6" hlink="hlink" folHlink="folHlink"/>
-  </p:clrMapOvr>
-</p:sld>
-</file>
-
-<file path=ppt/slides/slide3.xml><?xml version="1.0" encoding="utf-8"?>
-<p:sld xmlns:a="http://schemas.openxmlformats.org/drawingml/2006/main" xmlns:r="http://schemas.openxmlformats.org/officeDocument/2006/relationships" xmlns:p="http://schemas.openxmlformats.org/presentationml/2006/main">
-  <p:cSld>
-    <p:bg>
-      <p:bgPr>
-        <a:solidFill>
-          <a:schemeClr val="bg1">
-            <a:tint val="95000"/>
-            <a:satMod val="170000"/>
-          </a:schemeClr>
-        </a:solidFill>
-        <a:effectLst/>
-      </p:bgPr>
-    </p:bg>
-    <p:spTree>
-      <p:nvGrpSpPr>
-        <p:cNvPr id="1" name=""/>
-        <p:cNvGrpSpPr/>
-        <p:nvPr/>
-      </p:nvGrpSpPr>
-      <p:grpSpPr>
-        <a:xfrm>
-          <a:off x="0" y="0"/>
-          <a:ext cx="0" cy="0"/>
-          <a:chOff x="0" y="0"/>
-          <a:chExt cx="0" cy="0"/>
-        </a:xfrm>
-      </p:grpSpPr>
-      <p:sp>
-        <p:nvSpPr>
-          <p:cNvPr id="5" name="Title 4">
-            <a:extLst>
-              <a:ext uri="{FF2B5EF4-FFF2-40B4-BE49-F238E27FC236}">
-                <a16:creationId xmlns:a16="http://schemas.microsoft.com/office/drawing/2014/main" id="{221C2055-B1F1-4B10-AB4E-B2F051A8D4E7}"/>
-              </a:ext>
-            </a:extLst>
-          </p:cNvPr>
-          <p:cNvSpPr>
-            <a:spLocks noGrp="1"/>
-          </p:cNvSpPr>
-          <p:nvPr>
-            <p:ph type="title"/>
-          </p:nvPr>
-        </p:nvSpPr>
-        <p:spPr>
-          <a:xfrm>
-            <a:off x="6653600" y="1396289"/>
-            <a:ext cx="5006336" cy="1325563"/>
-          </a:xfrm>
-        </p:spPr>
-        <p:txBody>
-          <a:bodyPr>
-            <a:normAutofit/>
-          </a:bodyPr>
-          <a:lstStyle/>
-          <a:p>
-            <a:r>
-              <a:rPr lang="en-US" dirty="0"/>
-              <a:t>Local Government Priorities</a:t>
-            </a:r>
-          </a:p>
-        </p:txBody>
-      </p:sp>
-      <p:sp>
-        <p:nvSpPr>
-          <p:cNvPr id="71" name="Freeform: Shape 70">
-            <a:extLst>
-              <a:ext uri="{FF2B5EF4-FFF2-40B4-BE49-F238E27FC236}">
-                <a16:creationId xmlns:a16="http://schemas.microsoft.com/office/drawing/2014/main" id="{4F74D28C-3268-4E35-8EE1-D92CB4A85A7D}"/>
-              </a:ext>
-              <a:ext uri="{C183D7F6-B498-43B3-948B-1728B52AA6E4}">
-                <adec:decorative xmlns:adec="http://schemas.microsoft.com/office/drawing/2017/decorative" val="1"/>
-              </a:ext>
-            </a:extLst>
-          </p:cNvPr>
-          <p:cNvSpPr>
-            <a:spLocks noGrp="1" noRot="1" noChangeAspect="1" noMove="1" noResize="1" noEditPoints="1" noAdjustHandles="1" noChangeArrowheads="1" noChangeShapeType="1" noTextEdit="1"/>
-          </p:cNvSpPr>
-          <p:nvPr>
-            <p:extLst>
-              <p:ext uri="{386F3935-93C4-4BCD-93E2-E3B085C9AB24}">
-                <p16:designElem xmlns:p16="http://schemas.microsoft.com/office/powerpoint/2015/main" val="1"/>
-              </p:ext>
-            </p:extLst>
-          </p:nvPr>
-        </p:nvSpPr>
-        <p:spPr>
-          <a:xfrm flipH="1">
-            <a:off x="0" y="0"/>
-            <a:ext cx="6172782" cy="6858000"/>
-          </a:xfrm>
-          <a:custGeom>
-            <a:avLst/>
-            <a:gdLst>
-              <a:gd name="connsiteX0" fmla="*/ 6172782 w 6172782"/>
-              <a:gd name="connsiteY0" fmla="*/ 0 h 6858000"/>
-              <a:gd name="connsiteX1" fmla="*/ 69075 w 6172782"/>
-              <a:gd name="connsiteY1" fmla="*/ 0 h 6858000"/>
-              <a:gd name="connsiteX2" fmla="*/ 35131 w 6172782"/>
-              <a:gd name="connsiteY2" fmla="*/ 267128 h 6858000"/>
-              <a:gd name="connsiteX3" fmla="*/ 0 w 6172782"/>
-              <a:gd name="connsiteY3" fmla="*/ 962845 h 6858000"/>
-              <a:gd name="connsiteX4" fmla="*/ 3276103 w 6172782"/>
-              <a:gd name="connsiteY4" fmla="*/ 6782205 h 6858000"/>
-              <a:gd name="connsiteX5" fmla="*/ 3407923 w 6172782"/>
-              <a:gd name="connsiteY5" fmla="*/ 6858000 h 6858000"/>
-              <a:gd name="connsiteX6" fmla="*/ 6172782 w 6172782"/>
-              <a:gd name="connsiteY6" fmla="*/ 6858000 h 6858000"/>
-            </a:gdLst>
-            <a:ahLst/>
-            <a:cxnLst>
-              <a:cxn ang="0">
-                <a:pos x="connsiteX0" y="connsiteY0"/>
-              </a:cxn>
-              <a:cxn ang="0">
-                <a:pos x="connsiteX1" y="connsiteY1"/>
-              </a:cxn>
-              <a:cxn ang="0">
-                <a:pos x="connsiteX2" y="connsiteY2"/>
-              </a:cxn>
-              <a:cxn ang="0">
-                <a:pos x="connsiteX3" y="connsiteY3"/>
-              </a:cxn>
-              <a:cxn ang="0">
-                <a:pos x="connsiteX4" y="connsiteY4"/>
-              </a:cxn>
-              <a:cxn ang="0">
-                <a:pos x="connsiteX5" y="connsiteY5"/>
-              </a:cxn>
-              <a:cxn ang="0">
-                <a:pos x="connsiteX6" y="connsiteY6"/>
-              </a:cxn>
-            </a:cxnLst>
-            <a:rect l="l" t="t" r="r" b="b"/>
-            <a:pathLst>
-              <a:path w="6172782" h="6858000">
-                <a:moveTo>
-                  <a:pt x="6172782" y="0"/>
-                </a:moveTo>
-                <a:lnTo>
-                  <a:pt x="69075" y="0"/>
-                </a:lnTo>
-                <a:lnTo>
-                  <a:pt x="35131" y="267128"/>
-                </a:lnTo>
-                <a:cubicBezTo>
-                  <a:pt x="11901" y="495874"/>
-                  <a:pt x="0" y="727970"/>
-                  <a:pt x="0" y="962845"/>
-                </a:cubicBezTo>
-                <a:cubicBezTo>
-                  <a:pt x="0" y="3429034"/>
-                  <a:pt x="1312002" y="5588789"/>
-                  <a:pt x="3276103" y="6782205"/>
-                </a:cubicBezTo>
-                <a:lnTo>
-                  <a:pt x="3407923" y="6858000"/>
-                </a:lnTo>
-                <a:lnTo>
-                  <a:pt x="6172782" y="6858000"/>
-                </a:lnTo>
-                <a:close/>
-              </a:path>
-            </a:pathLst>
-          </a:custGeom>
-          <a:solidFill>
-            <a:srgbClr val="FFFFFF">
-              <a:alpha val="80000"/>
-            </a:srgbClr>
-          </a:solidFill>
-          <a:ln>
-            <a:noFill/>
-          </a:ln>
-        </p:spPr>
-        <p:style>
-          <a:lnRef idx="2">
-            <a:schemeClr val="accent1">
-              <a:shade val="50000"/>
-            </a:schemeClr>
-          </a:lnRef>
-          <a:fillRef idx="1">
-            <a:schemeClr val="accent1"/>
-          </a:fillRef>
-          <a:effectRef idx="0">
-            <a:schemeClr val="accent1"/>
-          </a:effectRef>
-          <a:fontRef idx="minor">
-            <a:schemeClr val="lt1"/>
-          </a:fontRef>
-        </p:style>
-        <p:txBody>
-          <a:bodyPr wrap="square" rtlCol="0" anchor="ctr">
-            <a:noAutofit/>
-          </a:bodyPr>
-          <a:lstStyle/>
-          <a:p>
-            <a:pPr marL="0" marR="0" lvl="0" indent="0" algn="ctr" defTabSz="914400" rtl="0" eaLnBrk="1" fontAlgn="auto" latinLnBrk="0" hangingPunct="1">
-              <a:lnSpc>
-                <a:spcPct val="100000"/>
-              </a:lnSpc>
-              <a:spcBef>
-                <a:spcPts val="0"/>
-              </a:spcBef>
-              <a:spcAft>
-                <a:spcPts val="0"/>
-              </a:spcAft>
-              <a:buClrTx/>
-              <a:buSzTx/>
-              <a:buFontTx/>
-              <a:buNone/>
-              <a:tabLst/>
-              <a:defRPr/>
-            </a:pPr>
-            <a:endParaRPr kumimoji="0" lang="en-US" sz="1800" b="0" i="0" u="none" strike="noStrike" kern="1200" cap="none" spc="0" normalizeH="0" baseline="0" noProof="0">
-              <a:ln>
-                <a:noFill/>
-              </a:ln>
-              <a:solidFill>
-                <a:prstClr val="white"/>
-              </a:solidFill>
-              <a:effectLst/>
-              <a:uLnTx/>
-              <a:uFillTx/>
-              <a:latin typeface="Calibri" panose="020F0502020204030204"/>
-              <a:ea typeface="+mn-ea"/>
-              <a:cs typeface="+mn-cs"/>
-            </a:endParaRPr>
-          </a:p>
-        </p:txBody>
-      </p:sp>
-      <p:sp>
-        <p:nvSpPr>
-          <p:cNvPr id="73" name="Freeform: Shape 72">
-            <a:extLst>
-              <a:ext uri="{FF2B5EF4-FFF2-40B4-BE49-F238E27FC236}">
-                <a16:creationId xmlns:a16="http://schemas.microsoft.com/office/drawing/2014/main" id="{58D44E42-C462-4105-BC86-FE75B4E3C4AF}"/>
-              </a:ext>
-              <a:ext uri="{C183D7F6-B498-43B3-948B-1728B52AA6E4}">
-                <adec:decorative xmlns:adec="http://schemas.microsoft.com/office/drawing/2017/decorative" val="1"/>
-              </a:ext>
-            </a:extLst>
-          </p:cNvPr>
-          <p:cNvSpPr>
-            <a:spLocks noGrp="1" noRot="1" noChangeAspect="1" noMove="1" noResize="1" noEditPoints="1" noAdjustHandles="1" noChangeArrowheads="1" noChangeShapeType="1" noTextEdit="1"/>
-          </p:cNvSpPr>
-          <p:nvPr>
-            <p:extLst>
-              <p:ext uri="{386F3935-93C4-4BCD-93E2-E3B085C9AB24}">
-                <p16:designElem xmlns:p16="http://schemas.microsoft.com/office/powerpoint/2015/main" val="1"/>
-              </p:ext>
-            </p:extLst>
-          </p:nvPr>
-        </p:nvSpPr>
-        <p:spPr>
-          <a:xfrm flipH="1">
-            <a:off x="0" y="0"/>
-            <a:ext cx="6024154" cy="6858000"/>
-          </a:xfrm>
-          <a:custGeom>
-            <a:avLst/>
-            <a:gdLst>
-              <a:gd name="connsiteX0" fmla="*/ 70374 w 6024154"/>
-              <a:gd name="connsiteY0" fmla="*/ 0 h 6858000"/>
-              <a:gd name="connsiteX1" fmla="*/ 6024154 w 6024154"/>
-              <a:gd name="connsiteY1" fmla="*/ 0 h 6858000"/>
-              <a:gd name="connsiteX2" fmla="*/ 6024154 w 6024154"/>
-              <a:gd name="connsiteY2" fmla="*/ 6858000 h 6858000"/>
-              <a:gd name="connsiteX3" fmla="*/ 3587167 w 6024154"/>
-              <a:gd name="connsiteY3" fmla="*/ 6858000 h 6858000"/>
-              <a:gd name="connsiteX4" fmla="*/ 3474220 w 6024154"/>
-              <a:gd name="connsiteY4" fmla="*/ 6800152 h 6858000"/>
-              <a:gd name="connsiteX5" fmla="*/ 0 w 6024154"/>
-              <a:gd name="connsiteY5" fmla="*/ 962844 h 6858000"/>
-              <a:gd name="connsiteX6" fmla="*/ 34274 w 6024154"/>
-              <a:gd name="connsiteY6" fmla="*/ 284091 h 6858000"/>
-            </a:gdLst>
-            <a:ahLst/>
-            <a:cxnLst>
-              <a:cxn ang="0">
-                <a:pos x="connsiteX0" y="connsiteY0"/>
-              </a:cxn>
-              <a:cxn ang="0">
-                <a:pos x="connsiteX1" y="connsiteY1"/>
-              </a:cxn>
-              <a:cxn ang="0">
-                <a:pos x="connsiteX2" y="connsiteY2"/>
-              </a:cxn>
-              <a:cxn ang="0">
-                <a:pos x="connsiteX3" y="connsiteY3"/>
-              </a:cxn>
-              <a:cxn ang="0">
-                <a:pos x="connsiteX4" y="connsiteY4"/>
-              </a:cxn>
-              <a:cxn ang="0">
-                <a:pos x="connsiteX5" y="connsiteY5"/>
-              </a:cxn>
-              <a:cxn ang="0">
-                <a:pos x="connsiteX6" y="connsiteY6"/>
-              </a:cxn>
-            </a:cxnLst>
-            <a:rect l="l" t="t" r="r" b="b"/>
-            <a:pathLst>
-              <a:path w="6024154" h="6858000">
-                <a:moveTo>
-                  <a:pt x="70374" y="0"/>
-                </a:moveTo>
-                <a:lnTo>
-                  <a:pt x="6024154" y="0"/>
-                </a:lnTo>
-                <a:lnTo>
-                  <a:pt x="6024154" y="6858000"/>
-                </a:lnTo>
-                <a:lnTo>
-                  <a:pt x="3587167" y="6858000"/>
-                </a:lnTo>
-                <a:lnTo>
-                  <a:pt x="3474220" y="6800152"/>
-                </a:lnTo>
-                <a:cubicBezTo>
-                  <a:pt x="1404818" y="5675986"/>
-                  <a:pt x="0" y="3483472"/>
-                  <a:pt x="0" y="962844"/>
-                </a:cubicBezTo>
-                <a:cubicBezTo>
-                  <a:pt x="0" y="733696"/>
-                  <a:pt x="11610" y="507260"/>
-                  <a:pt x="34274" y="284091"/>
-                </a:cubicBezTo>
-                <a:close/>
-              </a:path>
-            </a:pathLst>
-          </a:custGeom>
-          <a:solidFill>
-            <a:schemeClr val="tx1"/>
-          </a:solidFill>
-          <a:ln>
-            <a:noFill/>
-          </a:ln>
-        </p:spPr>
-        <p:style>
-          <a:lnRef idx="2">
-            <a:schemeClr val="accent1">
-              <a:shade val="50000"/>
-            </a:schemeClr>
-          </a:lnRef>
-          <a:fillRef idx="1">
-            <a:schemeClr val="accent1"/>
-          </a:fillRef>
-          <a:effectRef idx="0">
-            <a:schemeClr val="accent1"/>
-          </a:effectRef>
-          <a:fontRef idx="minor">
-            <a:schemeClr val="lt1"/>
-          </a:fontRef>
-        </p:style>
-        <p:txBody>
-          <a:bodyPr rtlCol="0" anchor="ctr"/>
-          <a:lstStyle/>
-          <a:p>
-            <a:pPr marL="0" marR="0" lvl="0" indent="0" algn="ctr" defTabSz="914400" rtl="0" eaLnBrk="1" fontAlgn="auto" latinLnBrk="0" hangingPunct="1">
-              <a:lnSpc>
-                <a:spcPct val="100000"/>
-              </a:lnSpc>
-              <a:spcBef>
-                <a:spcPts val="0"/>
-              </a:spcBef>
-              <a:spcAft>
-                <a:spcPts val="0"/>
-              </a:spcAft>
-              <a:buClrTx/>
-              <a:buSzTx/>
-              <a:buFontTx/>
-              <a:buNone/>
-              <a:tabLst/>
-              <a:defRPr/>
-            </a:pPr>
-            <a:endParaRPr kumimoji="0" lang="en-US" sz="1800" b="0" i="0" u="none" strike="noStrike" kern="1200" cap="none" spc="0" normalizeH="0" baseline="0" noProof="0">
-              <a:ln>
-                <a:noFill/>
-              </a:ln>
-              <a:solidFill>
-                <a:prstClr val="white"/>
-              </a:solidFill>
-              <a:effectLst/>
-              <a:uLnTx/>
-              <a:uFillTx/>
-              <a:latin typeface="Calibri" panose="020F0502020204030204"/>
-              <a:ea typeface="+mn-ea"/>
-              <a:cs typeface="+mn-cs"/>
-            </a:endParaRPr>
-          </a:p>
-        </p:txBody>
-      </p:sp>
-      <p:pic>
-        <p:nvPicPr>
-          <p:cNvPr id="2050" name="Picture 2" descr="City of Kansas City, MO Benefits Summary | KCMO.gov - City of ...">
-            <a:extLst>
-              <a:ext uri="{FF2B5EF4-FFF2-40B4-BE49-F238E27FC236}">
-                <a16:creationId xmlns:a16="http://schemas.microsoft.com/office/drawing/2014/main" id="{3610F32F-D614-485E-9549-0602D495D35B}"/>
-              </a:ext>
-            </a:extLst>
-          </p:cNvPr>
-          <p:cNvPicPr>
-            <a:picLocks noChangeAspect="1" noChangeArrowheads="1"/>
-          </p:cNvPicPr>
-          <p:nvPr/>
-        </p:nvPicPr>
-        <p:blipFill>
-          <a:blip r:embed="rId2">
-            <a:extLst>
-              <a:ext uri="{28A0092B-C50C-407E-A947-70E740481C1C}">
-                <a14:useLocalDpi xmlns:a14="http://schemas.microsoft.com/office/drawing/2010/main" val="0"/>
-              </a:ext>
-            </a:extLst>
-          </a:blip>
-          <a:stretch>
-            <a:fillRect/>
-          </a:stretch>
-        </p:blipFill>
-        <p:spPr bwMode="auto">
-          <a:xfrm>
-            <a:off x="364241" y="1987944"/>
-            <a:ext cx="4105275" cy="1416319"/>
-          </a:xfrm>
-          <a:prstGeom prst="rect">
-            <a:avLst/>
-          </a:prstGeom>
-          <a:noFill/>
-          <a:extLst>
-            <a:ext uri="{909E8E84-426E-40DD-AFC4-6F175D3DCCD1}">
-              <a14:hiddenFill xmlns:a14="http://schemas.microsoft.com/office/drawing/2010/main">
-                <a:solidFill>
-                  <a:srgbClr val="FFFFFF"/>
-                </a:solidFill>
-              </a14:hiddenFill>
-            </a:ext>
-          </a:extLst>
-        </p:spPr>
-      </p:pic>
-      <p:sp>
-        <p:nvSpPr>
-          <p:cNvPr id="3" name="Content Placeholder 2">
-            <a:extLst>
-              <a:ext uri="{FF2B5EF4-FFF2-40B4-BE49-F238E27FC236}">
-                <a16:creationId xmlns:a16="http://schemas.microsoft.com/office/drawing/2014/main" id="{CACCA718-CD8F-4864-AA3D-CDB52A70FA52}"/>
-              </a:ext>
-            </a:extLst>
-          </p:cNvPr>
-          <p:cNvSpPr>
-            <a:spLocks noGrp="1"/>
-          </p:cNvSpPr>
-          <p:nvPr>
-            <p:ph idx="1"/>
-          </p:nvPr>
-        </p:nvSpPr>
-        <p:spPr>
-          <a:xfrm>
-            <a:off x="6658044" y="2871982"/>
-            <a:ext cx="5006336" cy="3181684"/>
-          </a:xfrm>
-        </p:spPr>
-        <p:txBody>
-          <a:bodyPr anchor="t">
-            <a:normAutofit/>
-          </a:bodyPr>
-          <a:lstStyle/>
-          <a:p>
-            <a:pPr marL="514350" indent="-514350">
-              <a:buFont typeface="+mj-lt"/>
-              <a:buAutoNum type="arabicParenR"/>
-            </a:pPr>
-            <a:r>
-              <a:rPr lang="en-US" sz="1800"/>
-              <a:t>Essential Services</a:t>
-            </a:r>
-          </a:p>
-          <a:p>
-            <a:pPr marL="514350" indent="-514350">
-              <a:buFont typeface="+mj-lt"/>
-              <a:buAutoNum type="arabicParenR"/>
-            </a:pPr>
-            <a:r>
-              <a:rPr lang="en-US" sz="1800"/>
-              <a:t>Voice of Citizens</a:t>
-            </a:r>
-          </a:p>
-          <a:p>
-            <a:pPr marL="514350" indent="-514350">
-              <a:buFont typeface="+mj-lt"/>
-              <a:buAutoNum type="arabicParenR"/>
-            </a:pPr>
-            <a:r>
-              <a:rPr lang="en-US" sz="1800"/>
-              <a:t>Accountability + Growth</a:t>
-            </a:r>
-          </a:p>
-        </p:txBody>
-      </p:sp>
-      <p:sp>
-        <p:nvSpPr>
-          <p:cNvPr id="12" name="TextBox 11">
-            <a:extLst>
-              <a:ext uri="{FF2B5EF4-FFF2-40B4-BE49-F238E27FC236}">
-                <a16:creationId xmlns:a16="http://schemas.microsoft.com/office/drawing/2014/main" id="{A7FEDA47-7BAA-4BD5-B564-B7C206357B8E}"/>
-              </a:ext>
-            </a:extLst>
-          </p:cNvPr>
-          <p:cNvSpPr txBox="1"/>
-          <p:nvPr/>
-        </p:nvSpPr>
-        <p:spPr>
-          <a:xfrm>
-            <a:off x="11496260" y="6488668"/>
-            <a:ext cx="861391" cy="369332"/>
-          </a:xfrm>
-          <a:prstGeom prst="rect">
-            <a:avLst/>
-          </a:prstGeom>
-          <a:noFill/>
-        </p:spPr>
-        <p:txBody>
-          <a:bodyPr wrap="square" rtlCol="0">
-            <a:spAutoFit/>
-          </a:bodyPr>
-          <a:lstStyle/>
-          <a:p>
-            <a:r>
-              <a:rPr lang="en-US" dirty="0"/>
-              <a:t>Mike</a:t>
-            </a:r>
-          </a:p>
-        </p:txBody>
-      </p:sp>
-    </p:spTree>
-    <p:extLst>
-      <p:ext uri="{BB962C8B-B14F-4D97-AF65-F5344CB8AC3E}">
-        <p14:creationId xmlns:p14="http://schemas.microsoft.com/office/powerpoint/2010/main" val="3402523570"/>
-      </p:ext>
-    </p:extLst>
-  </p:cSld>
-  <p:clrMapOvr>
-    <a:overrideClrMapping bg1="dk1" tx1="lt1" bg2="dk2" tx2="lt2" accent1="accent1" accent2="accent2" accent3="accent3" accent4="accent4" accent5="accent5" accent6="accent6" hlink="hlink" folHlink="folHlink"/>
-  </p:clrMapOvr>
-</p:sld>
-</file>
-
 <file path=ppt/slides/slide4.xml><?xml version="1.0" encoding="utf-8"?>
 <p:sld xmlns:a="http://schemas.openxmlformats.org/drawingml/2006/main" xmlns:r="http://schemas.openxmlformats.org/officeDocument/2006/relationships" xmlns:p="http://schemas.openxmlformats.org/presentationml/2006/main">
   <p:cSld>
@@ -15932,6 +13427,45 @@
           </a:p>
         </p:txBody>
       </p:sp>
+      <p:sp>
+        <p:nvSpPr>
+          <p:cNvPr id="4" name="TextBox 3">
+            <a:extLst>
+              <a:ext uri="{FF2B5EF4-FFF2-40B4-BE49-F238E27FC236}">
+                <a16:creationId xmlns:a16="http://schemas.microsoft.com/office/drawing/2014/main" id="{D02FC4D1-0DDA-4B14-9C3C-0A994A934E6A}"/>
+              </a:ext>
+            </a:extLst>
+          </p:cNvPr>
+          <p:cNvSpPr txBox="1"/>
+          <p:nvPr/>
+        </p:nvSpPr>
+        <p:spPr>
+          <a:xfrm>
+            <a:off x="5698435" y="5058858"/>
+            <a:ext cx="8309113" cy="400110"/>
+          </a:xfrm>
+          <a:prstGeom prst="rect">
+            <a:avLst/>
+          </a:prstGeom>
+          <a:noFill/>
+        </p:spPr>
+        <p:txBody>
+          <a:bodyPr wrap="square" rtlCol="0">
+            <a:spAutoFit/>
+          </a:bodyPr>
+          <a:lstStyle/>
+          <a:p>
+            <a:r>
+              <a:rPr lang="en-US" sz="2000" b="1" dirty="0">
+                <a:solidFill>
+                  <a:schemeClr val="bg1"/>
+                </a:solidFill>
+              </a:rPr>
+              <a:t>311 Data touches on all 3 key priorities of local government</a:t>
+            </a:r>
+          </a:p>
+        </p:txBody>
+      </p:sp>
     </p:spTree>
     <p:extLst>
       <p:ext uri="{BB962C8B-B14F-4D97-AF65-F5344CB8AC3E}">
@@ -16013,241 +13547,6 @@
           </a:prstGeom>
         </p:spPr>
       </p:pic>
-      <p:sp>
-        <p:nvSpPr>
-          <p:cNvPr id="21" name="Content Placeholder 10">
-            <a:extLst>
-              <a:ext uri="{FF2B5EF4-FFF2-40B4-BE49-F238E27FC236}">
-                <a16:creationId xmlns:a16="http://schemas.microsoft.com/office/drawing/2014/main" id="{4F703FBF-DD73-4B56-B78B-A75E9E5DA83A}"/>
-              </a:ext>
-            </a:extLst>
-          </p:cNvPr>
-          <p:cNvSpPr>
-            <a:spLocks noGrp="1"/>
-          </p:cNvSpPr>
-          <p:nvPr>
-            <p:ph idx="1"/>
-          </p:nvPr>
-        </p:nvSpPr>
-        <p:spPr>
-          <a:xfrm>
-            <a:off x="805543" y="2871982"/>
-            <a:ext cx="5272888" cy="3181684"/>
-          </a:xfrm>
-        </p:spPr>
-        <p:txBody>
-          <a:bodyPr anchor="t">
-            <a:normAutofit/>
-          </a:bodyPr>
-          <a:lstStyle/>
-          <a:p>
-            <a:endParaRPr lang="en-US" sz="1800"/>
-          </a:p>
-        </p:txBody>
-      </p:sp>
-      <p:sp>
-        <p:nvSpPr>
-          <p:cNvPr id="30" name="Freeform 49">
-            <a:extLst>
-              <a:ext uri="{FF2B5EF4-FFF2-40B4-BE49-F238E27FC236}">
-                <a16:creationId xmlns:a16="http://schemas.microsoft.com/office/drawing/2014/main" id="{EF9B8DF2-C3F5-49A2-94D2-F7B65A0F1F15}"/>
-              </a:ext>
-              <a:ext uri="{C183D7F6-B498-43B3-948B-1728B52AA6E4}">
-                <adec:decorative xmlns:adec="http://schemas.microsoft.com/office/drawing/2017/decorative" val="1"/>
-              </a:ext>
-            </a:extLst>
-          </p:cNvPr>
-          <p:cNvSpPr>
-            <a:spLocks noGrp="1" noRot="1" noChangeAspect="1" noMove="1" noResize="1" noEditPoints="1" noAdjustHandles="1" noChangeArrowheads="1" noChangeShapeType="1" noTextEdit="1"/>
-          </p:cNvSpPr>
-          <p:nvPr>
-            <p:extLst>
-              <p:ext uri="{386F3935-93C4-4BCD-93E2-E3B085C9AB24}">
-                <p16:designElem xmlns:p16="http://schemas.microsoft.com/office/powerpoint/2015/main" val="1"/>
-              </p:ext>
-            </p:extLst>
-          </p:nvPr>
-        </p:nvSpPr>
-        <p:spPr>
-          <a:xfrm flipH="1">
-            <a:off x="6713914" y="581159"/>
-            <a:ext cx="5478085" cy="6276841"/>
-          </a:xfrm>
-          <a:custGeom>
-            <a:avLst/>
-            <a:gdLst>
-              <a:gd name="connsiteX0" fmla="*/ 2178155 w 5478085"/>
-              <a:gd name="connsiteY0" fmla="*/ 0 h 6276841"/>
-              <a:gd name="connsiteX1" fmla="*/ 5478085 w 5478085"/>
-              <a:gd name="connsiteY1" fmla="*/ 3299930 h 6276841"/>
-              <a:gd name="connsiteX2" fmla="*/ 3751098 w 5478085"/>
-              <a:gd name="connsiteY2" fmla="*/ 6201577 h 6276841"/>
-              <a:gd name="connsiteX3" fmla="*/ 3594858 w 5478085"/>
-              <a:gd name="connsiteY3" fmla="*/ 6276841 h 6276841"/>
-              <a:gd name="connsiteX4" fmla="*/ 761453 w 5478085"/>
-              <a:gd name="connsiteY4" fmla="*/ 6276841 h 6276841"/>
-              <a:gd name="connsiteX5" fmla="*/ 605213 w 5478085"/>
-              <a:gd name="connsiteY5" fmla="*/ 6201577 h 6276841"/>
-              <a:gd name="connsiteX6" fmla="*/ 79093 w 5478085"/>
-              <a:gd name="connsiteY6" fmla="*/ 5846317 h 6276841"/>
-              <a:gd name="connsiteX7" fmla="*/ 0 w 5478085"/>
-              <a:gd name="connsiteY7" fmla="*/ 5774432 h 6276841"/>
-              <a:gd name="connsiteX8" fmla="*/ 0 w 5478085"/>
-              <a:gd name="connsiteY8" fmla="*/ 825429 h 6276841"/>
-              <a:gd name="connsiteX9" fmla="*/ 79093 w 5478085"/>
-              <a:gd name="connsiteY9" fmla="*/ 753544 h 6276841"/>
-              <a:gd name="connsiteX10" fmla="*/ 2178155 w 5478085"/>
-              <a:gd name="connsiteY10" fmla="*/ 0 h 6276841"/>
-            </a:gdLst>
-            <a:ahLst/>
-            <a:cxnLst>
-              <a:cxn ang="0">
-                <a:pos x="connsiteX0" y="connsiteY0"/>
-              </a:cxn>
-              <a:cxn ang="0">
-                <a:pos x="connsiteX1" y="connsiteY1"/>
-              </a:cxn>
-              <a:cxn ang="0">
-                <a:pos x="connsiteX2" y="connsiteY2"/>
-              </a:cxn>
-              <a:cxn ang="0">
-                <a:pos x="connsiteX3" y="connsiteY3"/>
-              </a:cxn>
-              <a:cxn ang="0">
-                <a:pos x="connsiteX4" y="connsiteY4"/>
-              </a:cxn>
-              <a:cxn ang="0">
-                <a:pos x="connsiteX5" y="connsiteY5"/>
-              </a:cxn>
-              <a:cxn ang="0">
-                <a:pos x="connsiteX6" y="connsiteY6"/>
-              </a:cxn>
-              <a:cxn ang="0">
-                <a:pos x="connsiteX7" y="connsiteY7"/>
-              </a:cxn>
-              <a:cxn ang="0">
-                <a:pos x="connsiteX8" y="connsiteY8"/>
-              </a:cxn>
-              <a:cxn ang="0">
-                <a:pos x="connsiteX9" y="connsiteY9"/>
-              </a:cxn>
-              <a:cxn ang="0">
-                <a:pos x="connsiteX10" y="connsiteY10"/>
-              </a:cxn>
-            </a:cxnLst>
-            <a:rect l="l" t="t" r="r" b="b"/>
-            <a:pathLst>
-              <a:path w="5478085" h="6276841">
-                <a:moveTo>
-                  <a:pt x="2178155" y="0"/>
-                </a:moveTo>
-                <a:cubicBezTo>
-                  <a:pt x="4000656" y="0"/>
-                  <a:pt x="5478085" y="1477429"/>
-                  <a:pt x="5478085" y="3299930"/>
-                </a:cubicBezTo>
-                <a:cubicBezTo>
-                  <a:pt x="5478085" y="4552900"/>
-                  <a:pt x="4779769" y="5642769"/>
-                  <a:pt x="3751098" y="6201577"/>
-                </a:cubicBezTo>
-                <a:lnTo>
-                  <a:pt x="3594858" y="6276841"/>
-                </a:lnTo>
-                <a:lnTo>
-                  <a:pt x="761453" y="6276841"/>
-                </a:lnTo>
-                <a:lnTo>
-                  <a:pt x="605213" y="6201577"/>
-                </a:lnTo>
-                <a:cubicBezTo>
-                  <a:pt x="418182" y="6099975"/>
-                  <a:pt x="242071" y="5980818"/>
-                  <a:pt x="79093" y="5846317"/>
-                </a:cubicBezTo>
-                <a:lnTo>
-                  <a:pt x="0" y="5774432"/>
-                </a:lnTo>
-                <a:lnTo>
-                  <a:pt x="0" y="825429"/>
-                </a:lnTo>
-                <a:lnTo>
-                  <a:pt x="79093" y="753544"/>
-                </a:lnTo>
-                <a:cubicBezTo>
-                  <a:pt x="649516" y="282789"/>
-                  <a:pt x="1380811" y="0"/>
-                  <a:pt x="2178155" y="0"/>
-                </a:cubicBezTo>
-                <a:close/>
-              </a:path>
-            </a:pathLst>
-          </a:custGeom>
-          <a:solidFill>
-            <a:srgbClr val="FFFFFF">
-              <a:alpha val="80000"/>
-            </a:srgbClr>
-          </a:solidFill>
-          <a:ln w="31750">
-            <a:noFill/>
-          </a:ln>
-        </p:spPr>
-        <p:style>
-          <a:lnRef idx="2">
-            <a:schemeClr val="accent1">
-              <a:shade val="50000"/>
-            </a:schemeClr>
-          </a:lnRef>
-          <a:fillRef idx="1">
-            <a:schemeClr val="accent1"/>
-          </a:fillRef>
-          <a:effectRef idx="0">
-            <a:schemeClr val="accent1"/>
-          </a:effectRef>
-          <a:fontRef idx="minor">
-            <a:schemeClr val="lt1"/>
-          </a:fontRef>
-        </p:style>
-        <p:txBody>
-          <a:bodyPr wrap="square" rtlCol="0" anchor="ctr">
-            <a:noAutofit/>
-          </a:bodyPr>
-          <a:lstStyle/>
-          <a:p>
-            <a:pPr marL="0" marR="0" lvl="0" indent="0" algn="ctr" defTabSz="914400" rtl="0" eaLnBrk="1" fontAlgn="auto" latinLnBrk="0" hangingPunct="1">
-              <a:lnSpc>
-                <a:spcPct val="100000"/>
-              </a:lnSpc>
-              <a:spcBef>
-                <a:spcPts val="0"/>
-              </a:spcBef>
-              <a:spcAft>
-                <a:spcPts val="0"/>
-              </a:spcAft>
-              <a:buClrTx/>
-              <a:buSzTx/>
-              <a:buFontTx/>
-              <a:buNone/>
-              <a:tabLst/>
-              <a:defRPr/>
-            </a:pPr>
-            <a:endParaRPr kumimoji="0" lang="en-US" sz="1800" b="0" i="0" u="none" strike="noStrike" kern="1200" cap="none" spc="0" normalizeH="0" baseline="0" noProof="0">
-              <a:ln>
-                <a:noFill/>
-              </a:ln>
-              <a:solidFill>
-                <a:prstClr val="white"/>
-              </a:solidFill>
-              <a:effectLst/>
-              <a:uLnTx/>
-              <a:uFillTx/>
-              <a:latin typeface="Calibri" panose="020F0502020204030204"/>
-              <a:ea typeface="+mn-ea"/>
-              <a:cs typeface="+mn-cs"/>
-            </a:endParaRPr>
-          </a:p>
-        </p:txBody>
-      </p:sp>
       <p:pic>
         <p:nvPicPr>
           <p:cNvPr id="7" name="Picture 6" descr="A screenshot of a computer&#10;&#10;Description automatically generated">
@@ -16333,31 +13632,6 @@
           </a:custGeom>
         </p:spPr>
       </p:pic>
-      <p:sp>
-        <p:nvSpPr>
-          <p:cNvPr id="9" name="Title 8">
-            <a:extLst>
-              <a:ext uri="{FF2B5EF4-FFF2-40B4-BE49-F238E27FC236}">
-                <a16:creationId xmlns:a16="http://schemas.microsoft.com/office/drawing/2014/main" id="{693A864E-3601-49C7-804F-7EDBE6B9205D}"/>
-              </a:ext>
-            </a:extLst>
-          </p:cNvPr>
-          <p:cNvSpPr>
-            <a:spLocks noGrp="1"/>
-          </p:cNvSpPr>
-          <p:nvPr>
-            <p:ph type="title"/>
-          </p:nvPr>
-        </p:nvSpPr>
-        <p:spPr/>
-        <p:txBody>
-          <a:bodyPr/>
-          <a:lstStyle/>
-          <a:p>
-            <a:endParaRPr lang="en-US"/>
-          </a:p>
-        </p:txBody>
-      </p:sp>
       <p:sp>
         <p:nvSpPr>
           <p:cNvPr id="20" name="TextBox 19">
@@ -17168,8 +14442,8 @@
         </p:nvSpPr>
         <p:spPr>
           <a:xfrm>
-            <a:off x="4673049" y="209102"/>
-            <a:ext cx="2845902" cy="711580"/>
+            <a:off x="2862470" y="209102"/>
+            <a:ext cx="6891129" cy="711580"/>
           </a:xfrm>
           <a:prstGeom prst="roundRect">
             <a:avLst/>
@@ -17204,7 +14478,7 @@
             <a:pPr algn="ctr"/>
             <a:r>
               <a:rPr lang="en-US" sz="4000" dirty="0"/>
-              <a:t>Insights</a:t>
+              <a:t>Insights – but how?</a:t>
             </a:r>
             <a:endParaRPr lang="en-US" sz="6000" dirty="0"/>
           </a:p>
@@ -17264,10 +14538,7 @@
     <p:bg>
       <p:bgPr>
         <a:solidFill>
-          <a:schemeClr val="bg1">
-            <a:tint val="95000"/>
-            <a:satMod val="170000"/>
-          </a:schemeClr>
+          <a:schemeClr val="bg1"/>
         </a:solidFill>
         <a:effectLst/>
       </p:bgPr>
@@ -17288,45 +14559,10 @@
       </p:grpSpPr>
       <p:sp>
         <p:nvSpPr>
-          <p:cNvPr id="2" name="Title 1">
-            <a:extLst>
-              <a:ext uri="{FF2B5EF4-FFF2-40B4-BE49-F238E27FC236}">
-                <a16:creationId xmlns:a16="http://schemas.microsoft.com/office/drawing/2014/main" id="{B6D0CEDF-F3BE-401B-AFEF-B9888F53A829}"/>
-              </a:ext>
-            </a:extLst>
-          </p:cNvPr>
-          <p:cNvSpPr>
-            <a:spLocks noGrp="1"/>
-          </p:cNvSpPr>
-          <p:nvPr>
-            <p:ph type="title"/>
-          </p:nvPr>
-        </p:nvSpPr>
-        <p:spPr>
-          <a:xfrm>
-            <a:off x="804673" y="1445494"/>
-            <a:ext cx="3616856" cy="4376572"/>
-          </a:xfrm>
-        </p:spPr>
-        <p:txBody>
-          <a:bodyPr anchor="ctr">
-            <a:normAutofit/>
-          </a:bodyPr>
-          <a:lstStyle/>
-          <a:p>
-            <a:r>
-              <a:rPr lang="en-US" sz="4800"/>
-              <a:t>KC 311 Data Dashboard</a:t>
-            </a:r>
-          </a:p>
-        </p:txBody>
-      </p:sp>
-      <p:sp>
-        <p:nvSpPr>
-          <p:cNvPr id="8" name="Freeform: Shape 7">
-            <a:extLst>
-              <a:ext uri="{FF2B5EF4-FFF2-40B4-BE49-F238E27FC236}">
-                <a16:creationId xmlns:a16="http://schemas.microsoft.com/office/drawing/2014/main" id="{DFF2AC85-FAA0-4844-813F-83C04D7382E2}"/>
+          <p:cNvPr id="16" name="Rectangle 15">
+            <a:extLst>
+              <a:ext uri="{FF2B5EF4-FFF2-40B4-BE49-F238E27FC236}">
+                <a16:creationId xmlns:a16="http://schemas.microsoft.com/office/drawing/2014/main" id="{3A5B4632-C963-4296-86F0-79AA9EA5AE98}"/>
               </a:ext>
               <a:ext uri="{C183D7F6-B498-43B3-948B-1728B52AA6E4}">
                 <adec:decorative xmlns:adec="http://schemas.microsoft.com/office/drawing/2017/decorative" val="1"/>
@@ -17344,82 +14580,25 @@
             </p:extLst>
           </p:nvPr>
         </p:nvSpPr>
-        <p:spPr>
+        <p:spPr bwMode="ltGray">
           <a:xfrm>
-            <a:off x="4907636" y="0"/>
-            <a:ext cx="7281316" cy="6858000"/>
+            <a:off x="338328" y="303591"/>
+            <a:ext cx="4335327" cy="5896743"/>
           </a:xfrm>
-          <a:custGeom>
+          <a:prstGeom prst="rect">
             <a:avLst/>
-            <a:gdLst>
-              <a:gd name="connsiteX0" fmla="*/ 361354 w 7281316"/>
-              <a:gd name="connsiteY0" fmla="*/ 0 h 6858000"/>
-              <a:gd name="connsiteX1" fmla="*/ 7281316 w 7281316"/>
-              <a:gd name="connsiteY1" fmla="*/ 0 h 6858000"/>
-              <a:gd name="connsiteX2" fmla="*/ 7281316 w 7281316"/>
-              <a:gd name="connsiteY2" fmla="*/ 6858000 h 6858000"/>
-              <a:gd name="connsiteX3" fmla="*/ 696735 w 7281316"/>
-              <a:gd name="connsiteY3" fmla="*/ 6858000 h 6858000"/>
-              <a:gd name="connsiteX4" fmla="*/ 690849 w 7281316"/>
-              <a:gd name="connsiteY4" fmla="*/ 6842426 h 6858000"/>
-              <a:gd name="connsiteX5" fmla="*/ 335637 w 7281316"/>
-              <a:gd name="connsiteY5" fmla="*/ 94722 h 6858000"/>
-            </a:gdLst>
-            <a:ahLst/>
-            <a:cxnLst>
-              <a:cxn ang="0">
-                <a:pos x="connsiteX0" y="connsiteY0"/>
-              </a:cxn>
-              <a:cxn ang="0">
-                <a:pos x="connsiteX1" y="connsiteY1"/>
-              </a:cxn>
-              <a:cxn ang="0">
-                <a:pos x="connsiteX2" y="connsiteY2"/>
-              </a:cxn>
-              <a:cxn ang="0">
-                <a:pos x="connsiteX3" y="connsiteY3"/>
-              </a:cxn>
-              <a:cxn ang="0">
-                <a:pos x="connsiteX4" y="connsiteY4"/>
-              </a:cxn>
-              <a:cxn ang="0">
-                <a:pos x="connsiteX5" y="connsiteY5"/>
-              </a:cxn>
-            </a:cxnLst>
-            <a:rect l="l" t="t" r="r" b="b"/>
-            <a:pathLst>
-              <a:path w="7281316" h="6858000">
-                <a:moveTo>
-                  <a:pt x="361354" y="0"/>
-                </a:moveTo>
-                <a:lnTo>
-                  <a:pt x="7281316" y="0"/>
-                </a:lnTo>
-                <a:lnTo>
-                  <a:pt x="7281316" y="6858000"/>
-                </a:lnTo>
-                <a:lnTo>
-                  <a:pt x="696735" y="6858000"/>
-                </a:lnTo>
-                <a:lnTo>
-                  <a:pt x="690849" y="6842426"/>
-                </a:lnTo>
-                <a:cubicBezTo>
-                  <a:pt x="-65870" y="4704140"/>
-                  <a:pt x="-226206" y="2374054"/>
-                  <a:pt x="335637" y="94722"/>
-                </a:cubicBezTo>
-                <a:close/>
-              </a:path>
-            </a:pathLst>
-          </a:custGeom>
+          </a:prstGeom>
           <a:solidFill>
             <a:schemeClr val="tx1">
-              <a:alpha val="80000"/>
+              <a:alpha val="15000"/>
             </a:schemeClr>
           </a:solidFill>
-          <a:ln>
-            <a:noFill/>
+          <a:ln w="127000" cap="sq" cmpd="thinThick">
+            <a:solidFill>
+              <a:schemeClr val="tx1">
+                <a:alpha val="10000"/>
+              </a:schemeClr>
+            </a:solidFill>
           </a:ln>
         </p:spPr>
         <p:style>
@@ -17449,182 +14628,76 @@
       </p:sp>
       <p:sp>
         <p:nvSpPr>
-          <p:cNvPr id="10" name="Freeform: Shape 9">
-            <a:extLst>
-              <a:ext uri="{FF2B5EF4-FFF2-40B4-BE49-F238E27FC236}">
-                <a16:creationId xmlns:a16="http://schemas.microsoft.com/office/drawing/2014/main" id="{89CC0F1E-BAA2-47B1-8F83-7ECB9FD9E009}"/>
-              </a:ext>
-              <a:ext uri="{C183D7F6-B498-43B3-948B-1728B52AA6E4}">
-                <adec:decorative xmlns:adec="http://schemas.microsoft.com/office/drawing/2017/decorative" val="1"/>
+          <p:cNvPr id="2" name="Title 1">
+            <a:extLst>
+              <a:ext uri="{FF2B5EF4-FFF2-40B4-BE49-F238E27FC236}">
+                <a16:creationId xmlns:a16="http://schemas.microsoft.com/office/drawing/2014/main" id="{EFDD0172-77F0-406B-A3D2-4766DB2E7DA2}"/>
               </a:ext>
             </a:extLst>
           </p:cNvPr>
           <p:cNvSpPr>
-            <a:spLocks noGrp="1" noRot="1" noChangeAspect="1" noMove="1" noResize="1" noEditPoints="1" noAdjustHandles="1" noChangeArrowheads="1" noChangeShapeType="1" noTextEdit="1"/>
+            <a:spLocks noGrp="1"/>
           </p:cNvSpPr>
           <p:nvPr>
-            <p:extLst>
-              <p:ext uri="{386F3935-93C4-4BCD-93E2-E3B085C9AB24}">
-                <p16:designElem xmlns:p16="http://schemas.microsoft.com/office/powerpoint/2015/main" val="1"/>
-              </p:ext>
-            </p:extLst>
+            <p:ph type="title"/>
           </p:nvPr>
         </p:nvSpPr>
         <p:spPr>
           <a:xfrm>
-            <a:off x="5189558" y="0"/>
-            <a:ext cx="6999394" cy="6858000"/>
-          </a:xfrm>
-          <a:custGeom>
-            <a:avLst/>
-            <a:gdLst>
-              <a:gd name="connsiteX0" fmla="*/ 6999394 w 6999394"/>
-              <a:gd name="connsiteY0" fmla="*/ 0 h 6858000"/>
-              <a:gd name="connsiteX1" fmla="*/ 6999394 w 6999394"/>
-              <a:gd name="connsiteY1" fmla="*/ 6858000 h 6858000"/>
-              <a:gd name="connsiteX2" fmla="*/ 717029 w 6999394"/>
-              <a:gd name="connsiteY2" fmla="*/ 6858000 h 6858000"/>
-              <a:gd name="connsiteX3" fmla="*/ 623642 w 6999394"/>
-              <a:gd name="connsiteY3" fmla="*/ 6599363 h 6858000"/>
-              <a:gd name="connsiteX4" fmla="*/ 319533 w 6999394"/>
-              <a:gd name="connsiteY4" fmla="*/ 193787 h 6858000"/>
-              <a:gd name="connsiteX5" fmla="*/ 371685 w 6999394"/>
-              <a:gd name="connsiteY5" fmla="*/ 1 h 6858000"/>
-            </a:gdLst>
-            <a:ahLst/>
-            <a:cxnLst>
-              <a:cxn ang="0">
-                <a:pos x="connsiteX0" y="connsiteY0"/>
-              </a:cxn>
-              <a:cxn ang="0">
-                <a:pos x="connsiteX1" y="connsiteY1"/>
-              </a:cxn>
-              <a:cxn ang="0">
-                <a:pos x="connsiteX2" y="connsiteY2"/>
-              </a:cxn>
-              <a:cxn ang="0">
-                <a:pos x="connsiteX3" y="connsiteY3"/>
-              </a:cxn>
-              <a:cxn ang="0">
-                <a:pos x="connsiteX4" y="connsiteY4"/>
-              </a:cxn>
-              <a:cxn ang="0">
-                <a:pos x="connsiteX5" y="connsiteY5"/>
-              </a:cxn>
-            </a:cxnLst>
-            <a:rect l="l" t="t" r="r" b="b"/>
-            <a:pathLst>
-              <a:path w="6999394" h="6858000">
-                <a:moveTo>
-                  <a:pt x="6999394" y="0"/>
-                </a:moveTo>
-                <a:lnTo>
-                  <a:pt x="6999394" y="6858000"/>
-                </a:lnTo>
-                <a:lnTo>
-                  <a:pt x="717029" y="6858000"/>
-                </a:lnTo>
-                <a:lnTo>
-                  <a:pt x="623642" y="6599363"/>
-                </a:lnTo>
-                <a:cubicBezTo>
-                  <a:pt x="-67685" y="4563346"/>
-                  <a:pt x="-206622" y="2355719"/>
-                  <a:pt x="319533" y="193787"/>
-                </a:cubicBezTo>
-                <a:lnTo>
-                  <a:pt x="371685" y="1"/>
-                </a:lnTo>
-                <a:close/>
-              </a:path>
-            </a:pathLst>
-          </a:custGeom>
-          <a:solidFill>
-            <a:schemeClr val="tx1">
-              <a:alpha val="80000"/>
-            </a:schemeClr>
-          </a:solidFill>
-          <a:ln>
-            <a:noFill/>
-          </a:ln>
-        </p:spPr>
-        <p:style>
-          <a:lnRef idx="2">
-            <a:schemeClr val="accent1">
-              <a:shade val="50000"/>
-            </a:schemeClr>
-          </a:lnRef>
-          <a:fillRef idx="1">
-            <a:schemeClr val="accent1"/>
-          </a:fillRef>
-          <a:effectRef idx="0">
-            <a:schemeClr val="accent1"/>
-          </a:effectRef>
-          <a:fontRef idx="minor">
-            <a:schemeClr val="lt1"/>
-          </a:fontRef>
-        </p:style>
-        <p:txBody>
-          <a:bodyPr rtlCol="0" anchor="ctr"/>
-          <a:lstStyle/>
-          <a:p>
-            <a:pPr algn="ctr"/>
-            <a:endParaRPr lang="en-US"/>
-          </a:p>
-        </p:txBody>
-      </p:sp>
-      <p:sp>
-        <p:nvSpPr>
-          <p:cNvPr id="3" name="Content Placeholder 2">
-            <a:extLst>
-              <a:ext uri="{FF2B5EF4-FFF2-40B4-BE49-F238E27FC236}">
-                <a16:creationId xmlns:a16="http://schemas.microsoft.com/office/drawing/2014/main" id="{68E9F1E9-AF9F-4048-8FFC-1C65AB9FC01B}"/>
-              </a:ext>
-            </a:extLst>
-          </p:cNvPr>
-          <p:cNvSpPr>
-            <a:spLocks noGrp="1"/>
-          </p:cNvSpPr>
-          <p:nvPr>
-            <p:ph idx="1"/>
-          </p:nvPr>
-        </p:nvSpPr>
-        <p:spPr>
-          <a:xfrm>
-            <a:off x="6096000" y="1399032"/>
-            <a:ext cx="5501834" cy="4471416"/>
+            <a:off x="594360" y="637125"/>
+            <a:ext cx="3802276" cy="5256371"/>
           </a:xfrm>
         </p:spPr>
         <p:txBody>
-          <a:bodyPr anchor="ctr">
+          <a:bodyPr>
             <a:normAutofit/>
           </a:bodyPr>
           <a:lstStyle/>
           <a:p>
-            <a:endParaRPr lang="en-US" sz="2200">
-              <a:solidFill>
-                <a:schemeClr val="bg1"/>
-              </a:solidFill>
-            </a:endParaRPr>
-          </a:p>
-          <a:p>
             <a:r>
-              <a:rPr lang="en-US" sz="2200">
-                <a:solidFill>
-                  <a:schemeClr val="bg1"/>
-                </a:solidFill>
-              </a:rPr>
-              <a:t>INSERT SCREEN SHOT</a:t>
+              <a:rPr lang="en-US" sz="4800" dirty="0"/>
+              <a:t>Our Approach</a:t>
             </a:r>
           </a:p>
         </p:txBody>
       </p:sp>
+      <p:graphicFrame>
+        <p:nvGraphicFramePr>
+          <p:cNvPr id="11" name="Content Placeholder 10">
+            <a:extLst>
+              <a:ext uri="{FF2B5EF4-FFF2-40B4-BE49-F238E27FC236}">
+                <a16:creationId xmlns:a16="http://schemas.microsoft.com/office/drawing/2014/main" id="{EBDB6C5D-C31C-40CD-A0EA-183829E47F9B}"/>
+              </a:ext>
+            </a:extLst>
+          </p:cNvPr>
+          <p:cNvGraphicFramePr>
+            <a:graphicFrameLocks noGrp="1"/>
+          </p:cNvGraphicFramePr>
+          <p:nvPr>
+            <p:ph idx="1"/>
+            <p:extLst>
+              <p:ext uri="{D42A27DB-BD31-4B8C-83A1-F6EECF244321}">
+                <p14:modId xmlns:p14="http://schemas.microsoft.com/office/powerpoint/2010/main" val="13646163"/>
+              </p:ext>
+            </p:extLst>
+          </p:nvPr>
+        </p:nvGraphicFramePr>
+        <p:xfrm>
+          <a:off x="5166985" y="303591"/>
+          <a:ext cx="6588691" cy="5896743"/>
+        </p:xfrm>
+        <a:graphic>
+          <a:graphicData uri="http://schemas.openxmlformats.org/drawingml/2006/diagram">
+            <dgm:relIds xmlns:dgm="http://schemas.openxmlformats.org/drawingml/2006/diagram" xmlns:r="http://schemas.openxmlformats.org/officeDocument/2006/relationships" r:dm="rId2" r:lo="rId3" r:qs="rId4" r:cs="rId5"/>
+          </a:graphicData>
+        </a:graphic>
+      </p:graphicFrame>
       <p:sp>
         <p:nvSpPr>
-          <p:cNvPr id="6" name="TextBox 5">
-            <a:extLst>
-              <a:ext uri="{FF2B5EF4-FFF2-40B4-BE49-F238E27FC236}">
-                <a16:creationId xmlns:a16="http://schemas.microsoft.com/office/drawing/2014/main" id="{92FCFD00-4246-463C-95D2-5E02E0374FBD}"/>
+          <p:cNvPr id="21" name="TextBox 20">
+            <a:extLst>
+              <a:ext uri="{FF2B5EF4-FFF2-40B4-BE49-F238E27FC236}">
+                <a16:creationId xmlns:a16="http://schemas.microsoft.com/office/drawing/2014/main" id="{87C02A60-9E70-4C44-AB05-A43AB9FEB356}"/>
               </a:ext>
             </a:extLst>
           </p:cNvPr>
@@ -17658,12 +14731,12 @@
     </p:spTree>
     <p:extLst>
       <p:ext uri="{BB962C8B-B14F-4D97-AF65-F5344CB8AC3E}">
-        <p14:creationId xmlns:p14="http://schemas.microsoft.com/office/powerpoint/2010/main" val="1859442274"/>
+        <p14:creationId xmlns:p14="http://schemas.microsoft.com/office/powerpoint/2010/main" val="738092125"/>
       </p:ext>
     </p:extLst>
   </p:cSld>
   <p:clrMapOvr>
-    <a:overrideClrMapping bg1="dk1" tx1="lt1" bg2="dk2" tx2="lt2" accent1="accent1" accent2="accent2" accent3="accent3" accent4="accent4" accent5="accent5" accent6="accent6" hlink="hlink" folHlink="folHlink"/>
+    <a:masterClrMapping/>
   </p:clrMapOvr>
 </p:sld>
 </file>
